--- a/Research Homeworks/Research Homeworks.pptx
+++ b/Research Homeworks/Research Homeworks.pptx
@@ -5,10 +5,10 @@
     <p:sldMasterId id="2147483648" r:id="rId1"/>
   </p:sldMasterIdLst>
   <p:notesMasterIdLst>
-    <p:notesMasterId r:id="rId17"/>
+    <p:notesMasterId r:id="rId21"/>
   </p:notesMasterIdLst>
   <p:handoutMasterIdLst>
-    <p:handoutMasterId r:id="rId18"/>
+    <p:handoutMasterId r:id="rId22"/>
   </p:handoutMasterIdLst>
   <p:sldIdLst>
     <p:sldId id="258" r:id="rId3"/>
@@ -25,6 +25,10 @@
     <p:sldId id="292" r:id="rId14"/>
     <p:sldId id="294" r:id="rId15"/>
     <p:sldId id="295" r:id="rId16"/>
+    <p:sldId id="296" r:id="rId17"/>
+    <p:sldId id="297" r:id="rId18"/>
+    <p:sldId id="298" r:id="rId19"/>
+    <p:sldId id="299" r:id="rId20"/>
   </p:sldIdLst>
   <p:sldSz cx="12192000" cy="6858000"/>
   <p:notesSz cx="6858000" cy="9144000"/>
@@ -5585,6 +5589,2145 @@
           <a:xfrm>
             <a:off x="9860280" y="1365885"/>
             <a:ext cx="2331720" cy="5392420"/>
+          </a:xfrm>
+          <a:prstGeom prst="rect">
+            <a:avLst/>
+          </a:prstGeom>
+        </p:spPr>
+      </p:pic>
+    </p:spTree>
+  </p:cSld>
+  <p:clrMapOvr>
+    <a:masterClrMapping/>
+  </p:clrMapOvr>
+  <p:timing>
+    <p:tnLst>
+      <p:par>
+        <p:cTn id="1" dur="indefinite" restart="never" nodeType="tmRoot">
+          <p:childTnLst>
+            <p:seq concurrent="1" nextAc="seek">
+              <p:cTn id="2" dur="indefinite" nodeType="mainSeq">
+                <p:childTnLst>
+                  <p:par>
+                    <p:cTn id="3" fill="hold">
+                      <p:stCondLst>
+                        <p:cond delay="indefinite"/>
+                        <p:cond evt="onBegin" delay="0">
+                          <p:tn val="2"/>
+                        </p:cond>
+                      </p:stCondLst>
+                      <p:childTnLst>
+                        <p:par>
+                          <p:cTn id="4" fill="hold">
+                            <p:stCondLst>
+                              <p:cond delay="0"/>
+                            </p:stCondLst>
+                            <p:childTnLst>
+                              <p:par>
+                                <p:cTn id="5" presetID="2" presetClass="entr" presetSubtype="2" decel="100000" fill="hold" grpId="0" nodeType="withEffect">
+                                  <p:stCondLst>
+                                    <p:cond delay="0"/>
+                                  </p:stCondLst>
+                                  <p:childTnLst>
+                                    <p:set>
+                                      <p:cBhvr>
+                                        <p:cTn id="6" dur="1" fill="hold">
+                                          <p:stCondLst>
+                                            <p:cond delay="0"/>
+                                          </p:stCondLst>
+                                        </p:cTn>
+                                        <p:tgtEl>
+                                          <p:spTgt spid="8"/>
+                                        </p:tgtEl>
+                                        <p:attrNameLst>
+                                          <p:attrName>style.visibility</p:attrName>
+                                        </p:attrNameLst>
+                                      </p:cBhvr>
+                                      <p:to>
+                                        <p:strVal val="visible"/>
+                                      </p:to>
+                                    </p:set>
+                                    <p:anim calcmode="lin" valueType="num">
+                                      <p:cBhvr additive="base">
+                                        <p:cTn id="7" dur="750" fill="hold"/>
+                                        <p:tgtEl>
+                                          <p:spTgt spid="8"/>
+                                        </p:tgtEl>
+                                        <p:attrNameLst>
+                                          <p:attrName>ppt_x</p:attrName>
+                                        </p:attrNameLst>
+                                      </p:cBhvr>
+                                      <p:tavLst>
+                                        <p:tav tm="0">
+                                          <p:val>
+                                            <p:strVal val="1+#ppt_w/2"/>
+                                          </p:val>
+                                        </p:tav>
+                                        <p:tav tm="100000">
+                                          <p:val>
+                                            <p:strVal val="#ppt_x"/>
+                                          </p:val>
+                                        </p:tav>
+                                      </p:tavLst>
+                                    </p:anim>
+                                    <p:anim calcmode="lin" valueType="num">
+                                      <p:cBhvr additive="base">
+                                        <p:cTn id="8" dur="750" fill="hold"/>
+                                        <p:tgtEl>
+                                          <p:spTgt spid="8"/>
+                                        </p:tgtEl>
+                                        <p:attrNameLst>
+                                          <p:attrName>ppt_y</p:attrName>
+                                        </p:attrNameLst>
+                                      </p:cBhvr>
+                                      <p:tavLst>
+                                        <p:tav tm="0">
+                                          <p:val>
+                                            <p:strVal val="#ppt_y"/>
+                                          </p:val>
+                                        </p:tav>
+                                        <p:tav tm="100000">
+                                          <p:val>
+                                            <p:strVal val="#ppt_y"/>
+                                          </p:val>
+                                        </p:tav>
+                                      </p:tavLst>
+                                    </p:anim>
+                                  </p:childTnLst>
+                                </p:cTn>
+                              </p:par>
+                            </p:childTnLst>
+                          </p:cTn>
+                        </p:par>
+                      </p:childTnLst>
+                    </p:cTn>
+                  </p:par>
+                </p:childTnLst>
+              </p:cTn>
+              <p:prevCondLst>
+                <p:cond evt="onPrev" delay="0">
+                  <p:tgtEl>
+                    <p:sldTgt/>
+                  </p:tgtEl>
+                </p:cond>
+              </p:prevCondLst>
+              <p:nextCondLst>
+                <p:cond evt="onNext" delay="0">
+                  <p:tgtEl>
+                    <p:sldTgt/>
+                  </p:tgtEl>
+                </p:cond>
+              </p:nextCondLst>
+            </p:seq>
+          </p:childTnLst>
+        </p:cTn>
+      </p:par>
+    </p:tnLst>
+    <p:bldLst>
+      <p:bldP spid="8" grpId="0" bldLvl="0" animBg="1"/>
+    </p:bldLst>
+  </p:timing>
+</p:sld>
+</file>
+
+<file path=ppt/slides/slide15.xml><?xml version="1.0" encoding="utf-8"?>
+<p:sld xmlns:a="http://schemas.openxmlformats.org/drawingml/2006/main" xmlns:r="http://schemas.openxmlformats.org/officeDocument/2006/relationships" xmlns:p="http://schemas.openxmlformats.org/presentationml/2006/main">
+  <p:cSld>
+    <p:spTree>
+      <p:nvGrpSpPr>
+        <p:cNvPr id="1" name=""/>
+        <p:cNvGrpSpPr/>
+        <p:nvPr/>
+      </p:nvGrpSpPr>
+      <p:grpSpPr>
+        <a:xfrm>
+          <a:off x="0" y="0"/>
+          <a:ext cx="0" cy="0"/>
+          <a:chOff x="0" y="0"/>
+          <a:chExt cx="0" cy="0"/>
+        </a:xfrm>
+      </p:grpSpPr>
+      <p:pic>
+        <p:nvPicPr>
+          <p:cNvPr id="8" name="图片 7"/>
+          <p:cNvPicPr>
+            <a:picLocks noChangeAspect="1"/>
+          </p:cNvPicPr>
+          <p:nvPr/>
+        </p:nvPicPr>
+        <p:blipFill>
+          <a:blip r:embed="rId1"/>
+          <a:stretch>
+            <a:fillRect/>
+          </a:stretch>
+        </p:blipFill>
+        <p:spPr>
+          <a:xfrm>
+            <a:off x="1080452" y="1151675"/>
+            <a:ext cx="4643692" cy="4643815"/>
+          </a:xfrm>
+          <a:prstGeom prst="rect">
+            <a:avLst/>
+          </a:prstGeom>
+        </p:spPr>
+      </p:pic>
+      <p:sp>
+        <p:nvSpPr>
+          <p:cNvPr id="10" name="文本框 9" descr="e7d195523061f1c0deeec63e560781cfd59afb0ea006f2a87ABB68BF51EA6619813959095094C18C62A12F549504892A4AAA8C1554C6663626E05CA27F281A14E6983772AFC3FB97135759321DEA3D704CB8FFD9D2544D20427D00997056F5C96BEB36E87B176A9A2B0208D5F0253CAA64F289E16775627845AD05F6A8DA43D217D906D92F737DD9"/>
+          <p:cNvSpPr txBox="1"/>
+          <p:nvPr/>
+        </p:nvSpPr>
+        <p:spPr>
+          <a:xfrm>
+            <a:off x="920115" y="3416300"/>
+            <a:ext cx="4496435" cy="645160"/>
+          </a:xfrm>
+          <a:prstGeom prst="rect">
+            <a:avLst/>
+          </a:prstGeom>
+          <a:noFill/>
+          <a:effectLst/>
+        </p:spPr>
+        <p:txBody>
+          <a:bodyPr wrap="square" rtlCol="0">
+            <a:spAutoFit/>
+          </a:bodyPr>
+          <a:lstStyle/>
+          <a:p>
+            <a:pPr algn="ctr"/>
+            <a:r>
+              <a:rPr lang="tr-TR" altLang="en-US" sz="3600" b="1" dirty="0" smtClean="0">
+                <a:solidFill>
+                  <a:srgbClr val="333333"/>
+                </a:solidFill>
+                <a:latin typeface="Arial" panose="020B0604020202020204" pitchFamily="34" charset="0"/>
+                <a:ea typeface="Arial" panose="020B0604020202020204" pitchFamily="34" charset="0"/>
+                <a:cs typeface="Arial" panose="020B0604020202020204" pitchFamily="34" charset="0"/>
+              </a:rPr>
+              <a:t>Ödev-3</a:t>
+            </a:r>
+            <a:endParaRPr lang="tr-TR" altLang="en-US" sz="3600" b="1" dirty="0" smtClean="0">
+              <a:solidFill>
+                <a:srgbClr val="333333"/>
+              </a:solidFill>
+              <a:latin typeface="Arial" panose="020B0604020202020204" pitchFamily="34" charset="0"/>
+              <a:ea typeface="Arial" panose="020B0604020202020204" pitchFamily="34" charset="0"/>
+              <a:cs typeface="Arial" panose="020B0604020202020204" pitchFamily="34" charset="0"/>
+            </a:endParaRPr>
+          </a:p>
+        </p:txBody>
+      </p:sp>
+      <p:cxnSp>
+        <p:nvCxnSpPr>
+          <p:cNvPr id="15" name="直接连接符 14" descr="e7d195523061f1c0deeec63e560781cfd59afb0ea006f2a87ABB68BF51EA6619813959095094C18C62A12F549504892A4AAA8C1554C6663626E05CA27F281A14E6983772AFC3FB97135759321DEA3D7047B2D20B121D4E05A6D0F227958A32026FEBB3ABD36322023181A2FF8EA235E789B1C6FF9A70CDD2C90B48B40EB7806F7806DF616AB3CE63"/>
+          <p:cNvCxnSpPr/>
+          <p:nvPr/>
+        </p:nvCxnSpPr>
+        <p:spPr>
+          <a:xfrm flipH="1">
+            <a:off x="7745730" y="2581275"/>
+            <a:ext cx="4394835" cy="24130"/>
+          </a:xfrm>
+          <a:prstGeom prst="line">
+            <a:avLst/>
+          </a:prstGeom>
+          <a:ln w="63500">
+            <a:solidFill>
+              <a:srgbClr val="333333"/>
+            </a:solidFill>
+          </a:ln>
+        </p:spPr>
+        <p:style>
+          <a:lnRef idx="1">
+            <a:schemeClr val="accent1"/>
+          </a:lnRef>
+          <a:fillRef idx="0">
+            <a:schemeClr val="accent1"/>
+          </a:fillRef>
+          <a:effectRef idx="0">
+            <a:schemeClr val="accent1"/>
+          </a:effectRef>
+          <a:fontRef idx="minor">
+            <a:schemeClr val="tx1"/>
+          </a:fontRef>
+        </p:style>
+      </p:cxnSp>
+      <p:cxnSp>
+        <p:nvCxnSpPr>
+          <p:cNvPr id="17" name="直接连接符 16" descr="e7d195523061f1c0deeec63e560781cfd59afb0ea006f2a87ABB68BF51EA6619813959095094C18C62A12F549504892A4AAA8C1554C6663626E05CA27F281A14E6983772AFC3FB97135759321DEA3D7047B2D20B121D4E05A6D0F227958A32026FEBB3ABD36322023181A2FF8EA235E789B1C6FF9A70CDD2C90B48B40EB7806F7806DF616AB3CE63"/>
+          <p:cNvCxnSpPr/>
+          <p:nvPr/>
+        </p:nvCxnSpPr>
+        <p:spPr>
+          <a:xfrm flipH="1" flipV="1">
+            <a:off x="7744460" y="4029075"/>
+            <a:ext cx="4413885" cy="6350"/>
+          </a:xfrm>
+          <a:prstGeom prst="line">
+            <a:avLst/>
+          </a:prstGeom>
+          <a:ln w="63500">
+            <a:solidFill>
+              <a:srgbClr val="333333"/>
+            </a:solidFill>
+          </a:ln>
+        </p:spPr>
+        <p:style>
+          <a:lnRef idx="1">
+            <a:schemeClr val="accent1"/>
+          </a:lnRef>
+          <a:fillRef idx="0">
+            <a:schemeClr val="accent1"/>
+          </a:fillRef>
+          <a:effectRef idx="0">
+            <a:schemeClr val="accent1"/>
+          </a:effectRef>
+          <a:fontRef idx="minor">
+            <a:schemeClr val="tx1"/>
+          </a:fontRef>
+        </p:style>
+      </p:cxnSp>
+      <p:sp>
+        <p:nvSpPr>
+          <p:cNvPr id="20" name="文本框 19"/>
+          <p:cNvSpPr txBox="1"/>
+          <p:nvPr/>
+        </p:nvSpPr>
+        <p:spPr>
+          <a:xfrm>
+            <a:off x="8858816" y="1897097"/>
+            <a:ext cx="1584960" cy="521970"/>
+          </a:xfrm>
+          <a:prstGeom prst="rect">
+            <a:avLst/>
+          </a:prstGeom>
+          <a:noFill/>
+        </p:spPr>
+        <p:txBody>
+          <a:bodyPr wrap="none" rtlCol="0">
+            <a:spAutoFit/>
+          </a:bodyPr>
+          <a:lstStyle/>
+          <a:p>
+            <a:pPr algn="ctr"/>
+            <a:r>
+              <a:rPr lang="tr-TR" altLang="zh-CN" sz="2800" b="1" dirty="0">
+                <a:solidFill>
+                  <a:srgbClr val="333333"/>
+                </a:solidFill>
+                <a:latin typeface="Arial" panose="020B0604020202020204" pitchFamily="34" charset="0"/>
+                <a:ea typeface="Arial" panose="020B0604020202020204" pitchFamily="34" charset="0"/>
+              </a:rPr>
+              <a:t>integrity</a:t>
+            </a:r>
+            <a:endParaRPr lang="tr-TR" altLang="zh-CN" sz="2800" b="1" dirty="0">
+              <a:solidFill>
+                <a:srgbClr val="333333"/>
+              </a:solidFill>
+              <a:latin typeface="Arial" panose="020B0604020202020204" pitchFamily="34" charset="0"/>
+              <a:ea typeface="Arial" panose="020B0604020202020204" pitchFamily="34" charset="0"/>
+            </a:endParaRPr>
+          </a:p>
+        </p:txBody>
+      </p:sp>
+      <p:sp>
+        <p:nvSpPr>
+          <p:cNvPr id="21" name="文本框 20"/>
+          <p:cNvSpPr txBox="1"/>
+          <p:nvPr/>
+        </p:nvSpPr>
+        <p:spPr>
+          <a:xfrm>
+            <a:off x="8856592" y="3304082"/>
+            <a:ext cx="2118995" cy="521970"/>
+          </a:xfrm>
+          <a:prstGeom prst="rect">
+            <a:avLst/>
+          </a:prstGeom>
+          <a:noFill/>
+        </p:spPr>
+        <p:txBody>
+          <a:bodyPr wrap="none" rtlCol="0">
+            <a:spAutoFit/>
+          </a:bodyPr>
+          <a:lstStyle/>
+          <a:p>
+            <a:pPr algn="ctr"/>
+            <a:r>
+              <a:rPr lang="tr-TR" altLang="zh-CN" sz="2800" b="1" dirty="0">
+                <a:solidFill>
+                  <a:srgbClr val="333333"/>
+                </a:solidFill>
+                <a:latin typeface="Arial" panose="020B0604020202020204" pitchFamily="34" charset="0"/>
+                <a:ea typeface="Arial" panose="020B0604020202020204" pitchFamily="34" charset="0"/>
+              </a:rPr>
+              <a:t>crossorigin</a:t>
+            </a:r>
+            <a:endParaRPr lang="tr-TR" altLang="zh-CN" sz="2800" b="1" dirty="0">
+              <a:solidFill>
+                <a:srgbClr val="333333"/>
+              </a:solidFill>
+              <a:latin typeface="Arial" panose="020B0604020202020204" pitchFamily="34" charset="0"/>
+              <a:ea typeface="Arial" panose="020B0604020202020204" pitchFamily="34" charset="0"/>
+            </a:endParaRPr>
+          </a:p>
+        </p:txBody>
+      </p:sp>
+      <p:pic>
+        <p:nvPicPr>
+          <p:cNvPr id="24" name="图片 23"/>
+          <p:cNvPicPr>
+            <a:picLocks noChangeAspect="1"/>
+          </p:cNvPicPr>
+          <p:nvPr/>
+        </p:nvPicPr>
+        <p:blipFill rotWithShape="1">
+          <a:blip r:embed="rId2"/>
+          <a:srcRect r="65386"/>
+          <a:stretch>
+            <a:fillRect/>
+          </a:stretch>
+        </p:blipFill>
+        <p:spPr>
+          <a:xfrm rot="16200000">
+            <a:off x="7147395" y="1860747"/>
+            <a:ext cx="288000" cy="832066"/>
+          </a:xfrm>
+          <a:prstGeom prst="rect">
+            <a:avLst/>
+          </a:prstGeom>
+        </p:spPr>
+      </p:pic>
+      <p:pic>
+        <p:nvPicPr>
+          <p:cNvPr id="25" name="图片 24"/>
+          <p:cNvPicPr>
+            <a:picLocks noChangeAspect="1"/>
+          </p:cNvPicPr>
+          <p:nvPr/>
+        </p:nvPicPr>
+        <p:blipFill rotWithShape="1">
+          <a:blip r:embed="rId2"/>
+          <a:srcRect r="65386"/>
+          <a:stretch>
+            <a:fillRect/>
+          </a:stretch>
+        </p:blipFill>
+        <p:spPr>
+          <a:xfrm rot="16200000">
+            <a:off x="7146123" y="3265998"/>
+            <a:ext cx="288000" cy="832066"/>
+          </a:xfrm>
+          <a:prstGeom prst="rect">
+            <a:avLst/>
+          </a:prstGeom>
+        </p:spPr>
+      </p:pic>
+      <p:cxnSp>
+        <p:nvCxnSpPr>
+          <p:cNvPr id="9" name="直接连接符 16" descr="e7d195523061f1c0deeec63e560781cfd59afb0ea006f2a87ABB68BF51EA6619813959095094C18C62A12F549504892A4AAA8C1554C6663626E05CA27F281A14E6983772AFC3FB97135759321DEA3D7047B2D20B121D4E05A6D0F227958A32026FEBB3ABD36322023181A2FF8EA235E789B1C6FF9A70CDD2C90B48B40EB7806F7806DF616AB3CE63"/>
+          <p:cNvCxnSpPr/>
+          <p:nvPr/>
+        </p:nvCxnSpPr>
+        <p:spPr>
+          <a:xfrm flipH="1" flipV="1">
+            <a:off x="7752715" y="5650865"/>
+            <a:ext cx="4413885" cy="6350"/>
+          </a:xfrm>
+          <a:prstGeom prst="line">
+            <a:avLst/>
+          </a:prstGeom>
+          <a:ln w="63500">
+            <a:solidFill>
+              <a:srgbClr val="333333"/>
+            </a:solidFill>
+          </a:ln>
+        </p:spPr>
+        <p:style>
+          <a:lnRef idx="1">
+            <a:schemeClr val="accent1"/>
+          </a:lnRef>
+          <a:fillRef idx="0">
+            <a:schemeClr val="accent1"/>
+          </a:fillRef>
+          <a:effectRef idx="0">
+            <a:schemeClr val="accent1"/>
+          </a:effectRef>
+          <a:fontRef idx="minor">
+            <a:schemeClr val="tx1"/>
+          </a:fontRef>
+        </p:style>
+      </p:cxnSp>
+      <p:sp>
+        <p:nvSpPr>
+          <p:cNvPr id="11" name="文本框 20"/>
+          <p:cNvSpPr txBox="1"/>
+          <p:nvPr/>
+        </p:nvSpPr>
+        <p:spPr>
+          <a:xfrm>
+            <a:off x="9079795" y="4925872"/>
+            <a:ext cx="1743710" cy="521970"/>
+          </a:xfrm>
+          <a:prstGeom prst="rect">
+            <a:avLst/>
+          </a:prstGeom>
+          <a:noFill/>
+        </p:spPr>
+        <p:txBody>
+          <a:bodyPr wrap="none" rtlCol="0">
+            <a:spAutoFit/>
+          </a:bodyPr>
+          <a:p>
+            <a:pPr algn="ctr"/>
+            <a:r>
+              <a:rPr lang="tr-TR" altLang="zh-CN" sz="2800" b="1" dirty="0">
+                <a:solidFill>
+                  <a:srgbClr val="333333"/>
+                </a:solidFill>
+                <a:latin typeface="Arial" panose="020B0604020202020204" pitchFamily="34" charset="0"/>
+                <a:ea typeface="Arial" panose="020B0604020202020204" pitchFamily="34" charset="0"/>
+              </a:rPr>
+              <a:t>scrollspy</a:t>
+            </a:r>
+            <a:endParaRPr lang="tr-TR" altLang="zh-CN" sz="2800" b="1" dirty="0">
+              <a:solidFill>
+                <a:srgbClr val="333333"/>
+              </a:solidFill>
+              <a:latin typeface="Arial" panose="020B0604020202020204" pitchFamily="34" charset="0"/>
+              <a:ea typeface="Arial" panose="020B0604020202020204" pitchFamily="34" charset="0"/>
+            </a:endParaRPr>
+          </a:p>
+        </p:txBody>
+      </p:sp>
+      <p:pic>
+        <p:nvPicPr>
+          <p:cNvPr id="12" name="图片 24"/>
+          <p:cNvPicPr>
+            <a:picLocks noChangeAspect="1"/>
+          </p:cNvPicPr>
+          <p:nvPr/>
+        </p:nvPicPr>
+        <p:blipFill rotWithShape="1">
+          <a:blip r:embed="rId2"/>
+          <a:srcRect r="65386"/>
+          <a:stretch>
+            <a:fillRect/>
+          </a:stretch>
+        </p:blipFill>
+        <p:spPr>
+          <a:xfrm rot="16200000">
+            <a:off x="7154378" y="4887788"/>
+            <a:ext cx="288000" cy="832066"/>
+          </a:xfrm>
+          <a:prstGeom prst="rect">
+            <a:avLst/>
+          </a:prstGeom>
+        </p:spPr>
+      </p:pic>
+    </p:spTree>
+  </p:cSld>
+  <p:clrMapOvr>
+    <a:masterClrMapping/>
+  </p:clrMapOvr>
+  <p:timing>
+    <p:tnLst>
+      <p:par>
+        <p:cTn id="1" dur="indefinite" restart="never" nodeType="tmRoot">
+          <p:childTnLst>
+            <p:seq concurrent="1" nextAc="seek">
+              <p:cTn id="2" dur="indefinite" nodeType="mainSeq">
+                <p:childTnLst>
+                  <p:par>
+                    <p:cTn id="3" fill="hold">
+                      <p:stCondLst>
+                        <p:cond delay="indefinite"/>
+                        <p:cond evt="onBegin" delay="0">
+                          <p:tn val="2"/>
+                        </p:cond>
+                      </p:stCondLst>
+                      <p:childTnLst>
+                        <p:par>
+                          <p:cTn id="4" fill="hold">
+                            <p:stCondLst>
+                              <p:cond delay="0"/>
+                            </p:stCondLst>
+                            <p:childTnLst>
+                              <p:par>
+                                <p:cTn id="5" presetID="42" presetClass="entr" presetSubtype="0" fill="hold" grpId="0" nodeType="afterEffect">
+                                  <p:stCondLst>
+                                    <p:cond delay="0"/>
+                                  </p:stCondLst>
+                                  <p:childTnLst>
+                                    <p:set>
+                                      <p:cBhvr>
+                                        <p:cTn id="6" dur="1" fill="hold">
+                                          <p:stCondLst>
+                                            <p:cond delay="0"/>
+                                          </p:stCondLst>
+                                        </p:cTn>
+                                        <p:tgtEl>
+                                          <p:spTgt spid="10"/>
+                                        </p:tgtEl>
+                                        <p:attrNameLst>
+                                          <p:attrName>style.visibility</p:attrName>
+                                        </p:attrNameLst>
+                                      </p:cBhvr>
+                                      <p:to>
+                                        <p:strVal val="visible"/>
+                                      </p:to>
+                                    </p:set>
+                                    <p:animEffect transition="in" filter="fade">
+                                      <p:cBhvr>
+                                        <p:cTn id="7" dur="1000"/>
+                                        <p:tgtEl>
+                                          <p:spTgt spid="10"/>
+                                        </p:tgtEl>
+                                      </p:cBhvr>
+                                    </p:animEffect>
+                                    <p:anim calcmode="lin" valueType="num">
+                                      <p:cBhvr>
+                                        <p:cTn id="8" dur="1000" fill="hold"/>
+                                        <p:tgtEl>
+                                          <p:spTgt spid="10"/>
+                                        </p:tgtEl>
+                                        <p:attrNameLst>
+                                          <p:attrName>ppt_x</p:attrName>
+                                        </p:attrNameLst>
+                                      </p:cBhvr>
+                                      <p:tavLst>
+                                        <p:tav tm="0">
+                                          <p:val>
+                                            <p:strVal val="#ppt_x"/>
+                                          </p:val>
+                                        </p:tav>
+                                        <p:tav tm="100000">
+                                          <p:val>
+                                            <p:strVal val="#ppt_x"/>
+                                          </p:val>
+                                        </p:tav>
+                                      </p:tavLst>
+                                    </p:anim>
+                                    <p:anim calcmode="lin" valueType="num">
+                                      <p:cBhvr>
+                                        <p:cTn id="9" dur="1000" fill="hold"/>
+                                        <p:tgtEl>
+                                          <p:spTgt spid="10"/>
+                                        </p:tgtEl>
+                                        <p:attrNameLst>
+                                          <p:attrName>ppt_y</p:attrName>
+                                        </p:attrNameLst>
+                                      </p:cBhvr>
+                                      <p:tavLst>
+                                        <p:tav tm="0">
+                                          <p:val>
+                                            <p:strVal val="#ppt_y+.1"/>
+                                          </p:val>
+                                        </p:tav>
+                                        <p:tav tm="100000">
+                                          <p:val>
+                                            <p:strVal val="#ppt_y"/>
+                                          </p:val>
+                                        </p:tav>
+                                      </p:tavLst>
+                                    </p:anim>
+                                  </p:childTnLst>
+                                </p:cTn>
+                              </p:par>
+                            </p:childTnLst>
+                          </p:cTn>
+                        </p:par>
+                      </p:childTnLst>
+                    </p:cTn>
+                  </p:par>
+                </p:childTnLst>
+              </p:cTn>
+              <p:prevCondLst>
+                <p:cond evt="onPrev" delay="0">
+                  <p:tgtEl>
+                    <p:sldTgt/>
+                  </p:tgtEl>
+                </p:cond>
+              </p:prevCondLst>
+              <p:nextCondLst>
+                <p:cond evt="onNext" delay="0">
+                  <p:tgtEl>
+                    <p:sldTgt/>
+                  </p:tgtEl>
+                </p:cond>
+              </p:nextCondLst>
+            </p:seq>
+          </p:childTnLst>
+        </p:cTn>
+      </p:par>
+    </p:tnLst>
+    <p:bldLst>
+      <p:bldP spid="10" grpId="0" bldLvl="0" animBg="1"/>
+    </p:bldLst>
+  </p:timing>
+</p:sld>
+</file>
+
+<file path=ppt/slides/slide16.xml><?xml version="1.0" encoding="utf-8"?>
+<p:sld xmlns:a="http://schemas.openxmlformats.org/drawingml/2006/main" xmlns:r="http://schemas.openxmlformats.org/officeDocument/2006/relationships" xmlns:p="http://schemas.openxmlformats.org/presentationml/2006/main">
+  <p:cSld>
+    <p:spTree>
+      <p:nvGrpSpPr>
+        <p:cNvPr id="1" name=""/>
+        <p:cNvGrpSpPr/>
+        <p:nvPr/>
+      </p:nvGrpSpPr>
+      <p:grpSpPr>
+        <a:xfrm>
+          <a:off x="0" y="0"/>
+          <a:ext cx="0" cy="0"/>
+          <a:chOff x="0" y="0"/>
+          <a:chExt cx="0" cy="0"/>
+        </a:xfrm>
+      </p:grpSpPr>
+      <p:cxnSp>
+        <p:nvCxnSpPr>
+          <p:cNvPr id="4" name="直接连接符 3" descr="e7d195523061f1c0deeec63e560781cfd59afb0ea006f2a87ABB68BF51EA6619813959095094C18C62A12F549504892A4AAA8C1554C6663626E05CA27F281A14E6983772AFC3FB97135759321DEA3D7047B2D20B121D4E05A6D0F227958A32026FEBB3ABD36322023181A2FF8EA235E789B1C6FF9A70CDD2C90B48B40EB7806F7806DF616AB3CE63"/>
+          <p:cNvCxnSpPr/>
+          <p:nvPr/>
+        </p:nvCxnSpPr>
+        <p:spPr>
+          <a:xfrm flipH="1">
+            <a:off x="1793809" y="1256083"/>
+            <a:ext cx="3600000" cy="2"/>
+          </a:xfrm>
+          <a:prstGeom prst="line">
+            <a:avLst/>
+          </a:prstGeom>
+          <a:ln w="63500">
+            <a:solidFill>
+              <a:srgbClr val="333333"/>
+            </a:solidFill>
+          </a:ln>
+        </p:spPr>
+        <p:style>
+          <a:lnRef idx="1">
+            <a:schemeClr val="accent1"/>
+          </a:lnRef>
+          <a:fillRef idx="0">
+            <a:schemeClr val="accent1"/>
+          </a:fillRef>
+          <a:effectRef idx="0">
+            <a:schemeClr val="accent1"/>
+          </a:effectRef>
+          <a:fontRef idx="minor">
+            <a:schemeClr val="tx1"/>
+          </a:fontRef>
+        </p:style>
+      </p:cxnSp>
+      <p:pic>
+        <p:nvPicPr>
+          <p:cNvPr id="5" name="图片 4"/>
+          <p:cNvPicPr>
+            <a:picLocks noChangeAspect="1"/>
+          </p:cNvPicPr>
+          <p:nvPr/>
+        </p:nvPicPr>
+        <p:blipFill>
+          <a:blip r:embed="rId1"/>
+          <a:stretch>
+            <a:fillRect/>
+          </a:stretch>
+        </p:blipFill>
+        <p:spPr>
+          <a:xfrm>
+            <a:off x="0" y="177059"/>
+            <a:ext cx="1188720" cy="1188752"/>
+          </a:xfrm>
+          <a:prstGeom prst="rect">
+            <a:avLst/>
+          </a:prstGeom>
+        </p:spPr>
+      </p:pic>
+      <p:sp>
+        <p:nvSpPr>
+          <p:cNvPr id="6" name="文本框 5"/>
+          <p:cNvSpPr txBox="1"/>
+          <p:nvPr/>
+        </p:nvSpPr>
+        <p:spPr>
+          <a:xfrm>
+            <a:off x="2305395" y="510837"/>
+            <a:ext cx="1584960" cy="521970"/>
+          </a:xfrm>
+          <a:prstGeom prst="rect">
+            <a:avLst/>
+          </a:prstGeom>
+          <a:noFill/>
+        </p:spPr>
+        <p:txBody>
+          <a:bodyPr wrap="none" rtlCol="0">
+            <a:spAutoFit/>
+          </a:bodyPr>
+          <a:lstStyle/>
+          <a:p>
+            <a:pPr algn="ctr"/>
+            <a:r>
+              <a:rPr lang="tr-TR" altLang="zh-CN" sz="2800" b="1" dirty="0">
+                <a:solidFill>
+                  <a:srgbClr val="333333"/>
+                </a:solidFill>
+                <a:latin typeface="Arial" panose="020B0604020202020204" pitchFamily="34" charset="0"/>
+                <a:ea typeface="Arial" panose="020B0604020202020204" pitchFamily="34" charset="0"/>
+              </a:rPr>
+              <a:t>integrity</a:t>
+            </a:r>
+            <a:endParaRPr lang="tr-TR" altLang="zh-CN" sz="2800" b="1" dirty="0">
+              <a:solidFill>
+                <a:srgbClr val="333333"/>
+              </a:solidFill>
+              <a:latin typeface="Arial" panose="020B0604020202020204" pitchFamily="34" charset="0"/>
+              <a:ea typeface="Arial" panose="020B0604020202020204" pitchFamily="34" charset="0"/>
+            </a:endParaRPr>
+          </a:p>
+        </p:txBody>
+      </p:sp>
+      <p:sp>
+        <p:nvSpPr>
+          <p:cNvPr id="8" name="矩形 7"/>
+          <p:cNvSpPr/>
+          <p:nvPr/>
+        </p:nvSpPr>
+        <p:spPr>
+          <a:xfrm>
+            <a:off x="570230" y="1598930"/>
+            <a:ext cx="5104130" cy="5158740"/>
+          </a:xfrm>
+          <a:prstGeom prst="rect">
+            <a:avLst/>
+          </a:prstGeom>
+          <a:noFill/>
+          <a:ln w="50800">
+            <a:solidFill>
+              <a:srgbClr val="333333"/>
+            </a:solidFill>
+          </a:ln>
+        </p:spPr>
+        <p:style>
+          <a:lnRef idx="2">
+            <a:schemeClr val="accent1">
+              <a:shade val="50000"/>
+            </a:schemeClr>
+          </a:lnRef>
+          <a:fillRef idx="1">
+            <a:schemeClr val="accent1"/>
+          </a:fillRef>
+          <a:effectRef idx="0">
+            <a:schemeClr val="accent1"/>
+          </a:effectRef>
+          <a:fontRef idx="minor">
+            <a:schemeClr val="lt1"/>
+          </a:fontRef>
+        </p:style>
+        <p:txBody>
+          <a:bodyPr rtlCol="0" anchor="ctr"/>
+          <a:lstStyle/>
+          <a:p>
+            <a:pPr algn="ctr"/>
+            <a:endParaRPr lang="zh-CN" altLang="en-US"/>
+          </a:p>
+        </p:txBody>
+      </p:sp>
+      <p:sp>
+        <p:nvSpPr>
+          <p:cNvPr id="22" name="文本框 21"/>
+          <p:cNvSpPr txBox="1"/>
+          <p:nvPr/>
+        </p:nvSpPr>
+        <p:spPr>
+          <a:xfrm>
+            <a:off x="681990" y="1718945"/>
+            <a:ext cx="4832350" cy="3808730"/>
+          </a:xfrm>
+          <a:prstGeom prst="rect">
+            <a:avLst/>
+          </a:prstGeom>
+          <a:noFill/>
+        </p:spPr>
+        <p:txBody>
+          <a:bodyPr wrap="square" rtlCol="0">
+            <a:spAutoFit/>
+            <a:scene3d>
+              <a:camera prst="orthographicFront"/>
+              <a:lightRig rig="threePt" dir="t"/>
+            </a:scene3d>
+            <a:sp3d contourW="12700"/>
+          </a:bodyPr>
+          <a:lstStyle/>
+          <a:p>
+            <a:pPr algn="ctr">
+              <a:lnSpc>
+                <a:spcPct val="114000"/>
+              </a:lnSpc>
+            </a:pPr>
+            <a:r>
+              <a:rPr lang="tr-TR" altLang="en-US" sz="3200" dirty="0">
+                <a:solidFill>
+                  <a:srgbClr val="FF0000"/>
+                </a:solidFill>
+                <a:latin typeface="Arial" panose="020B0604020202020204" pitchFamily="34" charset="0"/>
+                <a:ea typeface="+mj-ea"/>
+              </a:rPr>
+              <a:t>Nedir?</a:t>
+            </a:r>
+            <a:endParaRPr lang="tr-TR" altLang="en-US" sz="3200" dirty="0">
+              <a:solidFill>
+                <a:srgbClr val="333333"/>
+              </a:solidFill>
+              <a:latin typeface="Arial" panose="020B0604020202020204" pitchFamily="34" charset="0"/>
+              <a:ea typeface="+mj-ea"/>
+            </a:endParaRPr>
+          </a:p>
+          <a:p>
+            <a:pPr algn="l">
+              <a:lnSpc>
+                <a:spcPct val="114000"/>
+              </a:lnSpc>
+            </a:pPr>
+            <a:r>
+              <a:rPr lang="tr-TR" altLang="en-US" sz="2000" dirty="0">
+                <a:solidFill>
+                  <a:srgbClr val="333333"/>
+                </a:solidFill>
+                <a:latin typeface="Arial" panose="020B0604020202020204" pitchFamily="34" charset="0"/>
+                <a:ea typeface="+mj-ea"/>
+              </a:rPr>
+              <a:t>Web uygulama geliştiricilerine, CDN gibi üçüncü parti servislerde barındırılan kaynakların herhangi bir beklenmeyen etki olmadan dağıtıldığını garanti altına alan metoda denir. SRI, hash karşılaştırmalarını kullanarak çalışır. Web sunucusundaki kaynakların hash değeriyle üçüncü parti bir servisteki kaynakların hash değerlerini karşılaştırır.</a:t>
+            </a:r>
+            <a:endParaRPr lang="tr-TR" altLang="en-US" sz="2000" dirty="0">
+              <a:solidFill>
+                <a:schemeClr val="tx1"/>
+              </a:solidFill>
+              <a:latin typeface="Arial" panose="020B0604020202020204" pitchFamily="34" charset="0"/>
+              <a:ea typeface="+mj-ea"/>
+            </a:endParaRPr>
+          </a:p>
+        </p:txBody>
+      </p:sp>
+      <p:sp>
+        <p:nvSpPr>
+          <p:cNvPr id="2" name="矩形 7"/>
+          <p:cNvSpPr/>
+          <p:nvPr/>
+        </p:nvSpPr>
+        <p:spPr>
+          <a:xfrm>
+            <a:off x="6558280" y="1598930"/>
+            <a:ext cx="5104130" cy="5158740"/>
+          </a:xfrm>
+          <a:prstGeom prst="rect">
+            <a:avLst/>
+          </a:prstGeom>
+          <a:noFill/>
+          <a:ln w="50800">
+            <a:solidFill>
+              <a:srgbClr val="333333"/>
+            </a:solidFill>
+          </a:ln>
+        </p:spPr>
+        <p:style>
+          <a:lnRef idx="2">
+            <a:schemeClr val="accent1">
+              <a:shade val="50000"/>
+            </a:schemeClr>
+          </a:lnRef>
+          <a:fillRef idx="1">
+            <a:schemeClr val="accent1"/>
+          </a:fillRef>
+          <a:effectRef idx="0">
+            <a:schemeClr val="accent1"/>
+          </a:effectRef>
+          <a:fontRef idx="minor">
+            <a:schemeClr val="lt1"/>
+          </a:fontRef>
+        </p:style>
+        <p:txBody>
+          <a:bodyPr rtlCol="0" anchor="ctr"/>
+          <a:p>
+            <a:pPr algn="ctr"/>
+            <a:endParaRPr lang="zh-CN" altLang="en-US"/>
+          </a:p>
+        </p:txBody>
+      </p:sp>
+      <p:sp>
+        <p:nvSpPr>
+          <p:cNvPr id="3" name="文本框 21"/>
+          <p:cNvSpPr txBox="1"/>
+          <p:nvPr/>
+        </p:nvSpPr>
+        <p:spPr>
+          <a:xfrm>
+            <a:off x="6694170" y="1680845"/>
+            <a:ext cx="4832350" cy="3314065"/>
+          </a:xfrm>
+          <a:prstGeom prst="rect">
+            <a:avLst/>
+          </a:prstGeom>
+          <a:noFill/>
+        </p:spPr>
+        <p:txBody>
+          <a:bodyPr wrap="square" rtlCol="0">
+            <a:spAutoFit/>
+            <a:scene3d>
+              <a:camera prst="orthographicFront"/>
+              <a:lightRig rig="threePt" dir="t"/>
+            </a:scene3d>
+            <a:sp3d contourW="12700"/>
+          </a:bodyPr>
+          <a:p>
+            <a:pPr algn="ctr">
+              <a:lnSpc>
+                <a:spcPct val="114000"/>
+              </a:lnSpc>
+            </a:pPr>
+            <a:r>
+              <a:rPr lang="tr-TR" altLang="en-US" sz="2400" dirty="0">
+                <a:solidFill>
+                  <a:srgbClr val="FF0000"/>
+                </a:solidFill>
+                <a:latin typeface="Arial" panose="020B0604020202020204" pitchFamily="34" charset="0"/>
+                <a:ea typeface="+mj-ea"/>
+              </a:rPr>
+              <a:t>Neden Kullanılır?</a:t>
+            </a:r>
+            <a:endParaRPr lang="tr-TR" altLang="en-US" sz="2400" dirty="0">
+              <a:solidFill>
+                <a:srgbClr val="FF0000"/>
+              </a:solidFill>
+              <a:latin typeface="Arial" panose="020B0604020202020204" pitchFamily="34" charset="0"/>
+              <a:ea typeface="+mj-ea"/>
+            </a:endParaRPr>
+          </a:p>
+          <a:p>
+            <a:pPr algn="l">
+              <a:lnSpc>
+                <a:spcPct val="114000"/>
+              </a:lnSpc>
+            </a:pPr>
+            <a:r>
+              <a:rPr lang="tr-TR" altLang="en-US" sz="1600" dirty="0">
+                <a:solidFill>
+                  <a:schemeClr val="tx1"/>
+                </a:solidFill>
+                <a:latin typeface="Arial" panose="020B0604020202020204" pitchFamily="34" charset="0"/>
+                <a:ea typeface="+mj-ea"/>
+              </a:rPr>
+              <a:t>Geliştirilen web uygulamasında kullanılan CDN ya da herhangi bir üçüncü parti servisin hacklenmesi ya da saldırıya maruz kalması durumunda aynı zamanda geliştirilen web uygulaması da hacklenebilir. Böyle bir saldırı durumunda saldırgan, CDN servisinde barındırılan bir script dosyasında zaafiyete yol açabilr. SRI sayesinde geliştirilen web uygulamasının güçlendirilmiş bir dosyayı işaret eder ve dosya değişse dahi tarayıcı bu dosyayı yüklemez ve saldırı başarısız olur.</a:t>
+            </a:r>
+            <a:endParaRPr lang="tr-TR" altLang="en-US" sz="1600" dirty="0">
+              <a:solidFill>
+                <a:schemeClr val="tx1"/>
+              </a:solidFill>
+              <a:latin typeface="Arial" panose="020B0604020202020204" pitchFamily="34" charset="0"/>
+              <a:ea typeface="+mj-ea"/>
+            </a:endParaRPr>
+          </a:p>
+        </p:txBody>
+      </p:sp>
+      <p:sp>
+        <p:nvSpPr>
+          <p:cNvPr id="7" name="Text Box 6"/>
+          <p:cNvSpPr txBox="1"/>
+          <p:nvPr/>
+        </p:nvSpPr>
+        <p:spPr>
+          <a:xfrm>
+            <a:off x="6694170" y="4973955"/>
+            <a:ext cx="4858385" cy="1630045"/>
+          </a:xfrm>
+          <a:prstGeom prst="rect">
+            <a:avLst/>
+          </a:prstGeom>
+          <a:noFill/>
+        </p:spPr>
+        <p:txBody>
+          <a:bodyPr wrap="square" rtlCol="0">
+            <a:spAutoFit/>
+          </a:bodyPr>
+          <a:p>
+            <a:pPr algn="ctr"/>
+            <a:r>
+              <a:rPr lang="tr-TR" altLang="en-US" sz="2000">
+                <a:solidFill>
+                  <a:srgbClr val="FF0000"/>
+                </a:solidFill>
+              </a:rPr>
+              <a:t>Örnek</a:t>
+            </a:r>
+            <a:endParaRPr lang="tr-TR" altLang="en-US" sz="2000">
+              <a:solidFill>
+                <a:srgbClr val="FF0000"/>
+              </a:solidFill>
+            </a:endParaRPr>
+          </a:p>
+          <a:p>
+            <a:pPr algn="l"/>
+            <a:r>
+              <a:rPr lang="tr-TR" altLang="en-US" sz="1600">
+                <a:solidFill>
+                  <a:schemeClr val="bg2">
+                    <a:lumMod val="50000"/>
+                  </a:schemeClr>
+                </a:solidFill>
+              </a:rPr>
+              <a:t>&lt;script src="https://code.jquery.com/jquery-2.1.4.min.js" integrity="sha384-R4/ztc4ZlRqWjqIuvf6RX5yb/v90qNGx6fS48N0tRxiGkqveZETq72KgDVJCp2TC" crossorigin="anonymous"&gt;&lt;/script&gt;</a:t>
+            </a:r>
+            <a:endParaRPr lang="tr-TR" altLang="en-US" sz="1600">
+              <a:solidFill>
+                <a:schemeClr val="bg2">
+                  <a:lumMod val="50000"/>
+                </a:schemeClr>
+              </a:solidFill>
+            </a:endParaRPr>
+          </a:p>
+        </p:txBody>
+      </p:sp>
+      <p:sp>
+        <p:nvSpPr>
+          <p:cNvPr id="11" name="Text Box 10"/>
+          <p:cNvSpPr txBox="1"/>
+          <p:nvPr/>
+        </p:nvSpPr>
+        <p:spPr>
+          <a:xfrm>
+            <a:off x="681990" y="5527675"/>
+            <a:ext cx="4858385" cy="1076325"/>
+          </a:xfrm>
+          <a:prstGeom prst="rect">
+            <a:avLst/>
+          </a:prstGeom>
+          <a:noFill/>
+        </p:spPr>
+        <p:txBody>
+          <a:bodyPr wrap="square" rtlCol="0">
+            <a:spAutoFit/>
+          </a:bodyPr>
+          <a:p>
+            <a:pPr algn="ctr"/>
+            <a:r>
+              <a:rPr lang="tr-TR" altLang="en-US" sz="2400">
+                <a:solidFill>
+                  <a:srgbClr val="FF0000"/>
+                </a:solidFill>
+              </a:rPr>
+              <a:t>Formatı</a:t>
+            </a:r>
+            <a:endParaRPr lang="tr-TR" altLang="en-US" sz="2400">
+              <a:solidFill>
+                <a:srgbClr val="FF0000"/>
+              </a:solidFill>
+            </a:endParaRPr>
+          </a:p>
+          <a:p>
+            <a:pPr algn="l"/>
+            <a:r>
+              <a:rPr lang="tr-TR" altLang="en-US" sz="2000">
+                <a:solidFill>
+                  <a:schemeClr val="bg2">
+                    <a:lumMod val="50000"/>
+                  </a:schemeClr>
+                </a:solidFill>
+              </a:rPr>
+              <a:t>integrity=”[hash algoritması]-[base64 ile encode edilmiş kriptolu hash değeri]</a:t>
+            </a:r>
+            <a:endParaRPr lang="tr-TR" altLang="en-US" sz="2000">
+              <a:solidFill>
+                <a:schemeClr val="bg2">
+                  <a:lumMod val="50000"/>
+                </a:schemeClr>
+              </a:solidFill>
+            </a:endParaRPr>
+          </a:p>
+        </p:txBody>
+      </p:sp>
+    </p:spTree>
+  </p:cSld>
+  <p:clrMapOvr>
+    <a:masterClrMapping/>
+  </p:clrMapOvr>
+  <p:timing>
+    <p:tnLst>
+      <p:par>
+        <p:cTn id="1" dur="indefinite" restart="never" nodeType="tmRoot">
+          <p:childTnLst>
+            <p:seq concurrent="1" nextAc="seek">
+              <p:cTn id="2" dur="indefinite" nodeType="mainSeq">
+                <p:childTnLst>
+                  <p:par>
+                    <p:cTn id="3" fill="hold">
+                      <p:stCondLst>
+                        <p:cond delay="indefinite"/>
+                        <p:cond evt="onBegin" delay="0">
+                          <p:tn val="2"/>
+                        </p:cond>
+                      </p:stCondLst>
+                      <p:childTnLst>
+                        <p:par>
+                          <p:cTn id="4" fill="hold">
+                            <p:stCondLst>
+                              <p:cond delay="0"/>
+                            </p:stCondLst>
+                            <p:childTnLst>
+                              <p:par>
+                                <p:cTn id="5" presetID="2" presetClass="entr" presetSubtype="2" decel="100000" fill="hold" grpId="0" nodeType="withEffect">
+                                  <p:stCondLst>
+                                    <p:cond delay="0"/>
+                                  </p:stCondLst>
+                                  <p:childTnLst>
+                                    <p:set>
+                                      <p:cBhvr>
+                                        <p:cTn id="6" dur="1" fill="hold">
+                                          <p:stCondLst>
+                                            <p:cond delay="0"/>
+                                          </p:stCondLst>
+                                        </p:cTn>
+                                        <p:tgtEl>
+                                          <p:spTgt spid="8"/>
+                                        </p:tgtEl>
+                                        <p:attrNameLst>
+                                          <p:attrName>style.visibility</p:attrName>
+                                        </p:attrNameLst>
+                                      </p:cBhvr>
+                                      <p:to>
+                                        <p:strVal val="visible"/>
+                                      </p:to>
+                                    </p:set>
+                                    <p:anim calcmode="lin" valueType="num">
+                                      <p:cBhvr additive="base">
+                                        <p:cTn id="7" dur="750" fill="hold"/>
+                                        <p:tgtEl>
+                                          <p:spTgt spid="8"/>
+                                        </p:tgtEl>
+                                        <p:attrNameLst>
+                                          <p:attrName>ppt_x</p:attrName>
+                                        </p:attrNameLst>
+                                      </p:cBhvr>
+                                      <p:tavLst>
+                                        <p:tav tm="0">
+                                          <p:val>
+                                            <p:strVal val="1+#ppt_w/2"/>
+                                          </p:val>
+                                        </p:tav>
+                                        <p:tav tm="100000">
+                                          <p:val>
+                                            <p:strVal val="#ppt_x"/>
+                                          </p:val>
+                                        </p:tav>
+                                      </p:tavLst>
+                                    </p:anim>
+                                    <p:anim calcmode="lin" valueType="num">
+                                      <p:cBhvr additive="base">
+                                        <p:cTn id="8" dur="750" fill="hold"/>
+                                        <p:tgtEl>
+                                          <p:spTgt spid="8"/>
+                                        </p:tgtEl>
+                                        <p:attrNameLst>
+                                          <p:attrName>ppt_y</p:attrName>
+                                        </p:attrNameLst>
+                                      </p:cBhvr>
+                                      <p:tavLst>
+                                        <p:tav tm="0">
+                                          <p:val>
+                                            <p:strVal val="#ppt_y"/>
+                                          </p:val>
+                                        </p:tav>
+                                        <p:tav tm="100000">
+                                          <p:val>
+                                            <p:strVal val="#ppt_y"/>
+                                          </p:val>
+                                        </p:tav>
+                                      </p:tavLst>
+                                    </p:anim>
+                                  </p:childTnLst>
+                                </p:cTn>
+                              </p:par>
+                              <p:par>
+                                <p:cTn id="9" presetID="2" presetClass="entr" presetSubtype="2" decel="100000" fill="hold" grpId="0" nodeType="withEffect">
+                                  <p:stCondLst>
+                                    <p:cond delay="0"/>
+                                  </p:stCondLst>
+                                  <p:childTnLst>
+                                    <p:set>
+                                      <p:cBhvr>
+                                        <p:cTn id="10" dur="1" fill="hold">
+                                          <p:stCondLst>
+                                            <p:cond delay="0"/>
+                                          </p:stCondLst>
+                                        </p:cTn>
+                                        <p:tgtEl>
+                                          <p:spTgt spid="2"/>
+                                        </p:tgtEl>
+                                        <p:attrNameLst>
+                                          <p:attrName>style.visibility</p:attrName>
+                                        </p:attrNameLst>
+                                      </p:cBhvr>
+                                      <p:to>
+                                        <p:strVal val="visible"/>
+                                      </p:to>
+                                    </p:set>
+                                    <p:anim calcmode="lin" valueType="num">
+                                      <p:cBhvr additive="base">
+                                        <p:cTn id="11" dur="750" fill="hold"/>
+                                        <p:tgtEl>
+                                          <p:spTgt spid="2"/>
+                                        </p:tgtEl>
+                                        <p:attrNameLst>
+                                          <p:attrName>ppt_x</p:attrName>
+                                        </p:attrNameLst>
+                                      </p:cBhvr>
+                                      <p:tavLst>
+                                        <p:tav tm="0">
+                                          <p:val>
+                                            <p:strVal val="1+#ppt_w/2"/>
+                                          </p:val>
+                                        </p:tav>
+                                        <p:tav tm="100000">
+                                          <p:val>
+                                            <p:strVal val="#ppt_x"/>
+                                          </p:val>
+                                        </p:tav>
+                                      </p:tavLst>
+                                    </p:anim>
+                                    <p:anim calcmode="lin" valueType="num">
+                                      <p:cBhvr additive="base">
+                                        <p:cTn id="12" dur="750" fill="hold"/>
+                                        <p:tgtEl>
+                                          <p:spTgt spid="2"/>
+                                        </p:tgtEl>
+                                        <p:attrNameLst>
+                                          <p:attrName>ppt_y</p:attrName>
+                                        </p:attrNameLst>
+                                      </p:cBhvr>
+                                      <p:tavLst>
+                                        <p:tav tm="0">
+                                          <p:val>
+                                            <p:strVal val="#ppt_y"/>
+                                          </p:val>
+                                        </p:tav>
+                                        <p:tav tm="100000">
+                                          <p:val>
+                                            <p:strVal val="#ppt_y"/>
+                                          </p:val>
+                                        </p:tav>
+                                      </p:tavLst>
+                                    </p:anim>
+                                  </p:childTnLst>
+                                </p:cTn>
+                              </p:par>
+                            </p:childTnLst>
+                          </p:cTn>
+                        </p:par>
+                      </p:childTnLst>
+                    </p:cTn>
+                  </p:par>
+                </p:childTnLst>
+              </p:cTn>
+              <p:prevCondLst>
+                <p:cond evt="onPrev" delay="0">
+                  <p:tgtEl>
+                    <p:sldTgt/>
+                  </p:tgtEl>
+                </p:cond>
+              </p:prevCondLst>
+              <p:nextCondLst>
+                <p:cond evt="onNext" delay="0">
+                  <p:tgtEl>
+                    <p:sldTgt/>
+                  </p:tgtEl>
+                </p:cond>
+              </p:nextCondLst>
+            </p:seq>
+          </p:childTnLst>
+        </p:cTn>
+      </p:par>
+    </p:tnLst>
+    <p:bldLst>
+      <p:bldP spid="8" grpId="0" bldLvl="0" animBg="1"/>
+      <p:bldP spid="2" grpId="0" bldLvl="0" animBg="1"/>
+    </p:bldLst>
+  </p:timing>
+</p:sld>
+</file>
+
+<file path=ppt/slides/slide17.xml><?xml version="1.0" encoding="utf-8"?>
+<p:sld xmlns:a="http://schemas.openxmlformats.org/drawingml/2006/main" xmlns:r="http://schemas.openxmlformats.org/officeDocument/2006/relationships" xmlns:p="http://schemas.openxmlformats.org/presentationml/2006/main">
+  <p:cSld>
+    <p:spTree>
+      <p:nvGrpSpPr>
+        <p:cNvPr id="1" name=""/>
+        <p:cNvGrpSpPr/>
+        <p:nvPr/>
+      </p:nvGrpSpPr>
+      <p:grpSpPr>
+        <a:xfrm>
+          <a:off x="0" y="0"/>
+          <a:ext cx="0" cy="0"/>
+          <a:chOff x="0" y="0"/>
+          <a:chExt cx="0" cy="0"/>
+        </a:xfrm>
+      </p:grpSpPr>
+      <p:cxnSp>
+        <p:nvCxnSpPr>
+          <p:cNvPr id="4" name="直接连接符 3" descr="e7d195523061f1c0deeec63e560781cfd59afb0ea006f2a87ABB68BF51EA6619813959095094C18C62A12F549504892A4AAA8C1554C6663626E05CA27F281A14E6983772AFC3FB97135759321DEA3D7047B2D20B121D4E05A6D0F227958A32026FEBB3ABD36322023181A2FF8EA235E789B1C6FF9A70CDD2C90B48B40EB7806F7806DF616AB3CE63"/>
+          <p:cNvCxnSpPr/>
+          <p:nvPr/>
+        </p:nvCxnSpPr>
+        <p:spPr>
+          <a:xfrm flipH="1">
+            <a:off x="1793809" y="1256083"/>
+            <a:ext cx="3600000" cy="2"/>
+          </a:xfrm>
+          <a:prstGeom prst="line">
+            <a:avLst/>
+          </a:prstGeom>
+          <a:ln w="63500">
+            <a:solidFill>
+              <a:srgbClr val="333333"/>
+            </a:solidFill>
+          </a:ln>
+        </p:spPr>
+        <p:style>
+          <a:lnRef idx="1">
+            <a:schemeClr val="accent1"/>
+          </a:lnRef>
+          <a:fillRef idx="0">
+            <a:schemeClr val="accent1"/>
+          </a:fillRef>
+          <a:effectRef idx="0">
+            <a:schemeClr val="accent1"/>
+          </a:effectRef>
+          <a:fontRef idx="minor">
+            <a:schemeClr val="tx1"/>
+          </a:fontRef>
+        </p:style>
+      </p:cxnSp>
+      <p:pic>
+        <p:nvPicPr>
+          <p:cNvPr id="5" name="图片 4"/>
+          <p:cNvPicPr>
+            <a:picLocks noChangeAspect="1"/>
+          </p:cNvPicPr>
+          <p:nvPr/>
+        </p:nvPicPr>
+        <p:blipFill>
+          <a:blip r:embed="rId1"/>
+          <a:stretch>
+            <a:fillRect/>
+          </a:stretch>
+        </p:blipFill>
+        <p:spPr>
+          <a:xfrm>
+            <a:off x="0" y="177059"/>
+            <a:ext cx="1188720" cy="1188752"/>
+          </a:xfrm>
+          <a:prstGeom prst="rect">
+            <a:avLst/>
+          </a:prstGeom>
+        </p:spPr>
+      </p:pic>
+      <p:sp>
+        <p:nvSpPr>
+          <p:cNvPr id="6" name="文本框 5"/>
+          <p:cNvSpPr txBox="1"/>
+          <p:nvPr/>
+        </p:nvSpPr>
+        <p:spPr>
+          <a:xfrm>
+            <a:off x="2038378" y="510837"/>
+            <a:ext cx="2118995" cy="521970"/>
+          </a:xfrm>
+          <a:prstGeom prst="rect">
+            <a:avLst/>
+          </a:prstGeom>
+          <a:noFill/>
+        </p:spPr>
+        <p:txBody>
+          <a:bodyPr wrap="none" rtlCol="0">
+            <a:spAutoFit/>
+          </a:bodyPr>
+          <a:lstStyle/>
+          <a:p>
+            <a:pPr algn="ctr"/>
+            <a:r>
+              <a:rPr lang="tr-TR" altLang="zh-CN" sz="2800" b="1" dirty="0">
+                <a:solidFill>
+                  <a:srgbClr val="333333"/>
+                </a:solidFill>
+                <a:latin typeface="Arial" panose="020B0604020202020204" pitchFamily="34" charset="0"/>
+                <a:ea typeface="Arial" panose="020B0604020202020204" pitchFamily="34" charset="0"/>
+              </a:rPr>
+              <a:t>crossorigin</a:t>
+            </a:r>
+            <a:endParaRPr lang="tr-TR" altLang="zh-CN" sz="2800" b="1" dirty="0">
+              <a:solidFill>
+                <a:srgbClr val="333333"/>
+              </a:solidFill>
+              <a:latin typeface="Arial" panose="020B0604020202020204" pitchFamily="34" charset="0"/>
+              <a:ea typeface="Arial" panose="020B0604020202020204" pitchFamily="34" charset="0"/>
+            </a:endParaRPr>
+          </a:p>
+        </p:txBody>
+      </p:sp>
+      <p:sp>
+        <p:nvSpPr>
+          <p:cNvPr id="8" name="矩形 7"/>
+          <p:cNvSpPr/>
+          <p:nvPr/>
+        </p:nvSpPr>
+        <p:spPr>
+          <a:xfrm>
+            <a:off x="570230" y="1598930"/>
+            <a:ext cx="5104130" cy="5158740"/>
+          </a:xfrm>
+          <a:prstGeom prst="rect">
+            <a:avLst/>
+          </a:prstGeom>
+          <a:noFill/>
+          <a:ln w="50800">
+            <a:solidFill>
+              <a:srgbClr val="333333"/>
+            </a:solidFill>
+          </a:ln>
+        </p:spPr>
+        <p:style>
+          <a:lnRef idx="2">
+            <a:schemeClr val="accent1">
+              <a:shade val="50000"/>
+            </a:schemeClr>
+          </a:lnRef>
+          <a:fillRef idx="1">
+            <a:schemeClr val="accent1"/>
+          </a:fillRef>
+          <a:effectRef idx="0">
+            <a:schemeClr val="accent1"/>
+          </a:effectRef>
+          <a:fontRef idx="minor">
+            <a:schemeClr val="lt1"/>
+          </a:fontRef>
+        </p:style>
+        <p:txBody>
+          <a:bodyPr rtlCol="0" anchor="ctr"/>
+          <a:lstStyle/>
+          <a:p>
+            <a:pPr algn="ctr"/>
+            <a:endParaRPr lang="zh-CN" altLang="en-US"/>
+          </a:p>
+        </p:txBody>
+      </p:sp>
+      <p:sp>
+        <p:nvSpPr>
+          <p:cNvPr id="22" name="文本框 21"/>
+          <p:cNvSpPr txBox="1"/>
+          <p:nvPr/>
+        </p:nvSpPr>
+        <p:spPr>
+          <a:xfrm>
+            <a:off x="681990" y="1718945"/>
+            <a:ext cx="4832350" cy="4510405"/>
+          </a:xfrm>
+          <a:prstGeom prst="rect">
+            <a:avLst/>
+          </a:prstGeom>
+          <a:noFill/>
+        </p:spPr>
+        <p:txBody>
+          <a:bodyPr wrap="square" rtlCol="0">
+            <a:spAutoFit/>
+            <a:scene3d>
+              <a:camera prst="orthographicFront"/>
+              <a:lightRig rig="threePt" dir="t"/>
+            </a:scene3d>
+            <a:sp3d contourW="12700"/>
+          </a:bodyPr>
+          <a:lstStyle/>
+          <a:p>
+            <a:pPr algn="ctr">
+              <a:lnSpc>
+                <a:spcPct val="114000"/>
+              </a:lnSpc>
+            </a:pPr>
+            <a:r>
+              <a:rPr lang="tr-TR" altLang="en-US" sz="3200" dirty="0">
+                <a:solidFill>
+                  <a:srgbClr val="FF0000"/>
+                </a:solidFill>
+                <a:latin typeface="Arial" panose="020B0604020202020204" pitchFamily="34" charset="0"/>
+                <a:ea typeface="+mj-ea"/>
+              </a:rPr>
+              <a:t>Nedir?</a:t>
+            </a:r>
+            <a:endParaRPr lang="tr-TR" altLang="en-US" sz="3200" dirty="0">
+              <a:solidFill>
+                <a:srgbClr val="333333"/>
+              </a:solidFill>
+              <a:latin typeface="Arial" panose="020B0604020202020204" pitchFamily="34" charset="0"/>
+              <a:ea typeface="+mj-ea"/>
+            </a:endParaRPr>
+          </a:p>
+          <a:p>
+            <a:pPr algn="l">
+              <a:lnSpc>
+                <a:spcPct val="114000"/>
+              </a:lnSpc>
+            </a:pPr>
+            <a:r>
+              <a:rPr lang="tr-TR" altLang="en-US" sz="2000" dirty="0">
+                <a:solidFill>
+                  <a:srgbClr val="333333"/>
+                </a:solidFill>
+                <a:latin typeface="Arial" panose="020B0604020202020204" pitchFamily="34" charset="0"/>
+                <a:ea typeface="+mj-ea"/>
+              </a:rPr>
+              <a:t>CORS kökenler arası kaynak paylaşımı anlamına gelir. Tarayıcı tarafından yönetilen ve ek HTTP başlıkları kullanarak bir kökende çalışan web uygulamasının başka bir kökende çalışan web uygulamasına erişim izni kontrolünü sağlar. Uygulama, tarayıcı üzerinden baika bir kökene istek gönderdiğinde cross-origin Http isteği oluşturur. Yani sitenin dışarıya açılan kapısı da diyebiliriz.</a:t>
+            </a:r>
+            <a:endParaRPr lang="tr-TR" altLang="en-US" sz="2000" dirty="0">
+              <a:solidFill>
+                <a:schemeClr val="tx1"/>
+              </a:solidFill>
+              <a:latin typeface="Arial" panose="020B0604020202020204" pitchFamily="34" charset="0"/>
+              <a:ea typeface="+mj-ea"/>
+            </a:endParaRPr>
+          </a:p>
+        </p:txBody>
+      </p:sp>
+      <p:pic>
+        <p:nvPicPr>
+          <p:cNvPr id="10" name="Picture 9" descr="cors"/>
+          <p:cNvPicPr>
+            <a:picLocks noChangeAspect="1"/>
+          </p:cNvPicPr>
+          <p:nvPr/>
+        </p:nvPicPr>
+        <p:blipFill>
+          <a:blip r:embed="rId2"/>
+          <a:stretch>
+            <a:fillRect/>
+          </a:stretch>
+        </p:blipFill>
+        <p:spPr>
+          <a:xfrm>
+            <a:off x="5835015" y="2315210"/>
+            <a:ext cx="6266180" cy="3317875"/>
+          </a:xfrm>
+          <a:prstGeom prst="rect">
+            <a:avLst/>
+          </a:prstGeom>
+        </p:spPr>
+      </p:pic>
+    </p:spTree>
+  </p:cSld>
+  <p:clrMapOvr>
+    <a:masterClrMapping/>
+  </p:clrMapOvr>
+  <p:timing>
+    <p:tnLst>
+      <p:par>
+        <p:cTn id="1" dur="indefinite" restart="never" nodeType="tmRoot">
+          <p:childTnLst>
+            <p:seq concurrent="1" nextAc="seek">
+              <p:cTn id="2" dur="indefinite" nodeType="mainSeq">
+                <p:childTnLst>
+                  <p:par>
+                    <p:cTn id="3" fill="hold">
+                      <p:stCondLst>
+                        <p:cond delay="indefinite"/>
+                        <p:cond evt="onBegin" delay="0">
+                          <p:tn val="2"/>
+                        </p:cond>
+                      </p:stCondLst>
+                      <p:childTnLst>
+                        <p:par>
+                          <p:cTn id="4" fill="hold">
+                            <p:stCondLst>
+                              <p:cond delay="0"/>
+                            </p:stCondLst>
+                            <p:childTnLst>
+                              <p:par>
+                                <p:cTn id="5" presetID="2" presetClass="entr" presetSubtype="2" decel="100000" fill="hold" grpId="0" nodeType="withEffect">
+                                  <p:stCondLst>
+                                    <p:cond delay="0"/>
+                                  </p:stCondLst>
+                                  <p:childTnLst>
+                                    <p:set>
+                                      <p:cBhvr>
+                                        <p:cTn id="6" dur="1" fill="hold">
+                                          <p:stCondLst>
+                                            <p:cond delay="0"/>
+                                          </p:stCondLst>
+                                        </p:cTn>
+                                        <p:tgtEl>
+                                          <p:spTgt spid="8"/>
+                                        </p:tgtEl>
+                                        <p:attrNameLst>
+                                          <p:attrName>style.visibility</p:attrName>
+                                        </p:attrNameLst>
+                                      </p:cBhvr>
+                                      <p:to>
+                                        <p:strVal val="visible"/>
+                                      </p:to>
+                                    </p:set>
+                                    <p:anim calcmode="lin" valueType="num">
+                                      <p:cBhvr additive="base">
+                                        <p:cTn id="7" dur="750" fill="hold"/>
+                                        <p:tgtEl>
+                                          <p:spTgt spid="8"/>
+                                        </p:tgtEl>
+                                        <p:attrNameLst>
+                                          <p:attrName>ppt_x</p:attrName>
+                                        </p:attrNameLst>
+                                      </p:cBhvr>
+                                      <p:tavLst>
+                                        <p:tav tm="0">
+                                          <p:val>
+                                            <p:strVal val="1+#ppt_w/2"/>
+                                          </p:val>
+                                        </p:tav>
+                                        <p:tav tm="100000">
+                                          <p:val>
+                                            <p:strVal val="#ppt_x"/>
+                                          </p:val>
+                                        </p:tav>
+                                      </p:tavLst>
+                                    </p:anim>
+                                    <p:anim calcmode="lin" valueType="num">
+                                      <p:cBhvr additive="base">
+                                        <p:cTn id="8" dur="750" fill="hold"/>
+                                        <p:tgtEl>
+                                          <p:spTgt spid="8"/>
+                                        </p:tgtEl>
+                                        <p:attrNameLst>
+                                          <p:attrName>ppt_y</p:attrName>
+                                        </p:attrNameLst>
+                                      </p:cBhvr>
+                                      <p:tavLst>
+                                        <p:tav tm="0">
+                                          <p:val>
+                                            <p:strVal val="#ppt_y"/>
+                                          </p:val>
+                                        </p:tav>
+                                        <p:tav tm="100000">
+                                          <p:val>
+                                            <p:strVal val="#ppt_y"/>
+                                          </p:val>
+                                        </p:tav>
+                                      </p:tavLst>
+                                    </p:anim>
+                                  </p:childTnLst>
+                                </p:cTn>
+                              </p:par>
+                            </p:childTnLst>
+                          </p:cTn>
+                        </p:par>
+                      </p:childTnLst>
+                    </p:cTn>
+                  </p:par>
+                </p:childTnLst>
+              </p:cTn>
+              <p:prevCondLst>
+                <p:cond evt="onPrev" delay="0">
+                  <p:tgtEl>
+                    <p:sldTgt/>
+                  </p:tgtEl>
+                </p:cond>
+              </p:prevCondLst>
+              <p:nextCondLst>
+                <p:cond evt="onNext" delay="0">
+                  <p:tgtEl>
+                    <p:sldTgt/>
+                  </p:tgtEl>
+                </p:cond>
+              </p:nextCondLst>
+            </p:seq>
+          </p:childTnLst>
+        </p:cTn>
+      </p:par>
+    </p:tnLst>
+    <p:bldLst>
+      <p:bldP spid="8" grpId="0" bldLvl="0" animBg="1"/>
+    </p:bldLst>
+  </p:timing>
+</p:sld>
+</file>
+
+<file path=ppt/slides/slide18.xml><?xml version="1.0" encoding="utf-8"?>
+<p:sld xmlns:a="http://schemas.openxmlformats.org/drawingml/2006/main" xmlns:r="http://schemas.openxmlformats.org/officeDocument/2006/relationships" xmlns:p="http://schemas.openxmlformats.org/presentationml/2006/main">
+  <p:cSld>
+    <p:spTree>
+      <p:nvGrpSpPr>
+        <p:cNvPr id="1" name=""/>
+        <p:cNvGrpSpPr/>
+        <p:nvPr/>
+      </p:nvGrpSpPr>
+      <p:grpSpPr>
+        <a:xfrm>
+          <a:off x="0" y="0"/>
+          <a:ext cx="0" cy="0"/>
+          <a:chOff x="0" y="0"/>
+          <a:chExt cx="0" cy="0"/>
+        </a:xfrm>
+      </p:grpSpPr>
+      <p:cxnSp>
+        <p:nvCxnSpPr>
+          <p:cNvPr id="4" name="直接连接符 3" descr="e7d195523061f1c0deeec63e560781cfd59afb0ea006f2a87ABB68BF51EA6619813959095094C18C62A12F549504892A4AAA8C1554C6663626E05CA27F281A14E6983772AFC3FB97135759321DEA3D7047B2D20B121D4E05A6D0F227958A32026FEBB3ABD36322023181A2FF8EA235E789B1C6FF9A70CDD2C90B48B40EB7806F7806DF616AB3CE63"/>
+          <p:cNvCxnSpPr/>
+          <p:nvPr/>
+        </p:nvCxnSpPr>
+        <p:spPr>
+          <a:xfrm flipH="1">
+            <a:off x="1793809" y="1256083"/>
+            <a:ext cx="3600000" cy="2"/>
+          </a:xfrm>
+          <a:prstGeom prst="line">
+            <a:avLst/>
+          </a:prstGeom>
+          <a:ln w="63500">
+            <a:solidFill>
+              <a:srgbClr val="333333"/>
+            </a:solidFill>
+          </a:ln>
+        </p:spPr>
+        <p:style>
+          <a:lnRef idx="1">
+            <a:schemeClr val="accent1"/>
+          </a:lnRef>
+          <a:fillRef idx="0">
+            <a:schemeClr val="accent1"/>
+          </a:fillRef>
+          <a:effectRef idx="0">
+            <a:schemeClr val="accent1"/>
+          </a:effectRef>
+          <a:fontRef idx="minor">
+            <a:schemeClr val="tx1"/>
+          </a:fontRef>
+        </p:style>
+      </p:cxnSp>
+      <p:pic>
+        <p:nvPicPr>
+          <p:cNvPr id="5" name="图片 4"/>
+          <p:cNvPicPr>
+            <a:picLocks noChangeAspect="1"/>
+          </p:cNvPicPr>
+          <p:nvPr/>
+        </p:nvPicPr>
+        <p:blipFill>
+          <a:blip r:embed="rId1"/>
+          <a:stretch>
+            <a:fillRect/>
+          </a:stretch>
+        </p:blipFill>
+        <p:spPr>
+          <a:xfrm>
+            <a:off x="0" y="177059"/>
+            <a:ext cx="1188720" cy="1188752"/>
+          </a:xfrm>
+          <a:prstGeom prst="rect">
+            <a:avLst/>
+          </a:prstGeom>
+        </p:spPr>
+      </p:pic>
+      <p:sp>
+        <p:nvSpPr>
+          <p:cNvPr id="6" name="文本框 5"/>
+          <p:cNvSpPr txBox="1"/>
+          <p:nvPr/>
+        </p:nvSpPr>
+        <p:spPr>
+          <a:xfrm>
+            <a:off x="2226020" y="510837"/>
+            <a:ext cx="1743710" cy="521970"/>
+          </a:xfrm>
+          <a:prstGeom prst="rect">
+            <a:avLst/>
+          </a:prstGeom>
+          <a:noFill/>
+        </p:spPr>
+        <p:txBody>
+          <a:bodyPr wrap="none" rtlCol="0">
+            <a:spAutoFit/>
+          </a:bodyPr>
+          <a:lstStyle/>
+          <a:p>
+            <a:pPr algn="ctr"/>
+            <a:r>
+              <a:rPr lang="tr-TR" altLang="zh-CN" sz="2800" b="1" dirty="0">
+                <a:solidFill>
+                  <a:srgbClr val="333333"/>
+                </a:solidFill>
+                <a:latin typeface="Arial" panose="020B0604020202020204" pitchFamily="34" charset="0"/>
+                <a:ea typeface="Arial" panose="020B0604020202020204" pitchFamily="34" charset="0"/>
+              </a:rPr>
+              <a:t>scrollspy</a:t>
+            </a:r>
+            <a:endParaRPr lang="tr-TR" altLang="zh-CN" sz="2800" b="1" dirty="0">
+              <a:solidFill>
+                <a:srgbClr val="333333"/>
+              </a:solidFill>
+              <a:latin typeface="Arial" panose="020B0604020202020204" pitchFamily="34" charset="0"/>
+              <a:ea typeface="Arial" panose="020B0604020202020204" pitchFamily="34" charset="0"/>
+            </a:endParaRPr>
+          </a:p>
+        </p:txBody>
+      </p:sp>
+      <p:sp>
+        <p:nvSpPr>
+          <p:cNvPr id="8" name="矩形 7"/>
+          <p:cNvSpPr/>
+          <p:nvPr/>
+        </p:nvSpPr>
+        <p:spPr>
+          <a:xfrm>
+            <a:off x="570230" y="1598930"/>
+            <a:ext cx="5104130" cy="5158740"/>
+          </a:xfrm>
+          <a:prstGeom prst="rect">
+            <a:avLst/>
+          </a:prstGeom>
+          <a:noFill/>
+          <a:ln w="50800">
+            <a:solidFill>
+              <a:srgbClr val="333333"/>
+            </a:solidFill>
+          </a:ln>
+        </p:spPr>
+        <p:style>
+          <a:lnRef idx="2">
+            <a:schemeClr val="accent1">
+              <a:shade val="50000"/>
+            </a:schemeClr>
+          </a:lnRef>
+          <a:fillRef idx="1">
+            <a:schemeClr val="accent1"/>
+          </a:fillRef>
+          <a:effectRef idx="0">
+            <a:schemeClr val="accent1"/>
+          </a:effectRef>
+          <a:fontRef idx="minor">
+            <a:schemeClr val="lt1"/>
+          </a:fontRef>
+        </p:style>
+        <p:txBody>
+          <a:bodyPr rtlCol="0" anchor="ctr"/>
+          <a:lstStyle/>
+          <a:p>
+            <a:pPr algn="ctr"/>
+            <a:endParaRPr lang="zh-CN" altLang="en-US"/>
+          </a:p>
+        </p:txBody>
+      </p:sp>
+      <p:sp>
+        <p:nvSpPr>
+          <p:cNvPr id="22" name="文本框 21"/>
+          <p:cNvSpPr txBox="1"/>
+          <p:nvPr/>
+        </p:nvSpPr>
+        <p:spPr>
+          <a:xfrm>
+            <a:off x="681990" y="1718945"/>
+            <a:ext cx="4832350" cy="1353820"/>
+          </a:xfrm>
+          <a:prstGeom prst="rect">
+            <a:avLst/>
+          </a:prstGeom>
+          <a:noFill/>
+        </p:spPr>
+        <p:txBody>
+          <a:bodyPr wrap="square" rtlCol="0">
+            <a:spAutoFit/>
+            <a:scene3d>
+              <a:camera prst="orthographicFront"/>
+              <a:lightRig rig="threePt" dir="t"/>
+            </a:scene3d>
+            <a:sp3d contourW="12700"/>
+          </a:bodyPr>
+          <a:lstStyle/>
+          <a:p>
+            <a:pPr algn="ctr">
+              <a:lnSpc>
+                <a:spcPct val="114000"/>
+              </a:lnSpc>
+            </a:pPr>
+            <a:r>
+              <a:rPr lang="tr-TR" altLang="en-US" sz="3200" dirty="0">
+                <a:solidFill>
+                  <a:srgbClr val="FF0000"/>
+                </a:solidFill>
+                <a:latin typeface="Arial" panose="020B0604020202020204" pitchFamily="34" charset="0"/>
+                <a:ea typeface="+mj-ea"/>
+              </a:rPr>
+              <a:t>Nedir?</a:t>
+            </a:r>
+            <a:endParaRPr lang="tr-TR" altLang="en-US" sz="3200" dirty="0">
+              <a:solidFill>
+                <a:srgbClr val="333333"/>
+              </a:solidFill>
+              <a:latin typeface="Arial" panose="020B0604020202020204" pitchFamily="34" charset="0"/>
+              <a:ea typeface="+mj-ea"/>
+            </a:endParaRPr>
+          </a:p>
+          <a:p>
+            <a:pPr algn="l">
+              <a:lnSpc>
+                <a:spcPct val="114000"/>
+              </a:lnSpc>
+            </a:pPr>
+            <a:r>
+              <a:rPr lang="tr-TR" altLang="en-US" sz="2000" dirty="0">
+                <a:solidFill>
+                  <a:srgbClr val="333333"/>
+                </a:solidFill>
+                <a:latin typeface="Arial" panose="020B0604020202020204" pitchFamily="34" charset="0"/>
+                <a:ea typeface="+mj-ea"/>
+              </a:rPr>
+              <a:t>Otomatik kaydırmaya dayalı bir gezinme listesinde bağlantıları güncelleştirir.</a:t>
+            </a:r>
+            <a:endParaRPr lang="tr-TR" altLang="en-US" sz="2000" dirty="0">
+              <a:solidFill>
+                <a:schemeClr val="tx1"/>
+              </a:solidFill>
+              <a:latin typeface="Arial" panose="020B0604020202020204" pitchFamily="34" charset="0"/>
+              <a:ea typeface="+mj-ea"/>
+            </a:endParaRPr>
+          </a:p>
+        </p:txBody>
+      </p:sp>
+      <p:sp>
+        <p:nvSpPr>
+          <p:cNvPr id="3" name="文本框 21"/>
+          <p:cNvSpPr txBox="1"/>
+          <p:nvPr/>
+        </p:nvSpPr>
+        <p:spPr>
+          <a:xfrm>
+            <a:off x="842010" y="3183890"/>
+            <a:ext cx="4832350" cy="3388360"/>
+          </a:xfrm>
+          <a:prstGeom prst="rect">
+            <a:avLst/>
+          </a:prstGeom>
+          <a:noFill/>
+        </p:spPr>
+        <p:txBody>
+          <a:bodyPr wrap="square" rtlCol="0">
+            <a:spAutoFit/>
+            <a:scene3d>
+              <a:camera prst="orthographicFront"/>
+              <a:lightRig rig="threePt" dir="t"/>
+            </a:scene3d>
+            <a:sp3d contourW="12700"/>
+          </a:bodyPr>
+          <a:p>
+            <a:pPr algn="ctr">
+              <a:lnSpc>
+                <a:spcPct val="114000"/>
+              </a:lnSpc>
+            </a:pPr>
+            <a:r>
+              <a:rPr lang="tr-TR" altLang="en-US" sz="2800" dirty="0">
+                <a:solidFill>
+                  <a:srgbClr val="FF0000"/>
+                </a:solidFill>
+                <a:latin typeface="Arial" panose="020B0604020202020204" pitchFamily="34" charset="0"/>
+                <a:ea typeface="+mj-ea"/>
+              </a:rPr>
+              <a:t>Nasıl Kullanılır?</a:t>
+            </a:r>
+            <a:endParaRPr lang="tr-TR" altLang="en-US" sz="2800" dirty="0">
+              <a:solidFill>
+                <a:srgbClr val="FF0000"/>
+              </a:solidFill>
+              <a:latin typeface="Arial" panose="020B0604020202020204" pitchFamily="34" charset="0"/>
+              <a:ea typeface="+mj-ea"/>
+            </a:endParaRPr>
+          </a:p>
+          <a:p>
+            <a:pPr algn="l">
+              <a:lnSpc>
+                <a:spcPct val="114000"/>
+              </a:lnSpc>
+            </a:pPr>
+            <a:r>
+              <a:rPr lang="tr-TR" altLang="en-US" sz="2000" dirty="0">
+                <a:solidFill>
+                  <a:schemeClr val="tx1"/>
+                </a:solidFill>
+                <a:latin typeface="Arial" panose="020B0604020202020204" pitchFamily="34" charset="0"/>
+                <a:ea typeface="+mj-ea"/>
+              </a:rPr>
+              <a:t>Kaydırılabilir alan olarak kullanılmak istenen öğeye </a:t>
+            </a:r>
+            <a:r>
+              <a:rPr lang="tr-TR" altLang="en-US" sz="2000" b="1" dirty="0">
+                <a:solidFill>
+                  <a:schemeClr val="tx1"/>
+                </a:solidFill>
+                <a:latin typeface="Arial" panose="020B0604020202020204" pitchFamily="34" charset="0"/>
+                <a:ea typeface="+mj-ea"/>
+              </a:rPr>
+              <a:t>data-spy=”scroll” </a:t>
+            </a:r>
+            <a:r>
+              <a:rPr lang="tr-TR" altLang="en-US" sz="2000" dirty="0">
+                <a:solidFill>
+                  <a:schemeClr val="tx1"/>
+                </a:solidFill>
+                <a:latin typeface="Arial" panose="020B0604020202020204" pitchFamily="34" charset="0"/>
+                <a:ea typeface="+mj-ea"/>
+              </a:rPr>
+              <a:t>eklenir. Ardından gezinme çubuğunun id si veya class değerine </a:t>
+            </a:r>
+            <a:r>
+              <a:rPr lang="tr-TR" altLang="en-US" sz="2000" b="1" dirty="0">
+                <a:solidFill>
+                  <a:schemeClr val="tx1"/>
+                </a:solidFill>
+                <a:latin typeface="Arial" panose="020B0604020202020204" pitchFamily="34" charset="0"/>
+                <a:ea typeface="+mj-ea"/>
+              </a:rPr>
+              <a:t>data-target </a:t>
+            </a:r>
+            <a:r>
+              <a:rPr lang="tr-TR" altLang="en-US" sz="2000" dirty="0">
+                <a:solidFill>
+                  <a:schemeClr val="tx1"/>
+                </a:solidFill>
+                <a:latin typeface="Arial" panose="020B0604020202020204" pitchFamily="34" charset="0"/>
+                <a:ea typeface="+mj-ea"/>
+              </a:rPr>
+              <a:t>attribute ü eklenir. Ancak kaydırılabilir öğelerin, gezinme çubuğunun liste öğeleri içindeki bağlantıların id si ile eşleşiyor olması gerekiyor.</a:t>
+            </a:r>
+            <a:endParaRPr lang="tr-TR" altLang="en-US" sz="2000" dirty="0">
+              <a:solidFill>
+                <a:schemeClr val="tx1"/>
+              </a:solidFill>
+              <a:latin typeface="Arial" panose="020B0604020202020204" pitchFamily="34" charset="0"/>
+              <a:ea typeface="+mj-ea"/>
+            </a:endParaRPr>
+          </a:p>
+        </p:txBody>
+      </p:sp>
+      <p:pic>
+        <p:nvPicPr>
+          <p:cNvPr id="9" name="Picture 8" descr="2"/>
+          <p:cNvPicPr>
+            <a:picLocks noChangeAspect="1"/>
+          </p:cNvPicPr>
+          <p:nvPr/>
+        </p:nvPicPr>
+        <p:blipFill>
+          <a:blip r:embed="rId2"/>
+          <a:stretch>
+            <a:fillRect/>
+          </a:stretch>
+        </p:blipFill>
+        <p:spPr>
+          <a:xfrm>
+            <a:off x="6330950" y="1598930"/>
+            <a:ext cx="5151120" cy="5082540"/>
           </a:xfrm>
           <a:prstGeom prst="rect">
             <a:avLst/>

--- a/Research Homeworks/Research Homeworks.pptx
+++ b/Research Homeworks/Research Homeworks.pptx
@@ -825,6 +825,7 @@
   <p:clrMapOvr>
     <a:masterClrMapping/>
   </p:clrMapOvr>
+  <p:hf hdr="0" ftr="0" dt="0"/>
 </p:sldLayout>
 </file>
 
@@ -992,6 +993,7 @@
   <p:clrMapOvr>
     <a:masterClrMapping/>
   </p:clrMapOvr>
+  <p:hf hdr="0" ftr="0" dt="0"/>
 </p:sldLayout>
 </file>
 
@@ -1169,6 +1171,7 @@
   <p:clrMapOvr>
     <a:masterClrMapping/>
   </p:clrMapOvr>
+  <p:hf hdr="0" ftr="0" dt="0"/>
 </p:sldLayout>
 </file>
 
@@ -1336,6 +1339,7 @@
   <p:clrMapOvr>
     <a:masterClrMapping/>
   </p:clrMapOvr>
+  <p:hf hdr="0" ftr="0" dt="0"/>
 </p:sldLayout>
 </file>
 
@@ -1576,6 +1580,7 @@
   <p:clrMapOvr>
     <a:masterClrMapping/>
   </p:clrMapOvr>
+  <p:hf hdr="0" ftr="0" dt="0"/>
 </p:sldLayout>
 </file>
 
@@ -1809,6 +1814,7 @@
   <p:clrMapOvr>
     <a:masterClrMapping/>
   </p:clrMapOvr>
+  <p:hf hdr="0" ftr="0" dt="0"/>
 </p:sldLayout>
 </file>
 
@@ -2179,6 +2185,7 @@
   <p:clrMapOvr>
     <a:masterClrMapping/>
   </p:clrMapOvr>
+  <p:hf hdr="0" ftr="0" dt="0"/>
 </p:sldLayout>
 </file>
 
@@ -2290,6 +2297,7 @@
   <p:clrMapOvr>
     <a:masterClrMapping/>
   </p:clrMapOvr>
+  <p:hf hdr="0" ftr="0" dt="0"/>
 </p:sldLayout>
 </file>
 
@@ -2378,6 +2386,7 @@
   <p:clrMapOvr>
     <a:masterClrMapping/>
   </p:clrMapOvr>
+  <p:hf hdr="0" ftr="0" dt="0"/>
 </p:sldLayout>
 </file>
 
@@ -2653,6 +2662,7 @@
   <p:clrMapOvr>
     <a:masterClrMapping/>
   </p:clrMapOvr>
+  <p:hf hdr="0" ftr="0" dt="0"/>
 </p:sldLayout>
 </file>
 
@@ -2900,6 +2910,7 @@
   <p:clrMapOvr>
     <a:masterClrMapping/>
   </p:clrMapOvr>
+  <p:hf hdr="0" ftr="0" dt="0"/>
 </p:sldLayout>
 </file>
 
@@ -3163,6 +3174,7 @@
     <p:sldLayoutId id="2147483658" r:id="rId10"/>
     <p:sldLayoutId id="2147483659" r:id="rId11"/>
   </p:sldLayoutIdLst>
+  <p:hf hdr="0" ftr="0" dt="0"/>
   <p:txStyles>
     <p:titleStyle>
       <a:lvl1pPr algn="l" defTabSz="914400" rtl="0" eaLnBrk="1" latinLnBrk="0" hangingPunct="1">
@@ -3627,6 +3639,27 @@
           </a:p>
         </p:txBody>
       </p:sp>
+      <p:sp>
+        <p:nvSpPr>
+          <p:cNvPr id="3" name="Slide Number Placeholder 2"/>
+          <p:cNvSpPr>
+            <a:spLocks noGrp="1"/>
+          </p:cNvSpPr>
+          <p:nvPr>
+            <p:ph type="sldNum" sz="quarter" idx="12"/>
+          </p:nvPr>
+        </p:nvSpPr>
+        <p:spPr/>
+        <p:txBody>
+          <a:bodyPr/>
+          <a:p>
+            <a:fld id="{28E7AAA1-2B6D-44C1-A6CB-927B761BD882}" type="slidenum">
+              <a:rPr lang="zh-CN" altLang="en-US" smtClean="0"/>
+            </a:fld>
+            <a:endParaRPr lang="zh-CN" altLang="en-US"/>
+          </a:p>
+        </p:txBody>
+      </p:sp>
     </p:spTree>
   </p:cSld>
   <p:clrMapOvr>
@@ -3907,6 +3940,27 @@
           </a:prstGeom>
         </p:spPr>
       </p:pic>
+      <p:sp>
+        <p:nvSpPr>
+          <p:cNvPr id="7" name="Slide Number Placeholder 6"/>
+          <p:cNvSpPr>
+            <a:spLocks noGrp="1"/>
+          </p:cNvSpPr>
+          <p:nvPr>
+            <p:ph type="sldNum" sz="quarter" idx="12"/>
+          </p:nvPr>
+        </p:nvSpPr>
+        <p:spPr/>
+        <p:txBody>
+          <a:bodyPr/>
+          <a:p>
+            <a:fld id="{28E7AAA1-2B6D-44C1-A6CB-927B761BD882}" type="slidenum">
+              <a:rPr lang="zh-CN" altLang="en-US" smtClean="0"/>
+            </a:fld>
+            <a:endParaRPr lang="zh-CN" altLang="en-US"/>
+          </a:p>
+        </p:txBody>
+      </p:sp>
     </p:spTree>
   </p:cSld>
   <p:clrMapOvr>
@@ -4307,6 +4361,27 @@
           </a:prstGeom>
         </p:spPr>
       </p:pic>
+      <p:sp>
+        <p:nvSpPr>
+          <p:cNvPr id="2" name="Slide Number Placeholder 1"/>
+          <p:cNvSpPr>
+            <a:spLocks noGrp="1"/>
+          </p:cNvSpPr>
+          <p:nvPr>
+            <p:ph type="sldNum" sz="quarter" idx="12"/>
+          </p:nvPr>
+        </p:nvSpPr>
+        <p:spPr/>
+        <p:txBody>
+          <a:bodyPr/>
+          <a:p>
+            <a:fld id="{28E7AAA1-2B6D-44C1-A6CB-927B761BD882}" type="slidenum">
+              <a:rPr lang="zh-CN" altLang="en-US" smtClean="0"/>
+            </a:fld>
+            <a:endParaRPr lang="zh-CN" altLang="en-US"/>
+          </a:p>
+        </p:txBody>
+      </p:sp>
     </p:spTree>
   </p:cSld>
   <p:clrMapOvr>
@@ -4683,6 +4758,27 @@
           </a:prstGeom>
         </p:spPr>
       </p:pic>
+      <p:sp>
+        <p:nvSpPr>
+          <p:cNvPr id="3" name="Slide Number Placeholder 2"/>
+          <p:cNvSpPr>
+            <a:spLocks noGrp="1"/>
+          </p:cNvSpPr>
+          <p:nvPr>
+            <p:ph type="sldNum" sz="quarter" idx="12"/>
+          </p:nvPr>
+        </p:nvSpPr>
+        <p:spPr/>
+        <p:txBody>
+          <a:bodyPr/>
+          <a:p>
+            <a:fld id="{28E7AAA1-2B6D-44C1-A6CB-927B761BD882}" type="slidenum">
+              <a:rPr lang="zh-CN" altLang="en-US" smtClean="0"/>
+            </a:fld>
+            <a:endParaRPr lang="zh-CN" altLang="en-US"/>
+          </a:p>
+        </p:txBody>
+      </p:sp>
     </p:spTree>
   </p:cSld>
   <p:clrMapOvr>
@@ -5141,6 +5237,27 @@
           </a:prstGeom>
         </p:spPr>
       </p:pic>
+      <p:sp>
+        <p:nvSpPr>
+          <p:cNvPr id="2" name="Slide Number Placeholder 1"/>
+          <p:cNvSpPr>
+            <a:spLocks noGrp="1"/>
+          </p:cNvSpPr>
+          <p:nvPr>
+            <p:ph type="sldNum" sz="quarter" idx="12"/>
+          </p:nvPr>
+        </p:nvSpPr>
+        <p:spPr/>
+        <p:txBody>
+          <a:bodyPr/>
+          <a:p>
+            <a:fld id="{28E7AAA1-2B6D-44C1-A6CB-927B761BD882}" type="slidenum">
+              <a:rPr lang="zh-CN" altLang="en-US" smtClean="0"/>
+            </a:fld>
+            <a:endParaRPr lang="zh-CN" altLang="en-US"/>
+          </a:p>
+        </p:txBody>
+      </p:sp>
     </p:spTree>
   </p:cSld>
   <p:clrMapOvr>
@@ -5595,6 +5712,27 @@
           </a:prstGeom>
         </p:spPr>
       </p:pic>
+      <p:sp>
+        <p:nvSpPr>
+          <p:cNvPr id="7" name="Slide Number Placeholder 6"/>
+          <p:cNvSpPr>
+            <a:spLocks noGrp="1"/>
+          </p:cNvSpPr>
+          <p:nvPr>
+            <p:ph type="sldNum" sz="quarter" idx="12"/>
+          </p:nvPr>
+        </p:nvSpPr>
+        <p:spPr/>
+        <p:txBody>
+          <a:bodyPr/>
+          <a:p>
+            <a:fld id="{28E7AAA1-2B6D-44C1-A6CB-927B761BD882}" type="slidenum">
+              <a:rPr lang="zh-CN" altLang="en-US" smtClean="0"/>
+            </a:fld>
+            <a:endParaRPr lang="zh-CN" altLang="en-US"/>
+          </a:p>
+        </p:txBody>
+      </p:sp>
     </p:spTree>
   </p:cSld>
   <p:clrMapOvr>
@@ -6125,6 +6263,27 @@
           </a:prstGeom>
         </p:spPr>
       </p:pic>
+      <p:sp>
+        <p:nvSpPr>
+          <p:cNvPr id="2" name="Slide Number Placeholder 1"/>
+          <p:cNvSpPr>
+            <a:spLocks noGrp="1"/>
+          </p:cNvSpPr>
+          <p:nvPr>
+            <p:ph type="sldNum" sz="quarter" idx="12"/>
+          </p:nvPr>
+        </p:nvSpPr>
+        <p:spPr/>
+        <p:txBody>
+          <a:bodyPr/>
+          <a:p>
+            <a:fld id="{28E7AAA1-2B6D-44C1-A6CB-927B761BD882}" type="slidenum">
+              <a:rPr lang="zh-CN" altLang="en-US" smtClean="0"/>
+            </a:fld>
+            <a:endParaRPr lang="zh-CN" altLang="en-US"/>
+          </a:p>
+        </p:txBody>
+      </p:sp>
     </p:spTree>
   </p:cSld>
   <p:clrMapOvr>
@@ -6742,6 +6901,27 @@
                 </a:schemeClr>
               </a:solidFill>
             </a:endParaRPr>
+          </a:p>
+        </p:txBody>
+      </p:sp>
+      <p:sp>
+        <p:nvSpPr>
+          <p:cNvPr id="9" name="Slide Number Placeholder 8"/>
+          <p:cNvSpPr>
+            <a:spLocks noGrp="1"/>
+          </p:cNvSpPr>
+          <p:nvPr>
+            <p:ph type="sldNum" sz="quarter" idx="12"/>
+          </p:nvPr>
+        </p:nvSpPr>
+        <p:spPr/>
+        <p:txBody>
+          <a:bodyPr/>
+          <a:p>
+            <a:fld id="{28E7AAA1-2B6D-44C1-A6CB-927B761BD882}" type="slidenum">
+              <a:rPr lang="zh-CN" altLang="en-US" smtClean="0"/>
+            </a:fld>
+            <a:endParaRPr lang="zh-CN" altLang="en-US"/>
           </a:p>
         </p:txBody>
       </p:sp>
@@ -7219,6 +7399,27 @@
           </a:prstGeom>
         </p:spPr>
       </p:pic>
+      <p:sp>
+        <p:nvSpPr>
+          <p:cNvPr id="2" name="Slide Number Placeholder 1"/>
+          <p:cNvSpPr>
+            <a:spLocks noGrp="1"/>
+          </p:cNvSpPr>
+          <p:nvPr>
+            <p:ph type="sldNum" sz="quarter" idx="12"/>
+          </p:nvPr>
+        </p:nvSpPr>
+        <p:spPr/>
+        <p:txBody>
+          <a:bodyPr/>
+          <a:p>
+            <a:fld id="{28E7AAA1-2B6D-44C1-A6CB-927B761BD882}" type="slidenum">
+              <a:rPr lang="zh-CN" altLang="en-US" smtClean="0"/>
+            </a:fld>
+            <a:endParaRPr lang="zh-CN" altLang="en-US"/>
+          </a:p>
+        </p:txBody>
+      </p:sp>
     </p:spTree>
   </p:cSld>
   <p:clrMapOvr>
@@ -7734,6 +7935,27 @@
           </a:prstGeom>
         </p:spPr>
       </p:pic>
+      <p:sp>
+        <p:nvSpPr>
+          <p:cNvPr id="2" name="Slide Number Placeholder 1"/>
+          <p:cNvSpPr>
+            <a:spLocks noGrp="1"/>
+          </p:cNvSpPr>
+          <p:nvPr>
+            <p:ph type="sldNum" sz="quarter" idx="12"/>
+          </p:nvPr>
+        </p:nvSpPr>
+        <p:spPr/>
+        <p:txBody>
+          <a:bodyPr/>
+          <a:p>
+            <a:fld id="{28E7AAA1-2B6D-44C1-A6CB-927B761BD882}" type="slidenum">
+              <a:rPr lang="zh-CN" altLang="en-US" smtClean="0"/>
+            </a:fld>
+            <a:endParaRPr lang="zh-CN" altLang="en-US"/>
+          </a:p>
+        </p:txBody>
+      </p:sp>
     </p:spTree>
   </p:cSld>
   <p:clrMapOvr>
@@ -8572,6 +8794,27 @@
           </a:prstGeom>
         </p:spPr>
       </p:pic>
+      <p:sp>
+        <p:nvSpPr>
+          <p:cNvPr id="9" name="Slide Number Placeholder 8"/>
+          <p:cNvSpPr>
+            <a:spLocks noGrp="1"/>
+          </p:cNvSpPr>
+          <p:nvPr>
+            <p:ph type="sldNum" sz="quarter" idx="12"/>
+          </p:nvPr>
+        </p:nvSpPr>
+        <p:spPr/>
+        <p:txBody>
+          <a:bodyPr/>
+          <a:p>
+            <a:fld id="{28E7AAA1-2B6D-44C1-A6CB-927B761BD882}" type="slidenum">
+              <a:rPr lang="zh-CN" altLang="en-US" smtClean="0"/>
+            </a:fld>
+            <a:endParaRPr lang="zh-CN" altLang="en-US"/>
+          </a:p>
+        </p:txBody>
+      </p:sp>
     </p:spTree>
   </p:cSld>
   <p:clrMapOvr>
@@ -8987,7 +9230,7 @@
         <p:spPr>
           <a:xfrm>
             <a:off x="5571490" y="1598930"/>
-            <a:ext cx="6432550" cy="4933950"/>
+            <a:ext cx="6432550" cy="4584700"/>
           </a:xfrm>
           <a:prstGeom prst="rect">
             <a:avLst/>
@@ -9187,7 +9430,7 @@
         <p:spPr>
           <a:xfrm>
             <a:off x="869315" y="2628265"/>
-            <a:ext cx="4524375" cy="3904615"/>
+            <a:ext cx="4524375" cy="3555365"/>
           </a:xfrm>
           <a:prstGeom prst="rect">
             <a:avLst/>
@@ -9320,6 +9563,27 @@
               <a:t> Sitenin en alt kısmını içine alır. Genelde sitenin yazarı, telif hakkı vb. şeyleri içerir.</a:t>
             </a:r>
             <a:endParaRPr lang="en-US"/>
+          </a:p>
+        </p:txBody>
+      </p:sp>
+      <p:sp>
+        <p:nvSpPr>
+          <p:cNvPr id="7" name="Slide Number Placeholder 6"/>
+          <p:cNvSpPr>
+            <a:spLocks noGrp="1"/>
+          </p:cNvSpPr>
+          <p:nvPr>
+            <p:ph type="sldNum" sz="quarter" idx="12"/>
+          </p:nvPr>
+        </p:nvSpPr>
+        <p:spPr/>
+        <p:txBody>
+          <a:bodyPr/>
+          <a:p>
+            <a:fld id="{28E7AAA1-2B6D-44C1-A6CB-927B761BD882}" type="slidenum">
+              <a:rPr lang="zh-CN" altLang="en-US" smtClean="0"/>
+            </a:fld>
+            <a:endParaRPr lang="zh-CN" altLang="en-US"/>
           </a:p>
         </p:txBody>
       </p:sp>
@@ -9869,6 +10133,27 @@
           </a:p>
         </p:txBody>
       </p:sp>
+      <p:sp>
+        <p:nvSpPr>
+          <p:cNvPr id="2" name="Slide Number Placeholder 1"/>
+          <p:cNvSpPr>
+            <a:spLocks noGrp="1"/>
+          </p:cNvSpPr>
+          <p:nvPr>
+            <p:ph type="sldNum" sz="quarter" idx="12"/>
+          </p:nvPr>
+        </p:nvSpPr>
+        <p:spPr/>
+        <p:txBody>
+          <a:bodyPr/>
+          <a:p>
+            <a:fld id="{28E7AAA1-2B6D-44C1-A6CB-927B761BD882}" type="slidenum">
+              <a:rPr lang="zh-CN" altLang="en-US" smtClean="0"/>
+            </a:fld>
+            <a:endParaRPr lang="zh-CN" altLang="en-US"/>
+          </a:p>
+        </p:txBody>
+      </p:sp>
     </p:spTree>
   </p:cSld>
   <p:clrMapOvr>
@@ -10551,6 +10836,27 @@
               <a:t>	</a:t>
             </a:r>
             <a:endParaRPr lang="en-US" sz="1000"/>
+          </a:p>
+        </p:txBody>
+      </p:sp>
+      <p:sp>
+        <p:nvSpPr>
+          <p:cNvPr id="9" name="Slide Number Placeholder 8"/>
+          <p:cNvSpPr>
+            <a:spLocks noGrp="1"/>
+          </p:cNvSpPr>
+          <p:nvPr>
+            <p:ph type="sldNum" sz="quarter" idx="12"/>
+          </p:nvPr>
+        </p:nvSpPr>
+        <p:spPr/>
+        <p:txBody>
+          <a:bodyPr/>
+          <a:p>
+            <a:fld id="{28E7AAA1-2B6D-44C1-A6CB-927B761BD882}" type="slidenum">
+              <a:rPr lang="zh-CN" altLang="en-US" smtClean="0"/>
+            </a:fld>
+            <a:endParaRPr lang="zh-CN" altLang="en-US"/>
           </a:p>
         </p:txBody>
       </p:sp>
@@ -11180,6 +11486,27 @@
           </a:p>
         </p:txBody>
       </p:sp>
+      <p:sp>
+        <p:nvSpPr>
+          <p:cNvPr id="7" name="Slide Number Placeholder 6"/>
+          <p:cNvSpPr>
+            <a:spLocks noGrp="1"/>
+          </p:cNvSpPr>
+          <p:nvPr>
+            <p:ph type="sldNum" sz="quarter" idx="12"/>
+          </p:nvPr>
+        </p:nvSpPr>
+        <p:spPr/>
+        <p:txBody>
+          <a:bodyPr/>
+          <a:p>
+            <a:fld id="{28E7AAA1-2B6D-44C1-A6CB-927B761BD882}" type="slidenum">
+              <a:rPr lang="zh-CN" altLang="en-US" smtClean="0"/>
+            </a:fld>
+            <a:endParaRPr lang="zh-CN" altLang="en-US"/>
+          </a:p>
+        </p:txBody>
+      </p:sp>
     </p:spTree>
   </p:cSld>
   <p:clrMapOvr>
@@ -11758,6 +12085,27 @@
           </a:p>
         </p:txBody>
       </p:sp>
+      <p:sp>
+        <p:nvSpPr>
+          <p:cNvPr id="2" name="Slide Number Placeholder 1"/>
+          <p:cNvSpPr>
+            <a:spLocks noGrp="1"/>
+          </p:cNvSpPr>
+          <p:nvPr>
+            <p:ph type="sldNum" sz="quarter" idx="12"/>
+          </p:nvPr>
+        </p:nvSpPr>
+        <p:spPr/>
+        <p:txBody>
+          <a:bodyPr/>
+          <a:p>
+            <a:fld id="{28E7AAA1-2B6D-44C1-A6CB-927B761BD882}" type="slidenum">
+              <a:rPr lang="zh-CN" altLang="en-US" smtClean="0"/>
+            </a:fld>
+            <a:endParaRPr lang="zh-CN" altLang="en-US"/>
+          </a:p>
+        </p:txBody>
+      </p:sp>
     </p:spTree>
   </p:cSld>
   <p:clrMapOvr>
@@ -12388,6 +12736,27 @@
           </a:prstGeom>
         </p:spPr>
       </p:pic>
+      <p:sp>
+        <p:nvSpPr>
+          <p:cNvPr id="2" name="Slide Number Placeholder 1"/>
+          <p:cNvSpPr>
+            <a:spLocks noGrp="1"/>
+          </p:cNvSpPr>
+          <p:nvPr>
+            <p:ph type="sldNum" sz="quarter" idx="12"/>
+          </p:nvPr>
+        </p:nvSpPr>
+        <p:spPr/>
+        <p:txBody>
+          <a:bodyPr/>
+          <a:p>
+            <a:fld id="{28E7AAA1-2B6D-44C1-A6CB-927B761BD882}" type="slidenum">
+              <a:rPr lang="zh-CN" altLang="en-US" smtClean="0"/>
+            </a:fld>
+            <a:endParaRPr lang="zh-CN" altLang="en-US"/>
+          </a:p>
+        </p:txBody>
+      </p:sp>
     </p:spTree>
   </p:cSld>
   <p:clrMapOvr>
@@ -12934,6 +13303,27 @@
           </a:prstGeom>
         </p:spPr>
       </p:pic>
+      <p:sp>
+        <p:nvSpPr>
+          <p:cNvPr id="7" name="Slide Number Placeholder 6"/>
+          <p:cNvSpPr>
+            <a:spLocks noGrp="1"/>
+          </p:cNvSpPr>
+          <p:nvPr>
+            <p:ph type="sldNum" sz="quarter" idx="12"/>
+          </p:nvPr>
+        </p:nvSpPr>
+        <p:spPr/>
+        <p:txBody>
+          <a:bodyPr/>
+          <a:p>
+            <a:fld id="{28E7AAA1-2B6D-44C1-A6CB-927B761BD882}" type="slidenum">
+              <a:rPr lang="zh-CN" altLang="en-US" smtClean="0"/>
+            </a:fld>
+            <a:endParaRPr lang="zh-CN" altLang="en-US"/>
+          </a:p>
+        </p:txBody>
+      </p:sp>
     </p:spTree>
   </p:cSld>
   <p:clrMapOvr>

--- a/Research Homeworks/Research Homeworks.pptx
+++ b/Research Homeworks/Research Homeworks.pptx
@@ -5,10 +5,10 @@
     <p:sldMasterId id="2147483648" r:id="rId1"/>
   </p:sldMasterIdLst>
   <p:notesMasterIdLst>
-    <p:notesMasterId r:id="rId21"/>
+    <p:notesMasterId r:id="rId27"/>
   </p:notesMasterIdLst>
   <p:handoutMasterIdLst>
-    <p:handoutMasterId r:id="rId22"/>
+    <p:handoutMasterId r:id="rId28"/>
   </p:handoutMasterIdLst>
   <p:sldIdLst>
     <p:sldId id="258" r:id="rId3"/>
@@ -29,6 +29,12 @@
     <p:sldId id="297" r:id="rId18"/>
     <p:sldId id="298" r:id="rId19"/>
     <p:sldId id="299" r:id="rId20"/>
+    <p:sldId id="300" r:id="rId21"/>
+    <p:sldId id="301" r:id="rId22"/>
+    <p:sldId id="302" r:id="rId23"/>
+    <p:sldId id="303" r:id="rId24"/>
+    <p:sldId id="304" r:id="rId25"/>
+    <p:sldId id="305" r:id="rId26"/>
   </p:sldIdLst>
   <p:sldSz cx="12192000" cy="6858000"/>
   <p:notesSz cx="6858000" cy="9144000"/>
@@ -8091,7 +8097,7 @@
 </p:sld>
 </file>
 
-<file path=ppt/slides/slide2.xml><?xml version="1.0" encoding="utf-8"?>
+<file path=ppt/slides/slide19.xml><?xml version="1.0" encoding="utf-8"?>
 <p:sld xmlns:a="http://schemas.openxmlformats.org/drawingml/2006/main" xmlns:r="http://schemas.openxmlformats.org/officeDocument/2006/relationships" xmlns:p="http://schemas.openxmlformats.org/presentationml/2006/main">
   <p:cSld>
     <p:spTree>
@@ -8165,7 +8171,7 @@
                 <a:ea typeface="Arial" panose="020B0604020202020204" pitchFamily="34" charset="0"/>
                 <a:cs typeface="Arial" panose="020B0604020202020204" pitchFamily="34" charset="0"/>
               </a:rPr>
-              <a:t>Ödev-1</a:t>
+              <a:t>Ödev-4</a:t>
             </a:r>
             <a:endParaRPr lang="tr-TR" altLang="en-US" sz="3600" b="1" dirty="0" smtClean="0">
               <a:solidFill>
@@ -8186,7 +8192,7 @@
         </p:nvCxnSpPr>
         <p:spPr>
           <a:xfrm flipH="1">
-            <a:off x="7783195" y="887730"/>
+            <a:off x="7745730" y="2581275"/>
             <a:ext cx="4394835" cy="24130"/>
           </a:xfrm>
           <a:prstGeom prst="line">
@@ -8221,7 +8227,7 @@
         </p:nvCxnSpPr>
         <p:spPr>
           <a:xfrm flipH="1" flipV="1">
-            <a:off x="7783195" y="2088515"/>
+            <a:off x="7744460" y="4029075"/>
             <a:ext cx="4413885" cy="6350"/>
           </a:xfrm>
           <a:prstGeom prst="line">
@@ -8248,76 +8254,6 @@
           </a:fontRef>
         </p:style>
       </p:cxnSp>
-      <p:cxnSp>
-        <p:nvCxnSpPr>
-          <p:cNvPr id="18" name="直接连接符 17" descr="e7d195523061f1c0deeec63e560781cfd59afb0ea006f2a87ABB68BF51EA6619813959095094C18C62A12F549504892A4AAA8C1554C6663626E05CA27F281A14E6983772AFC3FB97135759321DEA3D7047B2D20B121D4E05A6D0F227958A32026FEBB3ABD36322023181A2FF8EA235E789B1C6FF9A70CDD2C90B48B40EB7806F7806DF616AB3CE63"/>
-          <p:cNvCxnSpPr/>
-          <p:nvPr/>
-        </p:nvCxnSpPr>
-        <p:spPr>
-          <a:xfrm flipH="1" flipV="1">
-            <a:off x="7783195" y="3246755"/>
-            <a:ext cx="4355465" cy="17780"/>
-          </a:xfrm>
-          <a:prstGeom prst="line">
-            <a:avLst/>
-          </a:prstGeom>
-          <a:ln w="63500">
-            <a:solidFill>
-              <a:srgbClr val="333333"/>
-            </a:solidFill>
-          </a:ln>
-        </p:spPr>
-        <p:style>
-          <a:lnRef idx="1">
-            <a:schemeClr val="accent1"/>
-          </a:lnRef>
-          <a:fillRef idx="0">
-            <a:schemeClr val="accent1"/>
-          </a:fillRef>
-          <a:effectRef idx="0">
-            <a:schemeClr val="accent1"/>
-          </a:effectRef>
-          <a:fontRef idx="minor">
-            <a:schemeClr val="tx1"/>
-          </a:fontRef>
-        </p:style>
-      </p:cxnSp>
-      <p:cxnSp>
-        <p:nvCxnSpPr>
-          <p:cNvPr id="19" name="直接连接符 18" descr="e7d195523061f1c0deeec63e560781cfd59afb0ea006f2a87ABB68BF51EA6619813959095094C18C62A12F549504892A4AAA8C1554C6663626E05CA27F281A14E6983772AFC3FB97135759321DEA3D7047B2D20B121D4E05A6D0F227958A32026FEBB3ABD36322023181A2FF8EA235E789B1C6FF9A70CDD2C90B48B40EB7806F7806DF616AB3CE63"/>
-          <p:cNvCxnSpPr/>
-          <p:nvPr/>
-        </p:nvCxnSpPr>
-        <p:spPr>
-          <a:xfrm flipH="1" flipV="1">
-            <a:off x="7783195" y="4427220"/>
-            <a:ext cx="4345940" cy="6350"/>
-          </a:xfrm>
-          <a:prstGeom prst="line">
-            <a:avLst/>
-          </a:prstGeom>
-          <a:ln w="63500">
-            <a:solidFill>
-              <a:srgbClr val="333333"/>
-            </a:solidFill>
-          </a:ln>
-        </p:spPr>
-        <p:style>
-          <a:lnRef idx="1">
-            <a:schemeClr val="accent1"/>
-          </a:lnRef>
-          <a:fillRef idx="0">
-            <a:schemeClr val="accent1"/>
-          </a:fillRef>
-          <a:effectRef idx="0">
-            <a:schemeClr val="accent1"/>
-          </a:effectRef>
-          <a:fontRef idx="minor">
-            <a:schemeClr val="tx1"/>
-          </a:fontRef>
-        </p:style>
-      </p:cxnSp>
       <p:sp>
         <p:nvSpPr>
           <p:cNvPr id="20" name="文本框 19"/>
@@ -8326,8 +8262,8 @@
         </p:nvSpPr>
         <p:spPr>
           <a:xfrm>
-            <a:off x="7807891" y="227047"/>
-            <a:ext cx="3680460" cy="521970"/>
+            <a:off x="8780393" y="1878682"/>
+            <a:ext cx="1781175" cy="521970"/>
           </a:xfrm>
           <a:prstGeom prst="rect">
             <a:avLst/>
@@ -8349,7 +8285,7 @@
                 <a:latin typeface="Arial" panose="020B0604020202020204" pitchFamily="34" charset="0"/>
                 <a:ea typeface="Arial" panose="020B0604020202020204" pitchFamily="34" charset="0"/>
               </a:rPr>
-              <a:t>Semantic Elementler</a:t>
+              <a:t>text-reset</a:t>
             </a:r>
             <a:endParaRPr lang="tr-TR" altLang="zh-CN" sz="2800" b="1" dirty="0">
               <a:solidFill>
@@ -8369,8 +8305,8 @@
         </p:nvSpPr>
         <p:spPr>
           <a:xfrm>
-            <a:off x="7807889" y="1480362"/>
-            <a:ext cx="4371340" cy="521970"/>
+            <a:off x="7643107" y="3058972"/>
+            <a:ext cx="4600575" cy="829945"/>
           </a:xfrm>
           <a:prstGeom prst="rect">
             <a:avLst/>
@@ -8385,16 +8321,16 @@
           <a:p>
             <a:pPr algn="ctr"/>
             <a:r>
-              <a:rPr lang="tr-TR" altLang="zh-CN" sz="2800" b="1" dirty="0">
+              <a:rPr lang="tr-TR" altLang="zh-CN" sz="2400" b="1" dirty="0">
                 <a:solidFill>
                   <a:srgbClr val="333333"/>
                 </a:solidFill>
                 <a:latin typeface="Arial" panose="020B0604020202020204" pitchFamily="34" charset="0"/>
                 <a:ea typeface="Arial" panose="020B0604020202020204" pitchFamily="34" charset="0"/>
               </a:rPr>
-              <a:t>NonSemantic Elementler</a:t>
-            </a:r>
-            <a:endParaRPr lang="tr-TR" altLang="zh-CN" sz="2800" b="1" dirty="0">
+              <a:t>background / bacground-color</a:t>
+            </a:r>
+            <a:endParaRPr lang="tr-TR" altLang="zh-CN" sz="2400" b="1" dirty="0">
               <a:solidFill>
                 <a:srgbClr val="333333"/>
               </a:solidFill>
@@ -8402,85 +8338,19 @@
               <a:ea typeface="Arial" panose="020B0604020202020204" pitchFamily="34" charset="0"/>
             </a:endParaRPr>
           </a:p>
-        </p:txBody>
-      </p:sp>
-      <p:sp>
-        <p:nvSpPr>
-          <p:cNvPr id="22" name="文本框 21"/>
-          <p:cNvSpPr txBox="1"/>
-          <p:nvPr/>
-        </p:nvSpPr>
-        <p:spPr>
-          <a:xfrm>
-            <a:off x="7884892" y="2656355"/>
-            <a:ext cx="815340" cy="521970"/>
-          </a:xfrm>
-          <a:prstGeom prst="rect">
-            <a:avLst/>
-          </a:prstGeom>
-          <a:noFill/>
-        </p:spPr>
-        <p:txBody>
-          <a:bodyPr wrap="none" rtlCol="0">
-            <a:spAutoFit/>
-          </a:bodyPr>
-          <a:lstStyle/>
           <a:p>
             <a:pPr algn="ctr"/>
             <a:r>
-              <a:rPr lang="tr-TR" altLang="zh-CN" sz="2800" b="1" dirty="0">
+              <a:rPr lang="tr-TR" altLang="zh-CN" sz="2400" b="1" dirty="0">
                 <a:solidFill>
                   <a:srgbClr val="333333"/>
                 </a:solidFill>
                 <a:latin typeface="Arial" panose="020B0604020202020204" pitchFamily="34" charset="0"/>
                 <a:ea typeface="Arial" panose="020B0604020202020204" pitchFamily="34" charset="0"/>
               </a:rPr>
-              <a:t>Jira</a:t>
-            </a:r>
-            <a:endParaRPr lang="tr-TR" altLang="zh-CN" sz="2800" b="1" dirty="0">
-              <a:solidFill>
-                <a:srgbClr val="333333"/>
-              </a:solidFill>
-              <a:latin typeface="Arial" panose="020B0604020202020204" pitchFamily="34" charset="0"/>
-              <a:ea typeface="Arial" panose="020B0604020202020204" pitchFamily="34" charset="0"/>
-            </a:endParaRPr>
-          </a:p>
-        </p:txBody>
-      </p:sp>
-      <p:sp>
-        <p:nvSpPr>
-          <p:cNvPr id="23" name="文本框 22"/>
-          <p:cNvSpPr txBox="1"/>
-          <p:nvPr/>
-        </p:nvSpPr>
-        <p:spPr>
-          <a:xfrm>
-            <a:off x="7884891" y="3832478"/>
-            <a:ext cx="1131570" cy="521970"/>
-          </a:xfrm>
-          <a:prstGeom prst="rect">
-            <a:avLst/>
-          </a:prstGeom>
-          <a:noFill/>
-        </p:spPr>
-        <p:txBody>
-          <a:bodyPr wrap="none" rtlCol="0">
-            <a:spAutoFit/>
-          </a:bodyPr>
-          <a:lstStyle/>
-          <a:p>
-            <a:pPr algn="ctr"/>
-            <a:r>
-              <a:rPr lang="tr-TR" altLang="zh-CN" sz="2800" b="1" dirty="0">
-                <a:solidFill>
-                  <a:srgbClr val="333333"/>
-                </a:solidFill>
-                <a:latin typeface="Arial" panose="020B0604020202020204" pitchFamily="34" charset="0"/>
-                <a:ea typeface="Arial" panose="020B0604020202020204" pitchFamily="34" charset="0"/>
-              </a:rPr>
-              <a:t>ASCII</a:t>
-            </a:r>
-            <a:endParaRPr lang="tr-TR" altLang="zh-CN" sz="2800" b="1" dirty="0">
+              <a:t>Arasındaki Fark</a:t>
+            </a:r>
+            <a:endParaRPr lang="tr-TR" altLang="zh-CN" sz="2400" b="1" dirty="0">
               <a:solidFill>
                 <a:srgbClr val="333333"/>
               </a:solidFill>
@@ -8507,7 +8377,7 @@
         </p:blipFill>
         <p:spPr>
           <a:xfrm rot="16200000">
-            <a:off x="7184860" y="167202"/>
+            <a:off x="7147395" y="1860747"/>
             <a:ext cx="288000" cy="832066"/>
           </a:xfrm>
           <a:prstGeom prst="rect">
@@ -8532,7 +8402,7 @@
         </p:blipFill>
         <p:spPr>
           <a:xfrm rot="16200000">
-            <a:off x="7184858" y="1325438"/>
+            <a:off x="7146123" y="3265998"/>
             <a:ext cx="288000" cy="832066"/>
           </a:xfrm>
           <a:prstGeom prst="rect">
@@ -8540,9 +8410,106 @@
           </a:prstGeom>
         </p:spPr>
       </p:pic>
+      <p:cxnSp>
+        <p:nvCxnSpPr>
+          <p:cNvPr id="9" name="直接连接符 16" descr="e7d195523061f1c0deeec63e560781cfd59afb0ea006f2a87ABB68BF51EA6619813959095094C18C62A12F549504892A4AAA8C1554C6663626E05CA27F281A14E6983772AFC3FB97135759321DEA3D7047B2D20B121D4E05A6D0F227958A32026FEBB3ABD36322023181A2FF8EA235E789B1C6FF9A70CDD2C90B48B40EB7806F7806DF616AB3CE63"/>
+          <p:cNvCxnSpPr/>
+          <p:nvPr/>
+        </p:nvCxnSpPr>
+        <p:spPr>
+          <a:xfrm flipH="1" flipV="1">
+            <a:off x="7752715" y="5922010"/>
+            <a:ext cx="4413885" cy="6350"/>
+          </a:xfrm>
+          <a:prstGeom prst="line">
+            <a:avLst/>
+          </a:prstGeom>
+          <a:ln w="63500">
+            <a:solidFill>
+              <a:srgbClr val="333333"/>
+            </a:solidFill>
+          </a:ln>
+        </p:spPr>
+        <p:style>
+          <a:lnRef idx="1">
+            <a:schemeClr val="accent1"/>
+          </a:lnRef>
+          <a:fillRef idx="0">
+            <a:schemeClr val="accent1"/>
+          </a:fillRef>
+          <a:effectRef idx="0">
+            <a:schemeClr val="accent1"/>
+          </a:effectRef>
+          <a:fontRef idx="minor">
+            <a:schemeClr val="tx1"/>
+          </a:fontRef>
+        </p:style>
+      </p:cxnSp>
+      <p:sp>
+        <p:nvSpPr>
+          <p:cNvPr id="11" name="文本框 20"/>
+          <p:cNvSpPr txBox="1"/>
+          <p:nvPr/>
+        </p:nvSpPr>
+        <p:spPr>
+          <a:xfrm>
+            <a:off x="8080623" y="4765852"/>
+            <a:ext cx="3758565" cy="953135"/>
+          </a:xfrm>
+          <a:prstGeom prst="rect">
+            <a:avLst/>
+          </a:prstGeom>
+          <a:noFill/>
+        </p:spPr>
+        <p:txBody>
+          <a:bodyPr wrap="none" rtlCol="0">
+            <a:spAutoFit/>
+          </a:bodyPr>
+          <a:p>
+            <a:pPr algn="ctr"/>
+            <a:r>
+              <a:rPr lang="tr-TR" altLang="zh-CN" sz="2800" b="1" dirty="0">
+                <a:solidFill>
+                  <a:srgbClr val="333333"/>
+                </a:solidFill>
+                <a:latin typeface="Arial" panose="020B0604020202020204" pitchFamily="34" charset="0"/>
+                <a:ea typeface="Arial" panose="020B0604020202020204" pitchFamily="34" charset="0"/>
+              </a:rPr>
+              <a:t>fast forward / rebase </a:t>
+            </a:r>
+            <a:endParaRPr lang="tr-TR" altLang="zh-CN" sz="2800" b="1" dirty="0">
+              <a:solidFill>
+                <a:srgbClr val="333333"/>
+              </a:solidFill>
+              <a:latin typeface="Arial" panose="020B0604020202020204" pitchFamily="34" charset="0"/>
+              <a:ea typeface="Arial" panose="020B0604020202020204" pitchFamily="34" charset="0"/>
+            </a:endParaRPr>
+          </a:p>
+          <a:p>
+            <a:pPr algn="ctr"/>
+            <a:r>
+              <a:rPr lang="tr-TR" altLang="zh-CN" sz="2800" b="1" dirty="0">
+                <a:solidFill>
+                  <a:srgbClr val="333333"/>
+                </a:solidFill>
+                <a:latin typeface="Arial" panose="020B0604020202020204" pitchFamily="34" charset="0"/>
+                <a:ea typeface="Arial" panose="020B0604020202020204" pitchFamily="34" charset="0"/>
+              </a:rPr>
+              <a:t>Arasındaki Fark</a:t>
+            </a:r>
+            <a:endParaRPr lang="tr-TR" altLang="zh-CN" sz="2800" b="1" dirty="0">
+              <a:solidFill>
+                <a:srgbClr val="333333"/>
+              </a:solidFill>
+              <a:latin typeface="Arial" panose="020B0604020202020204" pitchFamily="34" charset="0"/>
+              <a:ea typeface="Arial" panose="020B0604020202020204" pitchFamily="34" charset="0"/>
+            </a:endParaRPr>
+          </a:p>
+        </p:txBody>
+      </p:sp>
       <p:pic>
         <p:nvPicPr>
-          <p:cNvPr id="26" name="图片 25"/>
+          <p:cNvPr id="12" name="图片 24"/>
           <p:cNvPicPr>
             <a:picLocks noChangeAspect="1"/>
           </p:cNvPicPr>
@@ -8557,7 +8524,7 @@
         </p:blipFill>
         <p:spPr>
           <a:xfrm rot="16200000">
-            <a:off x="7211444" y="2501964"/>
+            <a:off x="7154378" y="5158933"/>
             <a:ext cx="288000" cy="832066"/>
           </a:xfrm>
           <a:prstGeom prst="rect">
@@ -8565,9 +8532,86 @@
           </a:prstGeom>
         </p:spPr>
       </p:pic>
+      <p:cxnSp>
+        <p:nvCxnSpPr>
+          <p:cNvPr id="2" name="直接连接符 14" descr="e7d195523061f1c0deeec63e560781cfd59afb0ea006f2a87ABB68BF51EA6619813959095094C18C62A12F549504892A4AAA8C1554C6663626E05CA27F281A14E6983772AFC3FB97135759321DEA3D7047B2D20B121D4E05A6D0F227958A32026FEBB3ABD36322023181A2FF8EA235E789B1C6FF9A70CDD2C90B48B40EB7806F7806DF616AB3CE63"/>
+          <p:cNvCxnSpPr/>
+          <p:nvPr/>
+        </p:nvCxnSpPr>
+        <p:spPr>
+          <a:xfrm flipH="1">
+            <a:off x="7745730" y="1612900"/>
+            <a:ext cx="4394835" cy="24130"/>
+          </a:xfrm>
+          <a:prstGeom prst="line">
+            <a:avLst/>
+          </a:prstGeom>
+          <a:ln w="63500">
+            <a:solidFill>
+              <a:srgbClr val="333333"/>
+            </a:solidFill>
+          </a:ln>
+        </p:spPr>
+        <p:style>
+          <a:lnRef idx="1">
+            <a:schemeClr val="accent1"/>
+          </a:lnRef>
+          <a:fillRef idx="0">
+            <a:schemeClr val="accent1"/>
+          </a:fillRef>
+          <a:effectRef idx="0">
+            <a:schemeClr val="accent1"/>
+          </a:effectRef>
+          <a:fontRef idx="minor">
+            <a:schemeClr val="tx1"/>
+          </a:fontRef>
+        </p:style>
+      </p:cxnSp>
+      <p:sp>
+        <p:nvSpPr>
+          <p:cNvPr id="3" name="文本框 19"/>
+          <p:cNvSpPr txBox="1"/>
+          <p:nvPr/>
+        </p:nvSpPr>
+        <p:spPr>
+          <a:xfrm>
+            <a:off x="8661013" y="910307"/>
+            <a:ext cx="2019935" cy="521970"/>
+          </a:xfrm>
+          <a:prstGeom prst="rect">
+            <a:avLst/>
+          </a:prstGeom>
+          <a:noFill/>
+        </p:spPr>
+        <p:txBody>
+          <a:bodyPr wrap="none" rtlCol="0">
+            <a:spAutoFit/>
+          </a:bodyPr>
+          <a:p>
+            <a:pPr algn="ctr"/>
+            <a:r>
+              <a:rPr lang="tr-TR" altLang="zh-CN" sz="2800" b="1" dirty="0">
+                <a:solidFill>
+                  <a:srgbClr val="333333"/>
+                </a:solidFill>
+                <a:latin typeface="Arial" panose="020B0604020202020204" pitchFamily="34" charset="0"/>
+                <a:ea typeface="Arial" panose="020B0604020202020204" pitchFamily="34" charset="0"/>
+              </a:rPr>
+              <a:t>sweet alert</a:t>
+            </a:r>
+            <a:endParaRPr lang="tr-TR" altLang="zh-CN" sz="2800" b="1" dirty="0">
+              <a:solidFill>
+                <a:srgbClr val="333333"/>
+              </a:solidFill>
+              <a:latin typeface="Arial" panose="020B0604020202020204" pitchFamily="34" charset="0"/>
+              <a:ea typeface="Arial" panose="020B0604020202020204" pitchFamily="34" charset="0"/>
+            </a:endParaRPr>
+          </a:p>
+        </p:txBody>
+      </p:sp>
       <p:pic>
         <p:nvPicPr>
-          <p:cNvPr id="27" name="图片 26"/>
+          <p:cNvPr id="4" name="图片 23"/>
           <p:cNvPicPr>
             <a:picLocks noChangeAspect="1"/>
           </p:cNvPicPr>
@@ -8582,7 +8626,7 @@
         </p:blipFill>
         <p:spPr>
           <a:xfrm rot="16200000">
-            <a:off x="7211442" y="3660200"/>
+            <a:off x="7147395" y="892372"/>
             <a:ext cx="288000" cy="832066"/>
           </a:xfrm>
           <a:prstGeom prst="rect">
@@ -8590,231 +8634,6 @@
           </a:prstGeom>
         </p:spPr>
       </p:pic>
-      <p:cxnSp>
-        <p:nvCxnSpPr>
-          <p:cNvPr id="2" name="直接连接符 17" descr="e7d195523061f1c0deeec63e560781cfd59afb0ea006f2a87ABB68BF51EA6619813959095094C18C62A12F549504892A4AAA8C1554C6663626E05CA27F281A14E6983772AFC3FB97135759321DEA3D7047B2D20B121D4E05A6D0F227958A32026FEBB3ABD36322023181A2FF8EA235E789B1C6FF9A70CDD2C90B48B40EB7806F7806DF616AB3CE63"/>
-          <p:cNvCxnSpPr/>
-          <p:nvPr/>
-        </p:nvCxnSpPr>
-        <p:spPr>
-          <a:xfrm flipH="1" flipV="1">
-            <a:off x="7783195" y="5254625"/>
-            <a:ext cx="4355465" cy="17780"/>
-          </a:xfrm>
-          <a:prstGeom prst="line">
-            <a:avLst/>
-          </a:prstGeom>
-          <a:ln w="63500">
-            <a:solidFill>
-              <a:srgbClr val="333333"/>
-            </a:solidFill>
-          </a:ln>
-        </p:spPr>
-        <p:style>
-          <a:lnRef idx="1">
-            <a:schemeClr val="accent1"/>
-          </a:lnRef>
-          <a:fillRef idx="0">
-            <a:schemeClr val="accent1"/>
-          </a:fillRef>
-          <a:effectRef idx="0">
-            <a:schemeClr val="accent1"/>
-          </a:effectRef>
-          <a:fontRef idx="minor">
-            <a:schemeClr val="tx1"/>
-          </a:fontRef>
-        </p:style>
-      </p:cxnSp>
-      <p:cxnSp>
-        <p:nvCxnSpPr>
-          <p:cNvPr id="3" name="直接连接符 18" descr="e7d195523061f1c0deeec63e560781cfd59afb0ea006f2a87ABB68BF51EA6619813959095094C18C62A12F549504892A4AAA8C1554C6663626E05CA27F281A14E6983772AFC3FB97135759321DEA3D7047B2D20B121D4E05A6D0F227958A32026FEBB3ABD36322023181A2FF8EA235E789B1C6FF9A70CDD2C90B48B40EB7806F7806DF616AB3CE63"/>
-          <p:cNvCxnSpPr/>
-          <p:nvPr/>
-        </p:nvCxnSpPr>
-        <p:spPr>
-          <a:xfrm flipH="1" flipV="1">
-            <a:off x="7783195" y="6435090"/>
-            <a:ext cx="4345940" cy="6350"/>
-          </a:xfrm>
-          <a:prstGeom prst="line">
-            <a:avLst/>
-          </a:prstGeom>
-          <a:ln w="63500">
-            <a:solidFill>
-              <a:srgbClr val="333333"/>
-            </a:solidFill>
-          </a:ln>
-        </p:spPr>
-        <p:style>
-          <a:lnRef idx="1">
-            <a:schemeClr val="accent1"/>
-          </a:lnRef>
-          <a:fillRef idx="0">
-            <a:schemeClr val="accent1"/>
-          </a:fillRef>
-          <a:effectRef idx="0">
-            <a:schemeClr val="accent1"/>
-          </a:effectRef>
-          <a:fontRef idx="minor">
-            <a:schemeClr val="tx1"/>
-          </a:fontRef>
-        </p:style>
-      </p:cxnSp>
-      <p:sp>
-        <p:nvSpPr>
-          <p:cNvPr id="4" name="文本框 21"/>
-          <p:cNvSpPr txBox="1"/>
-          <p:nvPr/>
-        </p:nvSpPr>
-        <p:spPr>
-          <a:xfrm>
-            <a:off x="7884892" y="4664860"/>
-            <a:ext cx="1822450" cy="521970"/>
-          </a:xfrm>
-          <a:prstGeom prst="rect">
-            <a:avLst/>
-          </a:prstGeom>
-          <a:noFill/>
-        </p:spPr>
-        <p:txBody>
-          <a:bodyPr wrap="none" rtlCol="0">
-            <a:spAutoFit/>
-          </a:bodyPr>
-          <a:p>
-            <a:pPr algn="ctr"/>
-            <a:r>
-              <a:rPr lang="tr-TR" altLang="zh-CN" sz="2800" b="1" dirty="0">
-                <a:solidFill>
-                  <a:srgbClr val="333333"/>
-                </a:solidFill>
-                <a:latin typeface="Arial" panose="020B0604020202020204" pitchFamily="34" charset="0"/>
-                <a:ea typeface="Arial" panose="020B0604020202020204" pitchFamily="34" charset="0"/>
-              </a:rPr>
-              <a:t>UNICODE</a:t>
-            </a:r>
-            <a:endParaRPr lang="tr-TR" altLang="zh-CN" sz="2800" b="1" dirty="0">
-              <a:solidFill>
-                <a:srgbClr val="333333"/>
-              </a:solidFill>
-              <a:latin typeface="Arial" panose="020B0604020202020204" pitchFamily="34" charset="0"/>
-              <a:ea typeface="Arial" panose="020B0604020202020204" pitchFamily="34" charset="0"/>
-            </a:endParaRPr>
-          </a:p>
-        </p:txBody>
-      </p:sp>
-      <p:sp>
-        <p:nvSpPr>
-          <p:cNvPr id="5" name="文本框 22"/>
-          <p:cNvSpPr txBox="1"/>
-          <p:nvPr/>
-        </p:nvSpPr>
-        <p:spPr>
-          <a:xfrm>
-            <a:off x="7875049" y="5853683"/>
-            <a:ext cx="4162425" cy="460375"/>
-          </a:xfrm>
-          <a:prstGeom prst="rect">
-            <a:avLst/>
-          </a:prstGeom>
-          <a:noFill/>
-        </p:spPr>
-        <p:txBody>
-          <a:bodyPr wrap="none" rtlCol="0">
-            <a:spAutoFit/>
-          </a:bodyPr>
-          <a:p>
-            <a:pPr algn="ctr"/>
-            <a:r>
-              <a:rPr lang="tr-TR" altLang="zh-CN" sz="2400" b="1" dirty="0">
-                <a:solidFill>
-                  <a:srgbClr val="333333"/>
-                </a:solidFill>
-                <a:latin typeface="Arial" panose="020B0604020202020204" pitchFamily="34" charset="0"/>
-                <a:ea typeface="Arial" panose="020B0604020202020204" pitchFamily="34" charset="0"/>
-              </a:rPr>
-              <a:t>ASCII VE UNICODE Farkları</a:t>
-            </a:r>
-            <a:endParaRPr lang="tr-TR" altLang="zh-CN" sz="2400" b="1" dirty="0">
-              <a:solidFill>
-                <a:srgbClr val="333333"/>
-              </a:solidFill>
-              <a:latin typeface="Arial" panose="020B0604020202020204" pitchFamily="34" charset="0"/>
-              <a:ea typeface="Arial" panose="020B0604020202020204" pitchFamily="34" charset="0"/>
-            </a:endParaRPr>
-          </a:p>
-        </p:txBody>
-      </p:sp>
-      <p:pic>
-        <p:nvPicPr>
-          <p:cNvPr id="6" name="图片 25"/>
-          <p:cNvPicPr>
-            <a:picLocks noChangeAspect="1"/>
-          </p:cNvPicPr>
-          <p:nvPr/>
-        </p:nvPicPr>
-        <p:blipFill rotWithShape="1">
-          <a:blip r:embed="rId2"/>
-          <a:srcRect r="65386"/>
-          <a:stretch>
-            <a:fillRect/>
-          </a:stretch>
-        </p:blipFill>
-        <p:spPr>
-          <a:xfrm rot="16200000">
-            <a:off x="7211444" y="4509834"/>
-            <a:ext cx="288000" cy="832066"/>
-          </a:xfrm>
-          <a:prstGeom prst="rect">
-            <a:avLst/>
-          </a:prstGeom>
-        </p:spPr>
-      </p:pic>
-      <p:pic>
-        <p:nvPicPr>
-          <p:cNvPr id="7" name="图片 26"/>
-          <p:cNvPicPr>
-            <a:picLocks noChangeAspect="1"/>
-          </p:cNvPicPr>
-          <p:nvPr/>
-        </p:nvPicPr>
-        <p:blipFill rotWithShape="1">
-          <a:blip r:embed="rId2"/>
-          <a:srcRect r="65386"/>
-          <a:stretch>
-            <a:fillRect/>
-          </a:stretch>
-        </p:blipFill>
-        <p:spPr>
-          <a:xfrm rot="16200000">
-            <a:off x="7211442" y="5668070"/>
-            <a:ext cx="288000" cy="832066"/>
-          </a:xfrm>
-          <a:prstGeom prst="rect">
-            <a:avLst/>
-          </a:prstGeom>
-        </p:spPr>
-      </p:pic>
-      <p:sp>
-        <p:nvSpPr>
-          <p:cNvPr id="9" name="Slide Number Placeholder 8"/>
-          <p:cNvSpPr>
-            <a:spLocks noGrp="1"/>
-          </p:cNvSpPr>
-          <p:nvPr>
-            <p:ph type="sldNum" sz="quarter" idx="12"/>
-          </p:nvPr>
-        </p:nvSpPr>
-        <p:spPr/>
-        <p:txBody>
-          <a:bodyPr/>
-          <a:p>
-            <a:fld id="{28E7AAA1-2B6D-44C1-A6CB-927B761BD882}" type="slidenum">
-              <a:rPr lang="zh-CN" altLang="en-US" smtClean="0"/>
-            </a:fld>
-            <a:endParaRPr lang="zh-CN" altLang="en-US"/>
-          </a:p>
-        </p:txBody>
-      </p:sp>
     </p:spTree>
   </p:cSld>
   <p:clrMapOvr>
@@ -8953,6 +8772,3628 @@
     </p:tnLst>
     <p:bldLst>
       <p:bldP spid="10" grpId="0" bldLvl="0" animBg="1"/>
+    </p:bldLst>
+  </p:timing>
+</p:sld>
+</file>
+
+<file path=ppt/slides/slide2.xml><?xml version="1.0" encoding="utf-8"?>
+<p:sld xmlns:a="http://schemas.openxmlformats.org/drawingml/2006/main" xmlns:r="http://schemas.openxmlformats.org/officeDocument/2006/relationships" xmlns:p="http://schemas.openxmlformats.org/presentationml/2006/main">
+  <p:cSld>
+    <p:spTree>
+      <p:nvGrpSpPr>
+        <p:cNvPr id="1" name=""/>
+        <p:cNvGrpSpPr/>
+        <p:nvPr/>
+      </p:nvGrpSpPr>
+      <p:grpSpPr>
+        <a:xfrm>
+          <a:off x="0" y="0"/>
+          <a:ext cx="0" cy="0"/>
+          <a:chOff x="0" y="0"/>
+          <a:chExt cx="0" cy="0"/>
+        </a:xfrm>
+      </p:grpSpPr>
+      <p:pic>
+        <p:nvPicPr>
+          <p:cNvPr id="8" name="图片 7"/>
+          <p:cNvPicPr>
+            <a:picLocks noChangeAspect="1"/>
+          </p:cNvPicPr>
+          <p:nvPr/>
+        </p:nvPicPr>
+        <p:blipFill>
+          <a:blip r:embed="rId1"/>
+          <a:stretch>
+            <a:fillRect/>
+          </a:stretch>
+        </p:blipFill>
+        <p:spPr>
+          <a:xfrm>
+            <a:off x="1080452" y="1151675"/>
+            <a:ext cx="4643692" cy="4643815"/>
+          </a:xfrm>
+          <a:prstGeom prst="rect">
+            <a:avLst/>
+          </a:prstGeom>
+        </p:spPr>
+      </p:pic>
+      <p:sp>
+        <p:nvSpPr>
+          <p:cNvPr id="10" name="文本框 9" descr="e7d195523061f1c0deeec63e560781cfd59afb0ea006f2a87ABB68BF51EA6619813959095094C18C62A12F549504892A4AAA8C1554C6663626E05CA27F281A14E6983772AFC3FB97135759321DEA3D704CB8FFD9D2544D20427D00997056F5C96BEB36E87B176A9A2B0208D5F0253CAA64F289E16775627845AD05F6A8DA43D217D906D92F737DD9"/>
+          <p:cNvSpPr txBox="1"/>
+          <p:nvPr/>
+        </p:nvSpPr>
+        <p:spPr>
+          <a:xfrm>
+            <a:off x="920115" y="3416300"/>
+            <a:ext cx="4496435" cy="645160"/>
+          </a:xfrm>
+          <a:prstGeom prst="rect">
+            <a:avLst/>
+          </a:prstGeom>
+          <a:noFill/>
+          <a:effectLst/>
+        </p:spPr>
+        <p:txBody>
+          <a:bodyPr wrap="square" rtlCol="0">
+            <a:spAutoFit/>
+          </a:bodyPr>
+          <a:lstStyle/>
+          <a:p>
+            <a:pPr algn="ctr"/>
+            <a:r>
+              <a:rPr lang="tr-TR" altLang="en-US" sz="3600" b="1" dirty="0" smtClean="0">
+                <a:solidFill>
+                  <a:srgbClr val="333333"/>
+                </a:solidFill>
+                <a:latin typeface="Arial" panose="020B0604020202020204" pitchFamily="34" charset="0"/>
+                <a:ea typeface="Arial" panose="020B0604020202020204" pitchFamily="34" charset="0"/>
+                <a:cs typeface="Arial" panose="020B0604020202020204" pitchFamily="34" charset="0"/>
+              </a:rPr>
+              <a:t>Ödev-1</a:t>
+            </a:r>
+            <a:endParaRPr lang="tr-TR" altLang="en-US" sz="3600" b="1" dirty="0" smtClean="0">
+              <a:solidFill>
+                <a:srgbClr val="333333"/>
+              </a:solidFill>
+              <a:latin typeface="Arial" panose="020B0604020202020204" pitchFamily="34" charset="0"/>
+              <a:ea typeface="Arial" panose="020B0604020202020204" pitchFamily="34" charset="0"/>
+              <a:cs typeface="Arial" panose="020B0604020202020204" pitchFamily="34" charset="0"/>
+            </a:endParaRPr>
+          </a:p>
+        </p:txBody>
+      </p:sp>
+      <p:cxnSp>
+        <p:nvCxnSpPr>
+          <p:cNvPr id="15" name="直接连接符 14" descr="e7d195523061f1c0deeec63e560781cfd59afb0ea006f2a87ABB68BF51EA6619813959095094C18C62A12F549504892A4AAA8C1554C6663626E05CA27F281A14E6983772AFC3FB97135759321DEA3D7047B2D20B121D4E05A6D0F227958A32026FEBB3ABD36322023181A2FF8EA235E789B1C6FF9A70CDD2C90B48B40EB7806F7806DF616AB3CE63"/>
+          <p:cNvCxnSpPr/>
+          <p:nvPr/>
+        </p:nvCxnSpPr>
+        <p:spPr>
+          <a:xfrm flipH="1">
+            <a:off x="7783195" y="887730"/>
+            <a:ext cx="4394835" cy="24130"/>
+          </a:xfrm>
+          <a:prstGeom prst="line">
+            <a:avLst/>
+          </a:prstGeom>
+          <a:ln w="63500">
+            <a:solidFill>
+              <a:srgbClr val="333333"/>
+            </a:solidFill>
+          </a:ln>
+        </p:spPr>
+        <p:style>
+          <a:lnRef idx="1">
+            <a:schemeClr val="accent1"/>
+          </a:lnRef>
+          <a:fillRef idx="0">
+            <a:schemeClr val="accent1"/>
+          </a:fillRef>
+          <a:effectRef idx="0">
+            <a:schemeClr val="accent1"/>
+          </a:effectRef>
+          <a:fontRef idx="minor">
+            <a:schemeClr val="tx1"/>
+          </a:fontRef>
+        </p:style>
+      </p:cxnSp>
+      <p:cxnSp>
+        <p:nvCxnSpPr>
+          <p:cNvPr id="17" name="直接连接符 16" descr="e7d195523061f1c0deeec63e560781cfd59afb0ea006f2a87ABB68BF51EA6619813959095094C18C62A12F549504892A4AAA8C1554C6663626E05CA27F281A14E6983772AFC3FB97135759321DEA3D7047B2D20B121D4E05A6D0F227958A32026FEBB3ABD36322023181A2FF8EA235E789B1C6FF9A70CDD2C90B48B40EB7806F7806DF616AB3CE63"/>
+          <p:cNvCxnSpPr/>
+          <p:nvPr/>
+        </p:nvCxnSpPr>
+        <p:spPr>
+          <a:xfrm flipH="1" flipV="1">
+            <a:off x="7783195" y="2088515"/>
+            <a:ext cx="4413885" cy="6350"/>
+          </a:xfrm>
+          <a:prstGeom prst="line">
+            <a:avLst/>
+          </a:prstGeom>
+          <a:ln w="63500">
+            <a:solidFill>
+              <a:srgbClr val="333333"/>
+            </a:solidFill>
+          </a:ln>
+        </p:spPr>
+        <p:style>
+          <a:lnRef idx="1">
+            <a:schemeClr val="accent1"/>
+          </a:lnRef>
+          <a:fillRef idx="0">
+            <a:schemeClr val="accent1"/>
+          </a:fillRef>
+          <a:effectRef idx="0">
+            <a:schemeClr val="accent1"/>
+          </a:effectRef>
+          <a:fontRef idx="minor">
+            <a:schemeClr val="tx1"/>
+          </a:fontRef>
+        </p:style>
+      </p:cxnSp>
+      <p:cxnSp>
+        <p:nvCxnSpPr>
+          <p:cNvPr id="18" name="直接连接符 17" descr="e7d195523061f1c0deeec63e560781cfd59afb0ea006f2a87ABB68BF51EA6619813959095094C18C62A12F549504892A4AAA8C1554C6663626E05CA27F281A14E6983772AFC3FB97135759321DEA3D7047B2D20B121D4E05A6D0F227958A32026FEBB3ABD36322023181A2FF8EA235E789B1C6FF9A70CDD2C90B48B40EB7806F7806DF616AB3CE63"/>
+          <p:cNvCxnSpPr/>
+          <p:nvPr/>
+        </p:nvCxnSpPr>
+        <p:spPr>
+          <a:xfrm flipH="1" flipV="1">
+            <a:off x="7783195" y="3246755"/>
+            <a:ext cx="4355465" cy="17780"/>
+          </a:xfrm>
+          <a:prstGeom prst="line">
+            <a:avLst/>
+          </a:prstGeom>
+          <a:ln w="63500">
+            <a:solidFill>
+              <a:srgbClr val="333333"/>
+            </a:solidFill>
+          </a:ln>
+        </p:spPr>
+        <p:style>
+          <a:lnRef idx="1">
+            <a:schemeClr val="accent1"/>
+          </a:lnRef>
+          <a:fillRef idx="0">
+            <a:schemeClr val="accent1"/>
+          </a:fillRef>
+          <a:effectRef idx="0">
+            <a:schemeClr val="accent1"/>
+          </a:effectRef>
+          <a:fontRef idx="minor">
+            <a:schemeClr val="tx1"/>
+          </a:fontRef>
+        </p:style>
+      </p:cxnSp>
+      <p:cxnSp>
+        <p:nvCxnSpPr>
+          <p:cNvPr id="19" name="直接连接符 18" descr="e7d195523061f1c0deeec63e560781cfd59afb0ea006f2a87ABB68BF51EA6619813959095094C18C62A12F549504892A4AAA8C1554C6663626E05CA27F281A14E6983772AFC3FB97135759321DEA3D7047B2D20B121D4E05A6D0F227958A32026FEBB3ABD36322023181A2FF8EA235E789B1C6FF9A70CDD2C90B48B40EB7806F7806DF616AB3CE63"/>
+          <p:cNvCxnSpPr/>
+          <p:nvPr/>
+        </p:nvCxnSpPr>
+        <p:spPr>
+          <a:xfrm flipH="1" flipV="1">
+            <a:off x="7783195" y="4427220"/>
+            <a:ext cx="4345940" cy="6350"/>
+          </a:xfrm>
+          <a:prstGeom prst="line">
+            <a:avLst/>
+          </a:prstGeom>
+          <a:ln w="63500">
+            <a:solidFill>
+              <a:srgbClr val="333333"/>
+            </a:solidFill>
+          </a:ln>
+        </p:spPr>
+        <p:style>
+          <a:lnRef idx="1">
+            <a:schemeClr val="accent1"/>
+          </a:lnRef>
+          <a:fillRef idx="0">
+            <a:schemeClr val="accent1"/>
+          </a:fillRef>
+          <a:effectRef idx="0">
+            <a:schemeClr val="accent1"/>
+          </a:effectRef>
+          <a:fontRef idx="minor">
+            <a:schemeClr val="tx1"/>
+          </a:fontRef>
+        </p:style>
+      </p:cxnSp>
+      <p:sp>
+        <p:nvSpPr>
+          <p:cNvPr id="20" name="文本框 19"/>
+          <p:cNvSpPr txBox="1"/>
+          <p:nvPr/>
+        </p:nvSpPr>
+        <p:spPr>
+          <a:xfrm>
+            <a:off x="7807891" y="227047"/>
+            <a:ext cx="3680460" cy="521970"/>
+          </a:xfrm>
+          <a:prstGeom prst="rect">
+            <a:avLst/>
+          </a:prstGeom>
+          <a:noFill/>
+        </p:spPr>
+        <p:txBody>
+          <a:bodyPr wrap="none" rtlCol="0">
+            <a:spAutoFit/>
+          </a:bodyPr>
+          <a:lstStyle/>
+          <a:p>
+            <a:pPr algn="ctr"/>
+            <a:r>
+              <a:rPr lang="tr-TR" altLang="zh-CN" sz="2800" b="1" dirty="0">
+                <a:solidFill>
+                  <a:srgbClr val="333333"/>
+                </a:solidFill>
+                <a:latin typeface="Arial" panose="020B0604020202020204" pitchFamily="34" charset="0"/>
+                <a:ea typeface="Arial" panose="020B0604020202020204" pitchFamily="34" charset="0"/>
+              </a:rPr>
+              <a:t>Semantic Elementler</a:t>
+            </a:r>
+            <a:endParaRPr lang="tr-TR" altLang="zh-CN" sz="2800" b="1" dirty="0">
+              <a:solidFill>
+                <a:srgbClr val="333333"/>
+              </a:solidFill>
+              <a:latin typeface="Arial" panose="020B0604020202020204" pitchFamily="34" charset="0"/>
+              <a:ea typeface="Arial" panose="020B0604020202020204" pitchFamily="34" charset="0"/>
+            </a:endParaRPr>
+          </a:p>
+        </p:txBody>
+      </p:sp>
+      <p:sp>
+        <p:nvSpPr>
+          <p:cNvPr id="21" name="文本框 20"/>
+          <p:cNvSpPr txBox="1"/>
+          <p:nvPr/>
+        </p:nvSpPr>
+        <p:spPr>
+          <a:xfrm>
+            <a:off x="7807889" y="1480362"/>
+            <a:ext cx="4371340" cy="521970"/>
+          </a:xfrm>
+          <a:prstGeom prst="rect">
+            <a:avLst/>
+          </a:prstGeom>
+          <a:noFill/>
+        </p:spPr>
+        <p:txBody>
+          <a:bodyPr wrap="none" rtlCol="0">
+            <a:spAutoFit/>
+          </a:bodyPr>
+          <a:lstStyle/>
+          <a:p>
+            <a:pPr algn="ctr"/>
+            <a:r>
+              <a:rPr lang="tr-TR" altLang="zh-CN" sz="2800" b="1" dirty="0">
+                <a:solidFill>
+                  <a:srgbClr val="333333"/>
+                </a:solidFill>
+                <a:latin typeface="Arial" panose="020B0604020202020204" pitchFamily="34" charset="0"/>
+                <a:ea typeface="Arial" panose="020B0604020202020204" pitchFamily="34" charset="0"/>
+              </a:rPr>
+              <a:t>NonSemantic Elementler</a:t>
+            </a:r>
+            <a:endParaRPr lang="tr-TR" altLang="zh-CN" sz="2800" b="1" dirty="0">
+              <a:solidFill>
+                <a:srgbClr val="333333"/>
+              </a:solidFill>
+              <a:latin typeface="Arial" panose="020B0604020202020204" pitchFamily="34" charset="0"/>
+              <a:ea typeface="Arial" panose="020B0604020202020204" pitchFamily="34" charset="0"/>
+            </a:endParaRPr>
+          </a:p>
+        </p:txBody>
+      </p:sp>
+      <p:sp>
+        <p:nvSpPr>
+          <p:cNvPr id="22" name="文本框 21"/>
+          <p:cNvSpPr txBox="1"/>
+          <p:nvPr/>
+        </p:nvSpPr>
+        <p:spPr>
+          <a:xfrm>
+            <a:off x="7884892" y="2656355"/>
+            <a:ext cx="815340" cy="521970"/>
+          </a:xfrm>
+          <a:prstGeom prst="rect">
+            <a:avLst/>
+          </a:prstGeom>
+          <a:noFill/>
+        </p:spPr>
+        <p:txBody>
+          <a:bodyPr wrap="none" rtlCol="0">
+            <a:spAutoFit/>
+          </a:bodyPr>
+          <a:lstStyle/>
+          <a:p>
+            <a:pPr algn="ctr"/>
+            <a:r>
+              <a:rPr lang="tr-TR" altLang="zh-CN" sz="2800" b="1" dirty="0">
+                <a:solidFill>
+                  <a:srgbClr val="333333"/>
+                </a:solidFill>
+                <a:latin typeface="Arial" panose="020B0604020202020204" pitchFamily="34" charset="0"/>
+                <a:ea typeface="Arial" panose="020B0604020202020204" pitchFamily="34" charset="0"/>
+              </a:rPr>
+              <a:t>Jira</a:t>
+            </a:r>
+            <a:endParaRPr lang="tr-TR" altLang="zh-CN" sz="2800" b="1" dirty="0">
+              <a:solidFill>
+                <a:srgbClr val="333333"/>
+              </a:solidFill>
+              <a:latin typeface="Arial" panose="020B0604020202020204" pitchFamily="34" charset="0"/>
+              <a:ea typeface="Arial" panose="020B0604020202020204" pitchFamily="34" charset="0"/>
+            </a:endParaRPr>
+          </a:p>
+        </p:txBody>
+      </p:sp>
+      <p:sp>
+        <p:nvSpPr>
+          <p:cNvPr id="23" name="文本框 22"/>
+          <p:cNvSpPr txBox="1"/>
+          <p:nvPr/>
+        </p:nvSpPr>
+        <p:spPr>
+          <a:xfrm>
+            <a:off x="7884891" y="3832478"/>
+            <a:ext cx="1131570" cy="521970"/>
+          </a:xfrm>
+          <a:prstGeom prst="rect">
+            <a:avLst/>
+          </a:prstGeom>
+          <a:noFill/>
+        </p:spPr>
+        <p:txBody>
+          <a:bodyPr wrap="none" rtlCol="0">
+            <a:spAutoFit/>
+          </a:bodyPr>
+          <a:lstStyle/>
+          <a:p>
+            <a:pPr algn="ctr"/>
+            <a:r>
+              <a:rPr lang="tr-TR" altLang="zh-CN" sz="2800" b="1" dirty="0">
+                <a:solidFill>
+                  <a:srgbClr val="333333"/>
+                </a:solidFill>
+                <a:latin typeface="Arial" panose="020B0604020202020204" pitchFamily="34" charset="0"/>
+                <a:ea typeface="Arial" panose="020B0604020202020204" pitchFamily="34" charset="0"/>
+              </a:rPr>
+              <a:t>ASCII</a:t>
+            </a:r>
+            <a:endParaRPr lang="tr-TR" altLang="zh-CN" sz="2800" b="1" dirty="0">
+              <a:solidFill>
+                <a:srgbClr val="333333"/>
+              </a:solidFill>
+              <a:latin typeface="Arial" panose="020B0604020202020204" pitchFamily="34" charset="0"/>
+              <a:ea typeface="Arial" panose="020B0604020202020204" pitchFamily="34" charset="0"/>
+            </a:endParaRPr>
+          </a:p>
+        </p:txBody>
+      </p:sp>
+      <p:pic>
+        <p:nvPicPr>
+          <p:cNvPr id="24" name="图片 23"/>
+          <p:cNvPicPr>
+            <a:picLocks noChangeAspect="1"/>
+          </p:cNvPicPr>
+          <p:nvPr/>
+        </p:nvPicPr>
+        <p:blipFill rotWithShape="1">
+          <a:blip r:embed="rId2"/>
+          <a:srcRect r="65386"/>
+          <a:stretch>
+            <a:fillRect/>
+          </a:stretch>
+        </p:blipFill>
+        <p:spPr>
+          <a:xfrm rot="16200000">
+            <a:off x="7184860" y="167202"/>
+            <a:ext cx="288000" cy="832066"/>
+          </a:xfrm>
+          <a:prstGeom prst="rect">
+            <a:avLst/>
+          </a:prstGeom>
+        </p:spPr>
+      </p:pic>
+      <p:pic>
+        <p:nvPicPr>
+          <p:cNvPr id="25" name="图片 24"/>
+          <p:cNvPicPr>
+            <a:picLocks noChangeAspect="1"/>
+          </p:cNvPicPr>
+          <p:nvPr/>
+        </p:nvPicPr>
+        <p:blipFill rotWithShape="1">
+          <a:blip r:embed="rId2"/>
+          <a:srcRect r="65386"/>
+          <a:stretch>
+            <a:fillRect/>
+          </a:stretch>
+        </p:blipFill>
+        <p:spPr>
+          <a:xfrm rot="16200000">
+            <a:off x="7184858" y="1325438"/>
+            <a:ext cx="288000" cy="832066"/>
+          </a:xfrm>
+          <a:prstGeom prst="rect">
+            <a:avLst/>
+          </a:prstGeom>
+        </p:spPr>
+      </p:pic>
+      <p:pic>
+        <p:nvPicPr>
+          <p:cNvPr id="26" name="图片 25"/>
+          <p:cNvPicPr>
+            <a:picLocks noChangeAspect="1"/>
+          </p:cNvPicPr>
+          <p:nvPr/>
+        </p:nvPicPr>
+        <p:blipFill rotWithShape="1">
+          <a:blip r:embed="rId2"/>
+          <a:srcRect r="65386"/>
+          <a:stretch>
+            <a:fillRect/>
+          </a:stretch>
+        </p:blipFill>
+        <p:spPr>
+          <a:xfrm rot="16200000">
+            <a:off x="7211444" y="2501964"/>
+            <a:ext cx="288000" cy="832066"/>
+          </a:xfrm>
+          <a:prstGeom prst="rect">
+            <a:avLst/>
+          </a:prstGeom>
+        </p:spPr>
+      </p:pic>
+      <p:pic>
+        <p:nvPicPr>
+          <p:cNvPr id="27" name="图片 26"/>
+          <p:cNvPicPr>
+            <a:picLocks noChangeAspect="1"/>
+          </p:cNvPicPr>
+          <p:nvPr/>
+        </p:nvPicPr>
+        <p:blipFill rotWithShape="1">
+          <a:blip r:embed="rId2"/>
+          <a:srcRect r="65386"/>
+          <a:stretch>
+            <a:fillRect/>
+          </a:stretch>
+        </p:blipFill>
+        <p:spPr>
+          <a:xfrm rot="16200000">
+            <a:off x="7211442" y="3660200"/>
+            <a:ext cx="288000" cy="832066"/>
+          </a:xfrm>
+          <a:prstGeom prst="rect">
+            <a:avLst/>
+          </a:prstGeom>
+        </p:spPr>
+      </p:pic>
+      <p:cxnSp>
+        <p:nvCxnSpPr>
+          <p:cNvPr id="2" name="直接连接符 17" descr="e7d195523061f1c0deeec63e560781cfd59afb0ea006f2a87ABB68BF51EA6619813959095094C18C62A12F549504892A4AAA8C1554C6663626E05CA27F281A14E6983772AFC3FB97135759321DEA3D7047B2D20B121D4E05A6D0F227958A32026FEBB3ABD36322023181A2FF8EA235E789B1C6FF9A70CDD2C90B48B40EB7806F7806DF616AB3CE63"/>
+          <p:cNvCxnSpPr/>
+          <p:nvPr/>
+        </p:nvCxnSpPr>
+        <p:spPr>
+          <a:xfrm flipH="1" flipV="1">
+            <a:off x="7783195" y="5254625"/>
+            <a:ext cx="4355465" cy="17780"/>
+          </a:xfrm>
+          <a:prstGeom prst="line">
+            <a:avLst/>
+          </a:prstGeom>
+          <a:ln w="63500">
+            <a:solidFill>
+              <a:srgbClr val="333333"/>
+            </a:solidFill>
+          </a:ln>
+        </p:spPr>
+        <p:style>
+          <a:lnRef idx="1">
+            <a:schemeClr val="accent1"/>
+          </a:lnRef>
+          <a:fillRef idx="0">
+            <a:schemeClr val="accent1"/>
+          </a:fillRef>
+          <a:effectRef idx="0">
+            <a:schemeClr val="accent1"/>
+          </a:effectRef>
+          <a:fontRef idx="minor">
+            <a:schemeClr val="tx1"/>
+          </a:fontRef>
+        </p:style>
+      </p:cxnSp>
+      <p:cxnSp>
+        <p:nvCxnSpPr>
+          <p:cNvPr id="3" name="直接连接符 18" descr="e7d195523061f1c0deeec63e560781cfd59afb0ea006f2a87ABB68BF51EA6619813959095094C18C62A12F549504892A4AAA8C1554C6663626E05CA27F281A14E6983772AFC3FB97135759321DEA3D7047B2D20B121D4E05A6D0F227958A32026FEBB3ABD36322023181A2FF8EA235E789B1C6FF9A70CDD2C90B48B40EB7806F7806DF616AB3CE63"/>
+          <p:cNvCxnSpPr/>
+          <p:nvPr/>
+        </p:nvCxnSpPr>
+        <p:spPr>
+          <a:xfrm flipH="1" flipV="1">
+            <a:off x="7783195" y="6435090"/>
+            <a:ext cx="4345940" cy="6350"/>
+          </a:xfrm>
+          <a:prstGeom prst="line">
+            <a:avLst/>
+          </a:prstGeom>
+          <a:ln w="63500">
+            <a:solidFill>
+              <a:srgbClr val="333333"/>
+            </a:solidFill>
+          </a:ln>
+        </p:spPr>
+        <p:style>
+          <a:lnRef idx="1">
+            <a:schemeClr val="accent1"/>
+          </a:lnRef>
+          <a:fillRef idx="0">
+            <a:schemeClr val="accent1"/>
+          </a:fillRef>
+          <a:effectRef idx="0">
+            <a:schemeClr val="accent1"/>
+          </a:effectRef>
+          <a:fontRef idx="minor">
+            <a:schemeClr val="tx1"/>
+          </a:fontRef>
+        </p:style>
+      </p:cxnSp>
+      <p:sp>
+        <p:nvSpPr>
+          <p:cNvPr id="4" name="文本框 21"/>
+          <p:cNvSpPr txBox="1"/>
+          <p:nvPr/>
+        </p:nvSpPr>
+        <p:spPr>
+          <a:xfrm>
+            <a:off x="7884892" y="4664860"/>
+            <a:ext cx="1822450" cy="521970"/>
+          </a:xfrm>
+          <a:prstGeom prst="rect">
+            <a:avLst/>
+          </a:prstGeom>
+          <a:noFill/>
+        </p:spPr>
+        <p:txBody>
+          <a:bodyPr wrap="none" rtlCol="0">
+            <a:spAutoFit/>
+          </a:bodyPr>
+          <a:p>
+            <a:pPr algn="ctr"/>
+            <a:r>
+              <a:rPr lang="tr-TR" altLang="zh-CN" sz="2800" b="1" dirty="0">
+                <a:solidFill>
+                  <a:srgbClr val="333333"/>
+                </a:solidFill>
+                <a:latin typeface="Arial" panose="020B0604020202020204" pitchFamily="34" charset="0"/>
+                <a:ea typeface="Arial" panose="020B0604020202020204" pitchFamily="34" charset="0"/>
+              </a:rPr>
+              <a:t>UNICODE</a:t>
+            </a:r>
+            <a:endParaRPr lang="tr-TR" altLang="zh-CN" sz="2800" b="1" dirty="0">
+              <a:solidFill>
+                <a:srgbClr val="333333"/>
+              </a:solidFill>
+              <a:latin typeface="Arial" panose="020B0604020202020204" pitchFamily="34" charset="0"/>
+              <a:ea typeface="Arial" panose="020B0604020202020204" pitchFamily="34" charset="0"/>
+            </a:endParaRPr>
+          </a:p>
+        </p:txBody>
+      </p:sp>
+      <p:sp>
+        <p:nvSpPr>
+          <p:cNvPr id="5" name="文本框 22"/>
+          <p:cNvSpPr txBox="1"/>
+          <p:nvPr/>
+        </p:nvSpPr>
+        <p:spPr>
+          <a:xfrm>
+            <a:off x="7875049" y="5853683"/>
+            <a:ext cx="4162425" cy="460375"/>
+          </a:xfrm>
+          <a:prstGeom prst="rect">
+            <a:avLst/>
+          </a:prstGeom>
+          <a:noFill/>
+        </p:spPr>
+        <p:txBody>
+          <a:bodyPr wrap="none" rtlCol="0">
+            <a:spAutoFit/>
+          </a:bodyPr>
+          <a:p>
+            <a:pPr algn="ctr"/>
+            <a:r>
+              <a:rPr lang="tr-TR" altLang="zh-CN" sz="2400" b="1" dirty="0">
+                <a:solidFill>
+                  <a:srgbClr val="333333"/>
+                </a:solidFill>
+                <a:latin typeface="Arial" panose="020B0604020202020204" pitchFamily="34" charset="0"/>
+                <a:ea typeface="Arial" panose="020B0604020202020204" pitchFamily="34" charset="0"/>
+              </a:rPr>
+              <a:t>ASCII VE UNICODE Farkları</a:t>
+            </a:r>
+            <a:endParaRPr lang="tr-TR" altLang="zh-CN" sz="2400" b="1" dirty="0">
+              <a:solidFill>
+                <a:srgbClr val="333333"/>
+              </a:solidFill>
+              <a:latin typeface="Arial" panose="020B0604020202020204" pitchFamily="34" charset="0"/>
+              <a:ea typeface="Arial" panose="020B0604020202020204" pitchFamily="34" charset="0"/>
+            </a:endParaRPr>
+          </a:p>
+        </p:txBody>
+      </p:sp>
+      <p:pic>
+        <p:nvPicPr>
+          <p:cNvPr id="6" name="图片 25"/>
+          <p:cNvPicPr>
+            <a:picLocks noChangeAspect="1"/>
+          </p:cNvPicPr>
+          <p:nvPr/>
+        </p:nvPicPr>
+        <p:blipFill rotWithShape="1">
+          <a:blip r:embed="rId2"/>
+          <a:srcRect r="65386"/>
+          <a:stretch>
+            <a:fillRect/>
+          </a:stretch>
+        </p:blipFill>
+        <p:spPr>
+          <a:xfrm rot="16200000">
+            <a:off x="7211444" y="4509834"/>
+            <a:ext cx="288000" cy="832066"/>
+          </a:xfrm>
+          <a:prstGeom prst="rect">
+            <a:avLst/>
+          </a:prstGeom>
+        </p:spPr>
+      </p:pic>
+      <p:pic>
+        <p:nvPicPr>
+          <p:cNvPr id="7" name="图片 26"/>
+          <p:cNvPicPr>
+            <a:picLocks noChangeAspect="1"/>
+          </p:cNvPicPr>
+          <p:nvPr/>
+        </p:nvPicPr>
+        <p:blipFill rotWithShape="1">
+          <a:blip r:embed="rId2"/>
+          <a:srcRect r="65386"/>
+          <a:stretch>
+            <a:fillRect/>
+          </a:stretch>
+        </p:blipFill>
+        <p:spPr>
+          <a:xfrm rot="16200000">
+            <a:off x="7211442" y="5668070"/>
+            <a:ext cx="288000" cy="832066"/>
+          </a:xfrm>
+          <a:prstGeom prst="rect">
+            <a:avLst/>
+          </a:prstGeom>
+        </p:spPr>
+      </p:pic>
+      <p:sp>
+        <p:nvSpPr>
+          <p:cNvPr id="9" name="Slide Number Placeholder 8"/>
+          <p:cNvSpPr>
+            <a:spLocks noGrp="1"/>
+          </p:cNvSpPr>
+          <p:nvPr>
+            <p:ph type="sldNum" sz="quarter" idx="12"/>
+          </p:nvPr>
+        </p:nvSpPr>
+        <p:spPr/>
+        <p:txBody>
+          <a:bodyPr/>
+          <a:p>
+            <a:fld id="{28E7AAA1-2B6D-44C1-A6CB-927B761BD882}" type="slidenum">
+              <a:rPr lang="zh-CN" altLang="en-US" smtClean="0"/>
+            </a:fld>
+            <a:endParaRPr lang="zh-CN" altLang="en-US"/>
+          </a:p>
+        </p:txBody>
+      </p:sp>
+    </p:spTree>
+  </p:cSld>
+  <p:clrMapOvr>
+    <a:masterClrMapping/>
+  </p:clrMapOvr>
+  <p:timing>
+    <p:tnLst>
+      <p:par>
+        <p:cTn id="1" dur="indefinite" restart="never" nodeType="tmRoot">
+          <p:childTnLst>
+            <p:seq concurrent="1" nextAc="seek">
+              <p:cTn id="2" dur="indefinite" nodeType="mainSeq">
+                <p:childTnLst>
+                  <p:par>
+                    <p:cTn id="3" fill="hold">
+                      <p:stCondLst>
+                        <p:cond delay="indefinite"/>
+                        <p:cond evt="onBegin" delay="0">
+                          <p:tn val="2"/>
+                        </p:cond>
+                      </p:stCondLst>
+                      <p:childTnLst>
+                        <p:par>
+                          <p:cTn id="4" fill="hold">
+                            <p:stCondLst>
+                              <p:cond delay="0"/>
+                            </p:stCondLst>
+                            <p:childTnLst>
+                              <p:par>
+                                <p:cTn id="5" presetID="42" presetClass="entr" presetSubtype="0" fill="hold" grpId="0" nodeType="afterEffect">
+                                  <p:stCondLst>
+                                    <p:cond delay="0"/>
+                                  </p:stCondLst>
+                                  <p:childTnLst>
+                                    <p:set>
+                                      <p:cBhvr>
+                                        <p:cTn id="6" dur="1" fill="hold">
+                                          <p:stCondLst>
+                                            <p:cond delay="0"/>
+                                          </p:stCondLst>
+                                        </p:cTn>
+                                        <p:tgtEl>
+                                          <p:spTgt spid="10"/>
+                                        </p:tgtEl>
+                                        <p:attrNameLst>
+                                          <p:attrName>style.visibility</p:attrName>
+                                        </p:attrNameLst>
+                                      </p:cBhvr>
+                                      <p:to>
+                                        <p:strVal val="visible"/>
+                                      </p:to>
+                                    </p:set>
+                                    <p:animEffect transition="in" filter="fade">
+                                      <p:cBhvr>
+                                        <p:cTn id="7" dur="1000"/>
+                                        <p:tgtEl>
+                                          <p:spTgt spid="10"/>
+                                        </p:tgtEl>
+                                      </p:cBhvr>
+                                    </p:animEffect>
+                                    <p:anim calcmode="lin" valueType="num">
+                                      <p:cBhvr>
+                                        <p:cTn id="8" dur="1000" fill="hold"/>
+                                        <p:tgtEl>
+                                          <p:spTgt spid="10"/>
+                                        </p:tgtEl>
+                                        <p:attrNameLst>
+                                          <p:attrName>ppt_x</p:attrName>
+                                        </p:attrNameLst>
+                                      </p:cBhvr>
+                                      <p:tavLst>
+                                        <p:tav tm="0">
+                                          <p:val>
+                                            <p:strVal val="#ppt_x"/>
+                                          </p:val>
+                                        </p:tav>
+                                        <p:tav tm="100000">
+                                          <p:val>
+                                            <p:strVal val="#ppt_x"/>
+                                          </p:val>
+                                        </p:tav>
+                                      </p:tavLst>
+                                    </p:anim>
+                                    <p:anim calcmode="lin" valueType="num">
+                                      <p:cBhvr>
+                                        <p:cTn id="9" dur="1000" fill="hold"/>
+                                        <p:tgtEl>
+                                          <p:spTgt spid="10"/>
+                                        </p:tgtEl>
+                                        <p:attrNameLst>
+                                          <p:attrName>ppt_y</p:attrName>
+                                        </p:attrNameLst>
+                                      </p:cBhvr>
+                                      <p:tavLst>
+                                        <p:tav tm="0">
+                                          <p:val>
+                                            <p:strVal val="#ppt_y+.1"/>
+                                          </p:val>
+                                        </p:tav>
+                                        <p:tav tm="100000">
+                                          <p:val>
+                                            <p:strVal val="#ppt_y"/>
+                                          </p:val>
+                                        </p:tav>
+                                      </p:tavLst>
+                                    </p:anim>
+                                  </p:childTnLst>
+                                </p:cTn>
+                              </p:par>
+                            </p:childTnLst>
+                          </p:cTn>
+                        </p:par>
+                      </p:childTnLst>
+                    </p:cTn>
+                  </p:par>
+                </p:childTnLst>
+              </p:cTn>
+              <p:prevCondLst>
+                <p:cond evt="onPrev" delay="0">
+                  <p:tgtEl>
+                    <p:sldTgt/>
+                  </p:tgtEl>
+                </p:cond>
+              </p:prevCondLst>
+              <p:nextCondLst>
+                <p:cond evt="onNext" delay="0">
+                  <p:tgtEl>
+                    <p:sldTgt/>
+                  </p:tgtEl>
+                </p:cond>
+              </p:nextCondLst>
+            </p:seq>
+          </p:childTnLst>
+        </p:cTn>
+      </p:par>
+    </p:tnLst>
+    <p:bldLst>
+      <p:bldP spid="10" grpId="0" bldLvl="0" animBg="1"/>
+    </p:bldLst>
+  </p:timing>
+</p:sld>
+</file>
+
+<file path=ppt/slides/slide20.xml><?xml version="1.0" encoding="utf-8"?>
+<p:sld xmlns:a="http://schemas.openxmlformats.org/drawingml/2006/main" xmlns:r="http://schemas.openxmlformats.org/officeDocument/2006/relationships" xmlns:p="http://schemas.openxmlformats.org/presentationml/2006/main">
+  <p:cSld>
+    <p:spTree>
+      <p:nvGrpSpPr>
+        <p:cNvPr id="1" name=""/>
+        <p:cNvGrpSpPr/>
+        <p:nvPr/>
+      </p:nvGrpSpPr>
+      <p:grpSpPr>
+        <a:xfrm>
+          <a:off x="0" y="0"/>
+          <a:ext cx="0" cy="0"/>
+          <a:chOff x="0" y="0"/>
+          <a:chExt cx="0" cy="0"/>
+        </a:xfrm>
+      </p:grpSpPr>
+      <p:cxnSp>
+        <p:nvCxnSpPr>
+          <p:cNvPr id="4" name="直接连接符 3" descr="e7d195523061f1c0deeec63e560781cfd59afb0ea006f2a87ABB68BF51EA6619813959095094C18C62A12F549504892A4AAA8C1554C6663626E05CA27F281A14E6983772AFC3FB97135759321DEA3D7047B2D20B121D4E05A6D0F227958A32026FEBB3ABD36322023181A2FF8EA235E789B1C6FF9A70CDD2C90B48B40EB7806F7806DF616AB3CE63"/>
+          <p:cNvCxnSpPr/>
+          <p:nvPr/>
+        </p:nvCxnSpPr>
+        <p:spPr>
+          <a:xfrm flipH="1">
+            <a:off x="1793809" y="1256083"/>
+            <a:ext cx="3600000" cy="2"/>
+          </a:xfrm>
+          <a:prstGeom prst="line">
+            <a:avLst/>
+          </a:prstGeom>
+          <a:ln w="63500">
+            <a:solidFill>
+              <a:srgbClr val="333333"/>
+            </a:solidFill>
+          </a:ln>
+        </p:spPr>
+        <p:style>
+          <a:lnRef idx="1">
+            <a:schemeClr val="accent1"/>
+          </a:lnRef>
+          <a:fillRef idx="0">
+            <a:schemeClr val="accent1"/>
+          </a:fillRef>
+          <a:effectRef idx="0">
+            <a:schemeClr val="accent1"/>
+          </a:effectRef>
+          <a:fontRef idx="minor">
+            <a:schemeClr val="tx1"/>
+          </a:fontRef>
+        </p:style>
+      </p:cxnSp>
+      <p:pic>
+        <p:nvPicPr>
+          <p:cNvPr id="5" name="图片 4"/>
+          <p:cNvPicPr>
+            <a:picLocks noChangeAspect="1"/>
+          </p:cNvPicPr>
+          <p:nvPr/>
+        </p:nvPicPr>
+        <p:blipFill>
+          <a:blip r:embed="rId1"/>
+          <a:stretch>
+            <a:fillRect/>
+          </a:stretch>
+        </p:blipFill>
+        <p:spPr>
+          <a:xfrm>
+            <a:off x="0" y="177059"/>
+            <a:ext cx="1188720" cy="1188752"/>
+          </a:xfrm>
+          <a:prstGeom prst="rect">
+            <a:avLst/>
+          </a:prstGeom>
+        </p:spPr>
+      </p:pic>
+      <p:sp>
+        <p:nvSpPr>
+          <p:cNvPr id="6" name="文本框 5"/>
+          <p:cNvSpPr txBox="1"/>
+          <p:nvPr/>
+        </p:nvSpPr>
+        <p:spPr>
+          <a:xfrm>
+            <a:off x="2097115" y="418762"/>
+            <a:ext cx="2468880" cy="706755"/>
+          </a:xfrm>
+          <a:prstGeom prst="rect">
+            <a:avLst/>
+          </a:prstGeom>
+          <a:noFill/>
+        </p:spPr>
+        <p:txBody>
+          <a:bodyPr wrap="none" rtlCol="0">
+            <a:spAutoFit/>
+          </a:bodyPr>
+          <a:lstStyle/>
+          <a:p>
+            <a:pPr algn="ctr"/>
+            <a:r>
+              <a:rPr lang="tr-TR" altLang="zh-CN" sz="4000" b="1" dirty="0">
+                <a:solidFill>
+                  <a:srgbClr val="333333"/>
+                </a:solidFill>
+                <a:latin typeface="Arial" panose="020B0604020202020204" pitchFamily="34" charset="0"/>
+                <a:ea typeface="Arial" panose="020B0604020202020204" pitchFamily="34" charset="0"/>
+              </a:rPr>
+              <a:t>text-reset</a:t>
+            </a:r>
+            <a:endParaRPr lang="tr-TR" altLang="zh-CN" sz="4000" b="1" dirty="0">
+              <a:solidFill>
+                <a:srgbClr val="333333"/>
+              </a:solidFill>
+              <a:latin typeface="Arial" panose="020B0604020202020204" pitchFamily="34" charset="0"/>
+              <a:ea typeface="Arial" panose="020B0604020202020204" pitchFamily="34" charset="0"/>
+            </a:endParaRPr>
+          </a:p>
+        </p:txBody>
+      </p:sp>
+      <p:sp>
+        <p:nvSpPr>
+          <p:cNvPr id="8" name="矩形 7"/>
+          <p:cNvSpPr/>
+          <p:nvPr/>
+        </p:nvSpPr>
+        <p:spPr>
+          <a:xfrm>
+            <a:off x="869315" y="1598930"/>
+            <a:ext cx="10324465" cy="1015365"/>
+          </a:xfrm>
+          <a:prstGeom prst="rect">
+            <a:avLst/>
+          </a:prstGeom>
+          <a:noFill/>
+          <a:ln w="50800">
+            <a:solidFill>
+              <a:srgbClr val="333333"/>
+            </a:solidFill>
+          </a:ln>
+        </p:spPr>
+        <p:style>
+          <a:lnRef idx="2">
+            <a:schemeClr val="accent1">
+              <a:shade val="50000"/>
+            </a:schemeClr>
+          </a:lnRef>
+          <a:fillRef idx="1">
+            <a:schemeClr val="accent1"/>
+          </a:fillRef>
+          <a:effectRef idx="0">
+            <a:schemeClr val="accent1"/>
+          </a:effectRef>
+          <a:fontRef idx="minor">
+            <a:schemeClr val="lt1"/>
+          </a:fontRef>
+        </p:style>
+        <p:txBody>
+          <a:bodyPr rtlCol="0" anchor="ctr"/>
+          <a:lstStyle/>
+          <a:p>
+            <a:pPr algn="ctr"/>
+            <a:endParaRPr lang="zh-CN" altLang="en-US"/>
+          </a:p>
+        </p:txBody>
+      </p:sp>
+      <p:sp>
+        <p:nvSpPr>
+          <p:cNvPr id="22" name="文本框 21"/>
+          <p:cNvSpPr txBox="1"/>
+          <p:nvPr/>
+        </p:nvSpPr>
+        <p:spPr>
+          <a:xfrm>
+            <a:off x="954405" y="1729740"/>
+            <a:ext cx="9850755" cy="651510"/>
+          </a:xfrm>
+          <a:prstGeom prst="rect">
+            <a:avLst/>
+          </a:prstGeom>
+          <a:noFill/>
+        </p:spPr>
+        <p:txBody>
+          <a:bodyPr wrap="square" rtlCol="0">
+            <a:spAutoFit/>
+            <a:scene3d>
+              <a:camera prst="orthographicFront"/>
+              <a:lightRig rig="threePt" dir="t"/>
+            </a:scene3d>
+            <a:sp3d contourW="12700"/>
+          </a:bodyPr>
+          <a:lstStyle/>
+          <a:p>
+            <a:pPr algn="l">
+              <a:lnSpc>
+                <a:spcPct val="114000"/>
+              </a:lnSpc>
+            </a:pPr>
+            <a:r>
+              <a:rPr lang="tr-TR" altLang="en-US" sz="1600" dirty="0">
+                <a:solidFill>
+                  <a:srgbClr val="333333"/>
+                </a:solidFill>
+                <a:latin typeface="Arial" panose="020B0604020202020204" pitchFamily="34" charset="0"/>
+                <a:ea typeface="+mj-ea"/>
+              </a:rPr>
+              <a:t>Bootstrap’ de bir metnin veya bağlantının rengini sıfırlamamızı sağlar. Böylelikle metin ya da bağlantı rengini bir üst öğeden devralır.</a:t>
+            </a:r>
+            <a:endParaRPr lang="tr-TR" altLang="en-US" sz="1600" dirty="0">
+              <a:solidFill>
+                <a:srgbClr val="333333"/>
+              </a:solidFill>
+              <a:latin typeface="Arial" panose="020B0604020202020204" pitchFamily="34" charset="0"/>
+              <a:ea typeface="+mj-ea"/>
+            </a:endParaRPr>
+          </a:p>
+        </p:txBody>
+      </p:sp>
+      <p:sp>
+        <p:nvSpPr>
+          <p:cNvPr id="25" name="矩形 24"/>
+          <p:cNvSpPr/>
+          <p:nvPr/>
+        </p:nvSpPr>
+        <p:spPr>
+          <a:xfrm>
+            <a:off x="1470809" y="-2156254"/>
+            <a:ext cx="970486" cy="1731477"/>
+          </a:xfrm>
+          <a:prstGeom prst="rect">
+            <a:avLst/>
+          </a:prstGeom>
+          <a:solidFill>
+            <a:srgbClr val="333333"/>
+          </a:solidFill>
+          <a:ln>
+            <a:noFill/>
+          </a:ln>
+        </p:spPr>
+        <p:style>
+          <a:lnRef idx="2">
+            <a:schemeClr val="accent1">
+              <a:shade val="50000"/>
+            </a:schemeClr>
+          </a:lnRef>
+          <a:fillRef idx="1">
+            <a:schemeClr val="accent1"/>
+          </a:fillRef>
+          <a:effectRef idx="0">
+            <a:schemeClr val="accent1"/>
+          </a:effectRef>
+          <a:fontRef idx="minor">
+            <a:schemeClr val="lt1"/>
+          </a:fontRef>
+        </p:style>
+        <p:txBody>
+          <a:bodyPr rtlCol="0" anchor="ctr"/>
+          <a:lstStyle/>
+          <a:p>
+            <a:pPr algn="ctr"/>
+            <a:endParaRPr lang="zh-CN" altLang="en-US"/>
+          </a:p>
+        </p:txBody>
+      </p:sp>
+      <p:pic>
+        <p:nvPicPr>
+          <p:cNvPr id="2" name="Picture 1" descr="1"/>
+          <p:cNvPicPr>
+            <a:picLocks noChangeAspect="1"/>
+          </p:cNvPicPr>
+          <p:nvPr/>
+        </p:nvPicPr>
+        <p:blipFill>
+          <a:blip r:embed="rId2"/>
+          <a:stretch>
+            <a:fillRect/>
+          </a:stretch>
+        </p:blipFill>
+        <p:spPr>
+          <a:xfrm>
+            <a:off x="830580" y="2881630"/>
+            <a:ext cx="10292715" cy="3704590"/>
+          </a:xfrm>
+          <a:prstGeom prst="rect">
+            <a:avLst/>
+          </a:prstGeom>
+        </p:spPr>
+      </p:pic>
+    </p:spTree>
+  </p:cSld>
+  <p:clrMapOvr>
+    <a:masterClrMapping/>
+  </p:clrMapOvr>
+  <p:timing>
+    <p:tnLst>
+      <p:par>
+        <p:cTn id="1" dur="indefinite" restart="never" nodeType="tmRoot">
+          <p:childTnLst>
+            <p:seq concurrent="1" nextAc="seek">
+              <p:cTn id="2" dur="indefinite" nodeType="mainSeq">
+                <p:childTnLst>
+                  <p:par>
+                    <p:cTn id="3" fill="hold">
+                      <p:stCondLst>
+                        <p:cond delay="indefinite"/>
+                        <p:cond evt="onBegin" delay="0">
+                          <p:tn val="2"/>
+                        </p:cond>
+                      </p:stCondLst>
+                      <p:childTnLst>
+                        <p:par>
+                          <p:cTn id="4" fill="hold">
+                            <p:stCondLst>
+                              <p:cond delay="0"/>
+                            </p:stCondLst>
+                            <p:childTnLst>
+                              <p:par>
+                                <p:cTn id="5" presetID="2" presetClass="entr" presetSubtype="2" decel="100000" fill="hold" grpId="0" nodeType="withEffect">
+                                  <p:stCondLst>
+                                    <p:cond delay="0"/>
+                                  </p:stCondLst>
+                                  <p:childTnLst>
+                                    <p:set>
+                                      <p:cBhvr>
+                                        <p:cTn id="6" dur="1" fill="hold">
+                                          <p:stCondLst>
+                                            <p:cond delay="0"/>
+                                          </p:stCondLst>
+                                        </p:cTn>
+                                        <p:tgtEl>
+                                          <p:spTgt spid="8"/>
+                                        </p:tgtEl>
+                                        <p:attrNameLst>
+                                          <p:attrName>style.visibility</p:attrName>
+                                        </p:attrNameLst>
+                                      </p:cBhvr>
+                                      <p:to>
+                                        <p:strVal val="visible"/>
+                                      </p:to>
+                                    </p:set>
+                                    <p:anim calcmode="lin" valueType="num">
+                                      <p:cBhvr additive="base">
+                                        <p:cTn id="7" dur="750" fill="hold"/>
+                                        <p:tgtEl>
+                                          <p:spTgt spid="8"/>
+                                        </p:tgtEl>
+                                        <p:attrNameLst>
+                                          <p:attrName>ppt_x</p:attrName>
+                                        </p:attrNameLst>
+                                      </p:cBhvr>
+                                      <p:tavLst>
+                                        <p:tav tm="0">
+                                          <p:val>
+                                            <p:strVal val="1+#ppt_w/2"/>
+                                          </p:val>
+                                        </p:tav>
+                                        <p:tav tm="100000">
+                                          <p:val>
+                                            <p:strVal val="#ppt_x"/>
+                                          </p:val>
+                                        </p:tav>
+                                      </p:tavLst>
+                                    </p:anim>
+                                    <p:anim calcmode="lin" valueType="num">
+                                      <p:cBhvr additive="base">
+                                        <p:cTn id="8" dur="750" fill="hold"/>
+                                        <p:tgtEl>
+                                          <p:spTgt spid="8"/>
+                                        </p:tgtEl>
+                                        <p:attrNameLst>
+                                          <p:attrName>ppt_y</p:attrName>
+                                        </p:attrNameLst>
+                                      </p:cBhvr>
+                                      <p:tavLst>
+                                        <p:tav tm="0">
+                                          <p:val>
+                                            <p:strVal val="#ppt_y"/>
+                                          </p:val>
+                                        </p:tav>
+                                        <p:tav tm="100000">
+                                          <p:val>
+                                            <p:strVal val="#ppt_y"/>
+                                          </p:val>
+                                        </p:tav>
+                                      </p:tavLst>
+                                    </p:anim>
+                                  </p:childTnLst>
+                                </p:cTn>
+                              </p:par>
+                            </p:childTnLst>
+                          </p:cTn>
+                        </p:par>
+                      </p:childTnLst>
+                    </p:cTn>
+                  </p:par>
+                </p:childTnLst>
+              </p:cTn>
+              <p:prevCondLst>
+                <p:cond evt="onPrev" delay="0">
+                  <p:tgtEl>
+                    <p:sldTgt/>
+                  </p:tgtEl>
+                </p:cond>
+              </p:prevCondLst>
+              <p:nextCondLst>
+                <p:cond evt="onNext" delay="0">
+                  <p:tgtEl>
+                    <p:sldTgt/>
+                  </p:tgtEl>
+                </p:cond>
+              </p:nextCondLst>
+            </p:seq>
+          </p:childTnLst>
+        </p:cTn>
+      </p:par>
+    </p:tnLst>
+    <p:bldLst>
+      <p:bldP spid="8" grpId="0" bldLvl="0" animBg="1"/>
+    </p:bldLst>
+  </p:timing>
+</p:sld>
+</file>
+
+<file path=ppt/slides/slide21.xml><?xml version="1.0" encoding="utf-8"?>
+<p:sld xmlns:a="http://schemas.openxmlformats.org/drawingml/2006/main" xmlns:r="http://schemas.openxmlformats.org/officeDocument/2006/relationships" xmlns:p="http://schemas.openxmlformats.org/presentationml/2006/main">
+  <p:cSld>
+    <p:spTree>
+      <p:nvGrpSpPr>
+        <p:cNvPr id="1" name=""/>
+        <p:cNvGrpSpPr/>
+        <p:nvPr/>
+      </p:nvGrpSpPr>
+      <p:grpSpPr>
+        <a:xfrm>
+          <a:off x="0" y="0"/>
+          <a:ext cx="0" cy="0"/>
+          <a:chOff x="0" y="0"/>
+          <a:chExt cx="0" cy="0"/>
+        </a:xfrm>
+      </p:grpSpPr>
+      <p:cxnSp>
+        <p:nvCxnSpPr>
+          <p:cNvPr id="4" name="直接连接符 3" descr="e7d195523061f1c0deeec63e560781cfd59afb0ea006f2a87ABB68BF51EA6619813959095094C18C62A12F549504892A4AAA8C1554C6663626E05CA27F281A14E6983772AFC3FB97135759321DEA3D7047B2D20B121D4E05A6D0F227958A32026FEBB3ABD36322023181A2FF8EA235E789B1C6FF9A70CDD2C90B48B40EB7806F7806DF616AB3CE63"/>
+          <p:cNvCxnSpPr/>
+          <p:nvPr/>
+        </p:nvCxnSpPr>
+        <p:spPr>
+          <a:xfrm flipH="1">
+            <a:off x="1793809" y="1256083"/>
+            <a:ext cx="3600000" cy="2"/>
+          </a:xfrm>
+          <a:prstGeom prst="line">
+            <a:avLst/>
+          </a:prstGeom>
+          <a:ln w="63500">
+            <a:solidFill>
+              <a:srgbClr val="333333"/>
+            </a:solidFill>
+          </a:ln>
+        </p:spPr>
+        <p:style>
+          <a:lnRef idx="1">
+            <a:schemeClr val="accent1"/>
+          </a:lnRef>
+          <a:fillRef idx="0">
+            <a:schemeClr val="accent1"/>
+          </a:fillRef>
+          <a:effectRef idx="0">
+            <a:schemeClr val="accent1"/>
+          </a:effectRef>
+          <a:fontRef idx="minor">
+            <a:schemeClr val="tx1"/>
+          </a:fontRef>
+        </p:style>
+      </p:cxnSp>
+      <p:pic>
+        <p:nvPicPr>
+          <p:cNvPr id="5" name="图片 4"/>
+          <p:cNvPicPr>
+            <a:picLocks noChangeAspect="1"/>
+          </p:cNvPicPr>
+          <p:nvPr/>
+        </p:nvPicPr>
+        <p:blipFill>
+          <a:blip r:embed="rId1"/>
+          <a:stretch>
+            <a:fillRect/>
+          </a:stretch>
+        </p:blipFill>
+        <p:spPr>
+          <a:xfrm>
+            <a:off x="0" y="177059"/>
+            <a:ext cx="1188720" cy="1188752"/>
+          </a:xfrm>
+          <a:prstGeom prst="rect">
+            <a:avLst/>
+          </a:prstGeom>
+        </p:spPr>
+      </p:pic>
+      <p:sp>
+        <p:nvSpPr>
+          <p:cNvPr id="6" name="文本框 5"/>
+          <p:cNvSpPr txBox="1"/>
+          <p:nvPr/>
+        </p:nvSpPr>
+        <p:spPr>
+          <a:xfrm>
+            <a:off x="2283170" y="417492"/>
+            <a:ext cx="2807970" cy="706755"/>
+          </a:xfrm>
+          <a:prstGeom prst="rect">
+            <a:avLst/>
+          </a:prstGeom>
+          <a:noFill/>
+        </p:spPr>
+        <p:txBody>
+          <a:bodyPr wrap="none" rtlCol="0">
+            <a:spAutoFit/>
+          </a:bodyPr>
+          <a:lstStyle/>
+          <a:p>
+            <a:pPr algn="ctr"/>
+            <a:r>
+              <a:rPr lang="tr-TR" altLang="zh-CN" sz="4000" b="1" dirty="0">
+                <a:solidFill>
+                  <a:srgbClr val="333333"/>
+                </a:solidFill>
+                <a:latin typeface="Arial" panose="020B0604020202020204" pitchFamily="34" charset="0"/>
+                <a:ea typeface="Arial" panose="020B0604020202020204" pitchFamily="34" charset="0"/>
+              </a:rPr>
+              <a:t>sweet alert</a:t>
+            </a:r>
+            <a:endParaRPr lang="tr-TR" altLang="zh-CN" sz="4000" b="1" dirty="0">
+              <a:solidFill>
+                <a:srgbClr val="333333"/>
+              </a:solidFill>
+              <a:latin typeface="Arial" panose="020B0604020202020204" pitchFamily="34" charset="0"/>
+              <a:ea typeface="Arial" panose="020B0604020202020204" pitchFamily="34" charset="0"/>
+            </a:endParaRPr>
+          </a:p>
+        </p:txBody>
+      </p:sp>
+      <p:sp>
+        <p:nvSpPr>
+          <p:cNvPr id="8" name="矩形 7"/>
+          <p:cNvSpPr/>
+          <p:nvPr/>
+        </p:nvSpPr>
+        <p:spPr>
+          <a:xfrm>
+            <a:off x="869315" y="1598930"/>
+            <a:ext cx="4524375" cy="2464435"/>
+          </a:xfrm>
+          <a:prstGeom prst="rect">
+            <a:avLst/>
+          </a:prstGeom>
+          <a:noFill/>
+          <a:ln w="50800">
+            <a:solidFill>
+              <a:srgbClr val="333333"/>
+            </a:solidFill>
+          </a:ln>
+        </p:spPr>
+        <p:style>
+          <a:lnRef idx="2">
+            <a:schemeClr val="accent1">
+              <a:shade val="50000"/>
+            </a:schemeClr>
+          </a:lnRef>
+          <a:fillRef idx="1">
+            <a:schemeClr val="accent1"/>
+          </a:fillRef>
+          <a:effectRef idx="0">
+            <a:schemeClr val="accent1"/>
+          </a:effectRef>
+          <a:fontRef idx="minor">
+            <a:schemeClr val="lt1"/>
+          </a:fontRef>
+        </p:style>
+        <p:txBody>
+          <a:bodyPr rtlCol="0" anchor="ctr"/>
+          <a:lstStyle/>
+          <a:p>
+            <a:pPr algn="ctr"/>
+            <a:endParaRPr lang="zh-CN" altLang="en-US"/>
+          </a:p>
+        </p:txBody>
+      </p:sp>
+      <p:sp>
+        <p:nvSpPr>
+          <p:cNvPr id="22" name="文本框 21"/>
+          <p:cNvSpPr txBox="1"/>
+          <p:nvPr/>
+        </p:nvSpPr>
+        <p:spPr>
+          <a:xfrm>
+            <a:off x="954405" y="1729740"/>
+            <a:ext cx="4316730" cy="2332990"/>
+          </a:xfrm>
+          <a:prstGeom prst="rect">
+            <a:avLst/>
+          </a:prstGeom>
+          <a:noFill/>
+        </p:spPr>
+        <p:txBody>
+          <a:bodyPr wrap="square" rtlCol="0">
+            <a:spAutoFit/>
+            <a:scene3d>
+              <a:camera prst="orthographicFront"/>
+              <a:lightRig rig="threePt" dir="t"/>
+            </a:scene3d>
+            <a:sp3d contourW="12700"/>
+          </a:bodyPr>
+          <a:lstStyle/>
+          <a:p>
+            <a:pPr algn="l">
+              <a:lnSpc>
+                <a:spcPct val="114000"/>
+              </a:lnSpc>
+            </a:pPr>
+            <a:r>
+              <a:rPr lang="tr-TR" altLang="en-US" sz="1600" dirty="0">
+                <a:solidFill>
+                  <a:srgbClr val="333333"/>
+                </a:solidFill>
+                <a:latin typeface="Arial" panose="020B0604020202020204" pitchFamily="34" charset="0"/>
+                <a:ea typeface="+mj-ea"/>
+              </a:rPr>
+              <a:t>Projelerde görsel olarak güzel bir görüntü ile kullanabileceğiniz Alert durumları için güzel bir jQuery kütüphanesidir. Aynı zamanda responsive tasarıma sahiptir ve ekstradan mobil cihazlar için bi tasarım gerektirmez. Sweet Alert kütüphanesini sitenize CDN bağlantısı ile veya kütüphaneyi indirerek ekleyebiliriz.</a:t>
+            </a:r>
+            <a:endParaRPr lang="tr-TR" altLang="en-US" sz="1600" dirty="0">
+              <a:solidFill>
+                <a:srgbClr val="333333"/>
+              </a:solidFill>
+              <a:latin typeface="Arial" panose="020B0604020202020204" pitchFamily="34" charset="0"/>
+              <a:ea typeface="+mj-ea"/>
+            </a:endParaRPr>
+          </a:p>
+        </p:txBody>
+      </p:sp>
+      <p:sp>
+        <p:nvSpPr>
+          <p:cNvPr id="25" name="矩形 24"/>
+          <p:cNvSpPr/>
+          <p:nvPr/>
+        </p:nvSpPr>
+        <p:spPr>
+          <a:xfrm>
+            <a:off x="1470809" y="-2156254"/>
+            <a:ext cx="970486" cy="1731477"/>
+          </a:xfrm>
+          <a:prstGeom prst="rect">
+            <a:avLst/>
+          </a:prstGeom>
+          <a:solidFill>
+            <a:srgbClr val="333333"/>
+          </a:solidFill>
+          <a:ln>
+            <a:noFill/>
+          </a:ln>
+        </p:spPr>
+        <p:style>
+          <a:lnRef idx="2">
+            <a:schemeClr val="accent1">
+              <a:shade val="50000"/>
+            </a:schemeClr>
+          </a:lnRef>
+          <a:fillRef idx="1">
+            <a:schemeClr val="accent1"/>
+          </a:fillRef>
+          <a:effectRef idx="0">
+            <a:schemeClr val="accent1"/>
+          </a:effectRef>
+          <a:fontRef idx="minor">
+            <a:schemeClr val="lt1"/>
+          </a:fontRef>
+        </p:style>
+        <p:txBody>
+          <a:bodyPr rtlCol="0" anchor="ctr"/>
+          <a:lstStyle/>
+          <a:p>
+            <a:pPr algn="ctr"/>
+            <a:endParaRPr lang="zh-CN" altLang="en-US"/>
+          </a:p>
+        </p:txBody>
+      </p:sp>
+      <p:sp>
+        <p:nvSpPr>
+          <p:cNvPr id="7" name="矩形 7"/>
+          <p:cNvSpPr/>
+          <p:nvPr/>
+        </p:nvSpPr>
+        <p:spPr>
+          <a:xfrm>
+            <a:off x="6757670" y="1598295"/>
+            <a:ext cx="4524375" cy="2464435"/>
+          </a:xfrm>
+          <a:prstGeom prst="rect">
+            <a:avLst/>
+          </a:prstGeom>
+          <a:noFill/>
+          <a:ln w="50800">
+            <a:solidFill>
+              <a:srgbClr val="333333"/>
+            </a:solidFill>
+          </a:ln>
+        </p:spPr>
+        <p:style>
+          <a:lnRef idx="2">
+            <a:schemeClr val="accent1">
+              <a:shade val="50000"/>
+            </a:schemeClr>
+          </a:lnRef>
+          <a:fillRef idx="1">
+            <a:schemeClr val="accent1"/>
+          </a:fillRef>
+          <a:effectRef idx="0">
+            <a:schemeClr val="accent1"/>
+          </a:effectRef>
+          <a:fontRef idx="minor">
+            <a:schemeClr val="lt1"/>
+          </a:fontRef>
+        </p:style>
+        <p:txBody>
+          <a:bodyPr rtlCol="0" anchor="ctr"/>
+          <a:p>
+            <a:pPr algn="ctr"/>
+            <a:endParaRPr lang="zh-CN" altLang="en-US"/>
+          </a:p>
+        </p:txBody>
+      </p:sp>
+      <p:sp>
+        <p:nvSpPr>
+          <p:cNvPr id="9" name="文本框 21"/>
+          <p:cNvSpPr txBox="1"/>
+          <p:nvPr/>
+        </p:nvSpPr>
+        <p:spPr>
+          <a:xfrm>
+            <a:off x="6861810" y="1664970"/>
+            <a:ext cx="4316730" cy="931545"/>
+          </a:xfrm>
+          <a:prstGeom prst="rect">
+            <a:avLst/>
+          </a:prstGeom>
+          <a:noFill/>
+        </p:spPr>
+        <p:txBody>
+          <a:bodyPr wrap="square" rtlCol="0">
+            <a:spAutoFit/>
+            <a:scene3d>
+              <a:camera prst="orthographicFront"/>
+              <a:lightRig rig="threePt" dir="t"/>
+            </a:scene3d>
+            <a:sp3d contourW="12700"/>
+          </a:bodyPr>
+          <a:p>
+            <a:pPr algn="l">
+              <a:lnSpc>
+                <a:spcPct val="114000"/>
+              </a:lnSpc>
+            </a:pPr>
+            <a:r>
+              <a:rPr lang="tr-TR" altLang="en-US" sz="1600" dirty="0">
+                <a:solidFill>
+                  <a:srgbClr val="333333"/>
+                </a:solidFill>
+                <a:latin typeface="Arial" panose="020B0604020202020204" pitchFamily="34" charset="0"/>
+                <a:ea typeface="+mj-ea"/>
+              </a:rPr>
+              <a:t>Aşağıdaki php cümlesini eklediğimizde alert yazısını ikon ve diğer fonksiyonlarını echo ediyoruz.</a:t>
+            </a:r>
+            <a:endParaRPr lang="tr-TR" altLang="en-US" sz="1600" dirty="0">
+              <a:solidFill>
+                <a:srgbClr val="333333"/>
+              </a:solidFill>
+              <a:latin typeface="Arial" panose="020B0604020202020204" pitchFamily="34" charset="0"/>
+              <a:ea typeface="+mj-ea"/>
+            </a:endParaRPr>
+          </a:p>
+        </p:txBody>
+      </p:sp>
+      <p:sp>
+        <p:nvSpPr>
+          <p:cNvPr id="10" name="Text Box 9"/>
+          <p:cNvSpPr txBox="1"/>
+          <p:nvPr/>
+        </p:nvSpPr>
+        <p:spPr>
+          <a:xfrm>
+            <a:off x="6917055" y="2788285"/>
+            <a:ext cx="4239895" cy="922020"/>
+          </a:xfrm>
+          <a:prstGeom prst="rect">
+            <a:avLst/>
+          </a:prstGeom>
+          <a:noFill/>
+        </p:spPr>
+        <p:txBody>
+          <a:bodyPr wrap="square" rtlCol="0">
+            <a:spAutoFit/>
+          </a:bodyPr>
+          <a:p>
+            <a:r>
+              <a:rPr lang="en-US">
+                <a:solidFill>
+                  <a:schemeClr val="bg2">
+                    <a:lumMod val="50000"/>
+                  </a:schemeClr>
+                </a:solidFill>
+              </a:rPr>
+              <a:t>echo</a:t>
+            </a:r>
+            <a:r>
+              <a:rPr lang="tr-TR" altLang="en-US">
+                <a:solidFill>
+                  <a:schemeClr val="bg2">
+                    <a:lumMod val="50000"/>
+                  </a:schemeClr>
+                </a:solidFill>
+              </a:rPr>
+              <a:t> </a:t>
+            </a:r>
+            <a:r>
+              <a:rPr lang="en-US">
+                <a:solidFill>
+                  <a:schemeClr val="bg2">
+                    <a:lumMod val="50000"/>
+                  </a:schemeClr>
+                </a:solidFill>
+              </a:rPr>
+              <a:t>swal('İşlem','Başarılı','success','Tamam','sayfaadi.php',$LANG);</a:t>
+            </a:r>
+            <a:endParaRPr lang="en-US">
+              <a:solidFill>
+                <a:schemeClr val="bg2">
+                  <a:lumMod val="50000"/>
+                </a:schemeClr>
+              </a:solidFill>
+            </a:endParaRPr>
+          </a:p>
+        </p:txBody>
+      </p:sp>
+    </p:spTree>
+  </p:cSld>
+  <p:clrMapOvr>
+    <a:masterClrMapping/>
+  </p:clrMapOvr>
+  <p:timing>
+    <p:tnLst>
+      <p:par>
+        <p:cTn id="1" dur="indefinite" restart="never" nodeType="tmRoot">
+          <p:childTnLst>
+            <p:seq concurrent="1" nextAc="seek">
+              <p:cTn id="2" dur="indefinite" nodeType="mainSeq">
+                <p:childTnLst>
+                  <p:par>
+                    <p:cTn id="3" fill="hold">
+                      <p:stCondLst>
+                        <p:cond delay="indefinite"/>
+                        <p:cond evt="onBegin" delay="0">
+                          <p:tn val="2"/>
+                        </p:cond>
+                      </p:stCondLst>
+                      <p:childTnLst>
+                        <p:par>
+                          <p:cTn id="4" fill="hold">
+                            <p:stCondLst>
+                              <p:cond delay="0"/>
+                            </p:stCondLst>
+                            <p:childTnLst>
+                              <p:par>
+                                <p:cTn id="5" presetID="2" presetClass="entr" presetSubtype="2" decel="100000" fill="hold" grpId="0" nodeType="withEffect">
+                                  <p:stCondLst>
+                                    <p:cond delay="0"/>
+                                  </p:stCondLst>
+                                  <p:childTnLst>
+                                    <p:set>
+                                      <p:cBhvr>
+                                        <p:cTn id="6" dur="1" fill="hold">
+                                          <p:stCondLst>
+                                            <p:cond delay="0"/>
+                                          </p:stCondLst>
+                                        </p:cTn>
+                                        <p:tgtEl>
+                                          <p:spTgt spid="8"/>
+                                        </p:tgtEl>
+                                        <p:attrNameLst>
+                                          <p:attrName>style.visibility</p:attrName>
+                                        </p:attrNameLst>
+                                      </p:cBhvr>
+                                      <p:to>
+                                        <p:strVal val="visible"/>
+                                      </p:to>
+                                    </p:set>
+                                    <p:anim calcmode="lin" valueType="num">
+                                      <p:cBhvr additive="base">
+                                        <p:cTn id="7" dur="750" fill="hold"/>
+                                        <p:tgtEl>
+                                          <p:spTgt spid="8"/>
+                                        </p:tgtEl>
+                                        <p:attrNameLst>
+                                          <p:attrName>ppt_x</p:attrName>
+                                        </p:attrNameLst>
+                                      </p:cBhvr>
+                                      <p:tavLst>
+                                        <p:tav tm="0">
+                                          <p:val>
+                                            <p:strVal val="1+#ppt_w/2"/>
+                                          </p:val>
+                                        </p:tav>
+                                        <p:tav tm="100000">
+                                          <p:val>
+                                            <p:strVal val="#ppt_x"/>
+                                          </p:val>
+                                        </p:tav>
+                                      </p:tavLst>
+                                    </p:anim>
+                                    <p:anim calcmode="lin" valueType="num">
+                                      <p:cBhvr additive="base">
+                                        <p:cTn id="8" dur="750" fill="hold"/>
+                                        <p:tgtEl>
+                                          <p:spTgt spid="8"/>
+                                        </p:tgtEl>
+                                        <p:attrNameLst>
+                                          <p:attrName>ppt_y</p:attrName>
+                                        </p:attrNameLst>
+                                      </p:cBhvr>
+                                      <p:tavLst>
+                                        <p:tav tm="0">
+                                          <p:val>
+                                            <p:strVal val="#ppt_y"/>
+                                          </p:val>
+                                        </p:tav>
+                                        <p:tav tm="100000">
+                                          <p:val>
+                                            <p:strVal val="#ppt_y"/>
+                                          </p:val>
+                                        </p:tav>
+                                      </p:tavLst>
+                                    </p:anim>
+                                  </p:childTnLst>
+                                </p:cTn>
+                              </p:par>
+                              <p:par>
+                                <p:cTn id="9" presetID="2" presetClass="entr" presetSubtype="2" decel="100000" fill="hold" grpId="0" nodeType="withEffect">
+                                  <p:stCondLst>
+                                    <p:cond delay="0"/>
+                                  </p:stCondLst>
+                                  <p:childTnLst>
+                                    <p:set>
+                                      <p:cBhvr>
+                                        <p:cTn id="10" dur="1" fill="hold">
+                                          <p:stCondLst>
+                                            <p:cond delay="0"/>
+                                          </p:stCondLst>
+                                        </p:cTn>
+                                        <p:tgtEl>
+                                          <p:spTgt spid="7"/>
+                                        </p:tgtEl>
+                                        <p:attrNameLst>
+                                          <p:attrName>style.visibility</p:attrName>
+                                        </p:attrNameLst>
+                                      </p:cBhvr>
+                                      <p:to>
+                                        <p:strVal val="visible"/>
+                                      </p:to>
+                                    </p:set>
+                                    <p:anim calcmode="lin" valueType="num">
+                                      <p:cBhvr additive="base">
+                                        <p:cTn id="11" dur="750" fill="hold"/>
+                                        <p:tgtEl>
+                                          <p:spTgt spid="7"/>
+                                        </p:tgtEl>
+                                        <p:attrNameLst>
+                                          <p:attrName>ppt_x</p:attrName>
+                                        </p:attrNameLst>
+                                      </p:cBhvr>
+                                      <p:tavLst>
+                                        <p:tav tm="0">
+                                          <p:val>
+                                            <p:strVal val="1+#ppt_w/2"/>
+                                          </p:val>
+                                        </p:tav>
+                                        <p:tav tm="100000">
+                                          <p:val>
+                                            <p:strVal val="#ppt_x"/>
+                                          </p:val>
+                                        </p:tav>
+                                      </p:tavLst>
+                                    </p:anim>
+                                    <p:anim calcmode="lin" valueType="num">
+                                      <p:cBhvr additive="base">
+                                        <p:cTn id="12" dur="750" fill="hold"/>
+                                        <p:tgtEl>
+                                          <p:spTgt spid="7"/>
+                                        </p:tgtEl>
+                                        <p:attrNameLst>
+                                          <p:attrName>ppt_y</p:attrName>
+                                        </p:attrNameLst>
+                                      </p:cBhvr>
+                                      <p:tavLst>
+                                        <p:tav tm="0">
+                                          <p:val>
+                                            <p:strVal val="#ppt_y"/>
+                                          </p:val>
+                                        </p:tav>
+                                        <p:tav tm="100000">
+                                          <p:val>
+                                            <p:strVal val="#ppt_y"/>
+                                          </p:val>
+                                        </p:tav>
+                                      </p:tavLst>
+                                    </p:anim>
+                                  </p:childTnLst>
+                                </p:cTn>
+                              </p:par>
+                            </p:childTnLst>
+                          </p:cTn>
+                        </p:par>
+                      </p:childTnLst>
+                    </p:cTn>
+                  </p:par>
+                </p:childTnLst>
+              </p:cTn>
+              <p:prevCondLst>
+                <p:cond evt="onPrev" delay="0">
+                  <p:tgtEl>
+                    <p:sldTgt/>
+                  </p:tgtEl>
+                </p:cond>
+              </p:prevCondLst>
+              <p:nextCondLst>
+                <p:cond evt="onNext" delay="0">
+                  <p:tgtEl>
+                    <p:sldTgt/>
+                  </p:tgtEl>
+                </p:cond>
+              </p:nextCondLst>
+            </p:seq>
+          </p:childTnLst>
+        </p:cTn>
+      </p:par>
+    </p:tnLst>
+    <p:bldLst>
+      <p:bldP spid="8" grpId="0" bldLvl="0" animBg="1"/>
+      <p:bldP spid="7" grpId="0" bldLvl="0" animBg="1"/>
+    </p:bldLst>
+  </p:timing>
+</p:sld>
+</file>
+
+<file path=ppt/slides/slide22.xml><?xml version="1.0" encoding="utf-8"?>
+<p:sld xmlns:a="http://schemas.openxmlformats.org/drawingml/2006/main" xmlns:r="http://schemas.openxmlformats.org/officeDocument/2006/relationships" xmlns:p="http://schemas.openxmlformats.org/presentationml/2006/main">
+  <p:cSld>
+    <p:spTree>
+      <p:nvGrpSpPr>
+        <p:cNvPr id="1" name=""/>
+        <p:cNvGrpSpPr/>
+        <p:nvPr/>
+      </p:nvGrpSpPr>
+      <p:grpSpPr>
+        <a:xfrm>
+          <a:off x="0" y="0"/>
+          <a:ext cx="0" cy="0"/>
+          <a:chOff x="0" y="0"/>
+          <a:chExt cx="0" cy="0"/>
+        </a:xfrm>
+      </p:grpSpPr>
+      <p:cxnSp>
+        <p:nvCxnSpPr>
+          <p:cNvPr id="4" name="直接连接符 3" descr="e7d195523061f1c0deeec63e560781cfd59afb0ea006f2a87ABB68BF51EA6619813959095094C18C62A12F549504892A4AAA8C1554C6663626E05CA27F281A14E6983772AFC3FB97135759321DEA3D7047B2D20B121D4E05A6D0F227958A32026FEBB3ABD36322023181A2FF8EA235E789B1C6FF9A70CDD2C90B48B40EB7806F7806DF616AB3CE63"/>
+          <p:cNvCxnSpPr/>
+          <p:nvPr/>
+        </p:nvCxnSpPr>
+        <p:spPr>
+          <a:xfrm flipH="1">
+            <a:off x="1793809" y="1256083"/>
+            <a:ext cx="3600000" cy="2"/>
+          </a:xfrm>
+          <a:prstGeom prst="line">
+            <a:avLst/>
+          </a:prstGeom>
+          <a:ln w="63500">
+            <a:solidFill>
+              <a:srgbClr val="333333"/>
+            </a:solidFill>
+          </a:ln>
+        </p:spPr>
+        <p:style>
+          <a:lnRef idx="1">
+            <a:schemeClr val="accent1"/>
+          </a:lnRef>
+          <a:fillRef idx="0">
+            <a:schemeClr val="accent1"/>
+          </a:fillRef>
+          <a:effectRef idx="0">
+            <a:schemeClr val="accent1"/>
+          </a:effectRef>
+          <a:fontRef idx="minor">
+            <a:schemeClr val="tx1"/>
+          </a:fontRef>
+        </p:style>
+      </p:cxnSp>
+      <p:pic>
+        <p:nvPicPr>
+          <p:cNvPr id="5" name="图片 4"/>
+          <p:cNvPicPr>
+            <a:picLocks noChangeAspect="1"/>
+          </p:cNvPicPr>
+          <p:nvPr/>
+        </p:nvPicPr>
+        <p:blipFill>
+          <a:blip r:embed="rId1"/>
+          <a:stretch>
+            <a:fillRect/>
+          </a:stretch>
+        </p:blipFill>
+        <p:spPr>
+          <a:xfrm>
+            <a:off x="0" y="177059"/>
+            <a:ext cx="1188720" cy="1188752"/>
+          </a:xfrm>
+          <a:prstGeom prst="rect">
+            <a:avLst/>
+          </a:prstGeom>
+        </p:spPr>
+      </p:pic>
+      <p:sp>
+        <p:nvSpPr>
+          <p:cNvPr id="6" name="文本框 5"/>
+          <p:cNvSpPr txBox="1"/>
+          <p:nvPr/>
+        </p:nvSpPr>
+        <p:spPr>
+          <a:xfrm>
+            <a:off x="2283170" y="417492"/>
+            <a:ext cx="2807970" cy="706755"/>
+          </a:xfrm>
+          <a:prstGeom prst="rect">
+            <a:avLst/>
+          </a:prstGeom>
+          <a:noFill/>
+        </p:spPr>
+        <p:txBody>
+          <a:bodyPr wrap="none" rtlCol="0">
+            <a:spAutoFit/>
+          </a:bodyPr>
+          <a:lstStyle/>
+          <a:p>
+            <a:pPr algn="ctr"/>
+            <a:r>
+              <a:rPr lang="tr-TR" altLang="zh-CN" sz="4000" b="1" dirty="0">
+                <a:solidFill>
+                  <a:srgbClr val="333333"/>
+                </a:solidFill>
+                <a:latin typeface="Arial" panose="020B0604020202020204" pitchFamily="34" charset="0"/>
+                <a:ea typeface="Arial" panose="020B0604020202020204" pitchFamily="34" charset="0"/>
+              </a:rPr>
+              <a:t>sweet alert</a:t>
+            </a:r>
+            <a:endParaRPr lang="tr-TR" altLang="zh-CN" sz="4000" b="1" dirty="0">
+              <a:solidFill>
+                <a:srgbClr val="333333"/>
+              </a:solidFill>
+              <a:latin typeface="Arial" panose="020B0604020202020204" pitchFamily="34" charset="0"/>
+              <a:ea typeface="Arial" panose="020B0604020202020204" pitchFamily="34" charset="0"/>
+            </a:endParaRPr>
+          </a:p>
+        </p:txBody>
+      </p:sp>
+      <p:sp>
+        <p:nvSpPr>
+          <p:cNvPr id="8" name="矩形 7"/>
+          <p:cNvSpPr/>
+          <p:nvPr/>
+        </p:nvSpPr>
+        <p:spPr>
+          <a:xfrm>
+            <a:off x="869315" y="1598930"/>
+            <a:ext cx="4524375" cy="882650"/>
+          </a:xfrm>
+          <a:prstGeom prst="rect">
+            <a:avLst/>
+          </a:prstGeom>
+          <a:noFill/>
+          <a:ln w="50800">
+            <a:solidFill>
+              <a:srgbClr val="333333"/>
+            </a:solidFill>
+          </a:ln>
+        </p:spPr>
+        <p:style>
+          <a:lnRef idx="2">
+            <a:schemeClr val="accent1">
+              <a:shade val="50000"/>
+            </a:schemeClr>
+          </a:lnRef>
+          <a:fillRef idx="1">
+            <a:schemeClr val="accent1"/>
+          </a:fillRef>
+          <a:effectRef idx="0">
+            <a:schemeClr val="accent1"/>
+          </a:effectRef>
+          <a:fontRef idx="minor">
+            <a:schemeClr val="lt1"/>
+          </a:fontRef>
+        </p:style>
+        <p:txBody>
+          <a:bodyPr rtlCol="0" anchor="ctr"/>
+          <a:lstStyle/>
+          <a:p>
+            <a:pPr algn="ctr"/>
+            <a:endParaRPr lang="zh-CN" altLang="en-US"/>
+          </a:p>
+        </p:txBody>
+      </p:sp>
+      <p:sp>
+        <p:nvSpPr>
+          <p:cNvPr id="22" name="文本框 21"/>
+          <p:cNvSpPr txBox="1"/>
+          <p:nvPr/>
+        </p:nvSpPr>
+        <p:spPr>
+          <a:xfrm>
+            <a:off x="954405" y="1729740"/>
+            <a:ext cx="4316730" cy="651510"/>
+          </a:xfrm>
+          <a:prstGeom prst="rect">
+            <a:avLst/>
+          </a:prstGeom>
+          <a:noFill/>
+        </p:spPr>
+        <p:txBody>
+          <a:bodyPr wrap="square" rtlCol="0">
+            <a:spAutoFit/>
+            <a:scene3d>
+              <a:camera prst="orthographicFront"/>
+              <a:lightRig rig="threePt" dir="t"/>
+            </a:scene3d>
+            <a:sp3d contourW="12700"/>
+          </a:bodyPr>
+          <a:lstStyle/>
+          <a:p>
+            <a:pPr algn="l">
+              <a:lnSpc>
+                <a:spcPct val="114000"/>
+              </a:lnSpc>
+            </a:pPr>
+            <a:r>
+              <a:rPr lang="tr-TR" altLang="en-US" sz="1600" dirty="0">
+                <a:solidFill>
+                  <a:srgbClr val="333333"/>
+                </a:solidFill>
+                <a:latin typeface="Arial" panose="020B0604020202020204" pitchFamily="34" charset="0"/>
+                <a:ea typeface="+mj-ea"/>
+              </a:rPr>
+              <a:t>Ancak kullanabilmek için bir de fonksiyona ihtiyacımız var.</a:t>
+            </a:r>
+            <a:endParaRPr lang="tr-TR" altLang="en-US" sz="1600" dirty="0">
+              <a:solidFill>
+                <a:srgbClr val="333333"/>
+              </a:solidFill>
+              <a:latin typeface="Arial" panose="020B0604020202020204" pitchFamily="34" charset="0"/>
+              <a:ea typeface="+mj-ea"/>
+            </a:endParaRPr>
+          </a:p>
+        </p:txBody>
+      </p:sp>
+      <p:pic>
+        <p:nvPicPr>
+          <p:cNvPr id="2" name="Picture 1" descr="1"/>
+          <p:cNvPicPr>
+            <a:picLocks noChangeAspect="1"/>
+          </p:cNvPicPr>
+          <p:nvPr/>
+        </p:nvPicPr>
+        <p:blipFill>
+          <a:blip r:embed="rId2"/>
+          <a:stretch>
+            <a:fillRect/>
+          </a:stretch>
+        </p:blipFill>
+        <p:spPr>
+          <a:xfrm>
+            <a:off x="314325" y="2745105"/>
+            <a:ext cx="5080000" cy="2470785"/>
+          </a:xfrm>
+          <a:prstGeom prst="rect">
+            <a:avLst/>
+          </a:prstGeom>
+        </p:spPr>
+      </p:pic>
+      <p:pic>
+        <p:nvPicPr>
+          <p:cNvPr id="3" name="Picture 2" descr="2"/>
+          <p:cNvPicPr>
+            <a:picLocks noChangeAspect="1"/>
+          </p:cNvPicPr>
+          <p:nvPr/>
+        </p:nvPicPr>
+        <p:blipFill>
+          <a:blip r:embed="rId3"/>
+          <a:stretch>
+            <a:fillRect/>
+          </a:stretch>
+        </p:blipFill>
+        <p:spPr>
+          <a:xfrm>
+            <a:off x="5522595" y="1598930"/>
+            <a:ext cx="6569710" cy="3616325"/>
+          </a:xfrm>
+          <a:prstGeom prst="rect">
+            <a:avLst/>
+          </a:prstGeom>
+        </p:spPr>
+      </p:pic>
+    </p:spTree>
+  </p:cSld>
+  <p:clrMapOvr>
+    <a:masterClrMapping/>
+  </p:clrMapOvr>
+  <p:timing>
+    <p:tnLst>
+      <p:par>
+        <p:cTn id="1" dur="indefinite" restart="never" nodeType="tmRoot">
+          <p:childTnLst>
+            <p:seq concurrent="1" nextAc="seek">
+              <p:cTn id="2" dur="indefinite" nodeType="mainSeq">
+                <p:childTnLst>
+                  <p:par>
+                    <p:cTn id="3" fill="hold">
+                      <p:stCondLst>
+                        <p:cond delay="indefinite"/>
+                        <p:cond evt="onBegin" delay="0">
+                          <p:tn val="2"/>
+                        </p:cond>
+                      </p:stCondLst>
+                      <p:childTnLst>
+                        <p:par>
+                          <p:cTn id="4" fill="hold">
+                            <p:stCondLst>
+                              <p:cond delay="0"/>
+                            </p:stCondLst>
+                            <p:childTnLst>
+                              <p:par>
+                                <p:cTn id="5" presetID="2" presetClass="entr" presetSubtype="2" decel="100000" fill="hold" grpId="0" nodeType="withEffect">
+                                  <p:stCondLst>
+                                    <p:cond delay="0"/>
+                                  </p:stCondLst>
+                                  <p:childTnLst>
+                                    <p:set>
+                                      <p:cBhvr>
+                                        <p:cTn id="6" dur="1" fill="hold">
+                                          <p:stCondLst>
+                                            <p:cond delay="0"/>
+                                          </p:stCondLst>
+                                        </p:cTn>
+                                        <p:tgtEl>
+                                          <p:spTgt spid="8"/>
+                                        </p:tgtEl>
+                                        <p:attrNameLst>
+                                          <p:attrName>style.visibility</p:attrName>
+                                        </p:attrNameLst>
+                                      </p:cBhvr>
+                                      <p:to>
+                                        <p:strVal val="visible"/>
+                                      </p:to>
+                                    </p:set>
+                                    <p:anim calcmode="lin" valueType="num">
+                                      <p:cBhvr additive="base">
+                                        <p:cTn id="7" dur="750" fill="hold"/>
+                                        <p:tgtEl>
+                                          <p:spTgt spid="8"/>
+                                        </p:tgtEl>
+                                        <p:attrNameLst>
+                                          <p:attrName>ppt_x</p:attrName>
+                                        </p:attrNameLst>
+                                      </p:cBhvr>
+                                      <p:tavLst>
+                                        <p:tav tm="0">
+                                          <p:val>
+                                            <p:strVal val="1+#ppt_w/2"/>
+                                          </p:val>
+                                        </p:tav>
+                                        <p:tav tm="100000">
+                                          <p:val>
+                                            <p:strVal val="#ppt_x"/>
+                                          </p:val>
+                                        </p:tav>
+                                      </p:tavLst>
+                                    </p:anim>
+                                    <p:anim calcmode="lin" valueType="num">
+                                      <p:cBhvr additive="base">
+                                        <p:cTn id="8" dur="750" fill="hold"/>
+                                        <p:tgtEl>
+                                          <p:spTgt spid="8"/>
+                                        </p:tgtEl>
+                                        <p:attrNameLst>
+                                          <p:attrName>ppt_y</p:attrName>
+                                        </p:attrNameLst>
+                                      </p:cBhvr>
+                                      <p:tavLst>
+                                        <p:tav tm="0">
+                                          <p:val>
+                                            <p:strVal val="#ppt_y"/>
+                                          </p:val>
+                                        </p:tav>
+                                        <p:tav tm="100000">
+                                          <p:val>
+                                            <p:strVal val="#ppt_y"/>
+                                          </p:val>
+                                        </p:tav>
+                                      </p:tavLst>
+                                    </p:anim>
+                                  </p:childTnLst>
+                                </p:cTn>
+                              </p:par>
+                            </p:childTnLst>
+                          </p:cTn>
+                        </p:par>
+                      </p:childTnLst>
+                    </p:cTn>
+                  </p:par>
+                </p:childTnLst>
+              </p:cTn>
+              <p:prevCondLst>
+                <p:cond evt="onPrev" delay="0">
+                  <p:tgtEl>
+                    <p:sldTgt/>
+                  </p:tgtEl>
+                </p:cond>
+              </p:prevCondLst>
+              <p:nextCondLst>
+                <p:cond evt="onNext" delay="0">
+                  <p:tgtEl>
+                    <p:sldTgt/>
+                  </p:tgtEl>
+                </p:cond>
+              </p:nextCondLst>
+            </p:seq>
+          </p:childTnLst>
+        </p:cTn>
+      </p:par>
+    </p:tnLst>
+    <p:bldLst>
+      <p:bldP spid="8" grpId="0" bldLvl="0" animBg="1"/>
+    </p:bldLst>
+  </p:timing>
+</p:sld>
+</file>
+
+<file path=ppt/slides/slide23.xml><?xml version="1.0" encoding="utf-8"?>
+<p:sld xmlns:a="http://schemas.openxmlformats.org/drawingml/2006/main" xmlns:r="http://schemas.openxmlformats.org/officeDocument/2006/relationships" xmlns:p="http://schemas.openxmlformats.org/presentationml/2006/main">
+  <p:cSld>
+    <p:spTree>
+      <p:nvGrpSpPr>
+        <p:cNvPr id="1" name=""/>
+        <p:cNvGrpSpPr/>
+        <p:nvPr/>
+      </p:nvGrpSpPr>
+      <p:grpSpPr>
+        <a:xfrm>
+          <a:off x="0" y="0"/>
+          <a:ext cx="0" cy="0"/>
+          <a:chOff x="0" y="0"/>
+          <a:chExt cx="0" cy="0"/>
+        </a:xfrm>
+      </p:grpSpPr>
+      <p:cxnSp>
+        <p:nvCxnSpPr>
+          <p:cNvPr id="4" name="直接连接符 3" descr="e7d195523061f1c0deeec63e560781cfd59afb0ea006f2a87ABB68BF51EA6619813959095094C18C62A12F549504892A4AAA8C1554C6663626E05CA27F281A14E6983772AFC3FB97135759321DEA3D7047B2D20B121D4E05A6D0F227958A32026FEBB3ABD36322023181A2FF8EA235E789B1C6FF9A70CDD2C90B48B40EB7806F7806DF616AB3CE63"/>
+          <p:cNvCxnSpPr/>
+          <p:nvPr/>
+        </p:nvCxnSpPr>
+        <p:spPr>
+          <a:xfrm flipH="1">
+            <a:off x="1793809" y="1256083"/>
+            <a:ext cx="3600000" cy="2"/>
+          </a:xfrm>
+          <a:prstGeom prst="line">
+            <a:avLst/>
+          </a:prstGeom>
+          <a:ln w="63500">
+            <a:solidFill>
+              <a:srgbClr val="333333"/>
+            </a:solidFill>
+          </a:ln>
+        </p:spPr>
+        <p:style>
+          <a:lnRef idx="1">
+            <a:schemeClr val="accent1"/>
+          </a:lnRef>
+          <a:fillRef idx="0">
+            <a:schemeClr val="accent1"/>
+          </a:fillRef>
+          <a:effectRef idx="0">
+            <a:schemeClr val="accent1"/>
+          </a:effectRef>
+          <a:fontRef idx="minor">
+            <a:schemeClr val="tx1"/>
+          </a:fontRef>
+        </p:style>
+      </p:cxnSp>
+      <p:pic>
+        <p:nvPicPr>
+          <p:cNvPr id="5" name="图片 4"/>
+          <p:cNvPicPr>
+            <a:picLocks noChangeAspect="1"/>
+          </p:cNvPicPr>
+          <p:nvPr/>
+        </p:nvPicPr>
+        <p:blipFill>
+          <a:blip r:embed="rId1"/>
+          <a:stretch>
+            <a:fillRect/>
+          </a:stretch>
+        </p:blipFill>
+        <p:spPr>
+          <a:xfrm>
+            <a:off x="0" y="177059"/>
+            <a:ext cx="1188720" cy="1188752"/>
+          </a:xfrm>
+          <a:prstGeom prst="rect">
+            <a:avLst/>
+          </a:prstGeom>
+        </p:spPr>
+      </p:pic>
+      <p:sp>
+        <p:nvSpPr>
+          <p:cNvPr id="8" name="矩形 7"/>
+          <p:cNvSpPr/>
+          <p:nvPr/>
+        </p:nvSpPr>
+        <p:spPr>
+          <a:xfrm>
+            <a:off x="3094355" y="1593215"/>
+            <a:ext cx="5814060" cy="644525"/>
+          </a:xfrm>
+          <a:prstGeom prst="rect">
+            <a:avLst/>
+          </a:prstGeom>
+          <a:noFill/>
+          <a:ln w="50800">
+            <a:solidFill>
+              <a:srgbClr val="333333"/>
+            </a:solidFill>
+          </a:ln>
+        </p:spPr>
+        <p:style>
+          <a:lnRef idx="2">
+            <a:schemeClr val="accent1">
+              <a:shade val="50000"/>
+            </a:schemeClr>
+          </a:lnRef>
+          <a:fillRef idx="1">
+            <a:schemeClr val="accent1"/>
+          </a:fillRef>
+          <a:effectRef idx="0">
+            <a:schemeClr val="accent1"/>
+          </a:effectRef>
+          <a:fontRef idx="minor">
+            <a:schemeClr val="lt1"/>
+          </a:fontRef>
+        </p:style>
+        <p:txBody>
+          <a:bodyPr rtlCol="0" anchor="ctr"/>
+          <a:lstStyle/>
+          <a:p>
+            <a:pPr algn="ctr"/>
+            <a:endParaRPr lang="zh-CN" altLang="en-US"/>
+          </a:p>
+        </p:txBody>
+      </p:sp>
+      <p:sp>
+        <p:nvSpPr>
+          <p:cNvPr id="22" name="文本框 21"/>
+          <p:cNvSpPr txBox="1"/>
+          <p:nvPr/>
+        </p:nvSpPr>
+        <p:spPr>
+          <a:xfrm>
+            <a:off x="3244215" y="1729740"/>
+            <a:ext cx="5497195" cy="371475"/>
+          </a:xfrm>
+          <a:prstGeom prst="rect">
+            <a:avLst/>
+          </a:prstGeom>
+          <a:noFill/>
+        </p:spPr>
+        <p:txBody>
+          <a:bodyPr wrap="square" rtlCol="0">
+            <a:spAutoFit/>
+            <a:scene3d>
+              <a:camera prst="orthographicFront"/>
+              <a:lightRig rig="threePt" dir="t"/>
+            </a:scene3d>
+            <a:sp3d contourW="12700"/>
+          </a:bodyPr>
+          <a:lstStyle/>
+          <a:p>
+            <a:pPr algn="l">
+              <a:lnSpc>
+                <a:spcPct val="114000"/>
+              </a:lnSpc>
+            </a:pPr>
+            <a:r>
+              <a:rPr lang="tr-TR" altLang="en-US" sz="1600" dirty="0">
+                <a:solidFill>
+                  <a:srgbClr val="333333"/>
+                </a:solidFill>
+                <a:latin typeface="Arial" panose="020B0604020202020204" pitchFamily="34" charset="0"/>
+                <a:ea typeface="+mj-ea"/>
+              </a:rPr>
+              <a:t>Her ikisini de css de arka planı ayarlamak için kullanıyoruz.</a:t>
+            </a:r>
+            <a:endParaRPr lang="tr-TR" altLang="en-US" sz="1600" dirty="0">
+              <a:solidFill>
+                <a:srgbClr val="333333"/>
+              </a:solidFill>
+              <a:latin typeface="Arial" panose="020B0604020202020204" pitchFamily="34" charset="0"/>
+              <a:ea typeface="+mj-ea"/>
+            </a:endParaRPr>
+          </a:p>
+        </p:txBody>
+      </p:sp>
+      <p:sp>
+        <p:nvSpPr>
+          <p:cNvPr id="25" name="矩形 24"/>
+          <p:cNvSpPr/>
+          <p:nvPr/>
+        </p:nvSpPr>
+        <p:spPr>
+          <a:xfrm>
+            <a:off x="1470809" y="-2156254"/>
+            <a:ext cx="970486" cy="1731477"/>
+          </a:xfrm>
+          <a:prstGeom prst="rect">
+            <a:avLst/>
+          </a:prstGeom>
+          <a:solidFill>
+            <a:srgbClr val="333333"/>
+          </a:solidFill>
+          <a:ln>
+            <a:noFill/>
+          </a:ln>
+        </p:spPr>
+        <p:style>
+          <a:lnRef idx="2">
+            <a:schemeClr val="accent1">
+              <a:shade val="50000"/>
+            </a:schemeClr>
+          </a:lnRef>
+          <a:fillRef idx="1">
+            <a:schemeClr val="accent1"/>
+          </a:fillRef>
+          <a:effectRef idx="0">
+            <a:schemeClr val="accent1"/>
+          </a:effectRef>
+          <a:fontRef idx="minor">
+            <a:schemeClr val="lt1"/>
+          </a:fontRef>
+        </p:style>
+        <p:txBody>
+          <a:bodyPr rtlCol="0" anchor="ctr"/>
+          <a:lstStyle/>
+          <a:p>
+            <a:pPr algn="ctr"/>
+            <a:endParaRPr lang="zh-CN" altLang="en-US"/>
+          </a:p>
+        </p:txBody>
+      </p:sp>
+      <p:sp>
+        <p:nvSpPr>
+          <p:cNvPr id="21" name="文本框 20"/>
+          <p:cNvSpPr txBox="1"/>
+          <p:nvPr/>
+        </p:nvSpPr>
+        <p:spPr>
+          <a:xfrm>
+            <a:off x="1188967" y="237667"/>
+            <a:ext cx="4600575" cy="829945"/>
+          </a:xfrm>
+          <a:prstGeom prst="rect">
+            <a:avLst/>
+          </a:prstGeom>
+          <a:noFill/>
+        </p:spPr>
+        <p:txBody>
+          <a:bodyPr wrap="none" rtlCol="0">
+            <a:spAutoFit/>
+          </a:bodyPr>
+          <a:p>
+            <a:pPr algn="ctr"/>
+            <a:r>
+              <a:rPr lang="tr-TR" altLang="zh-CN" sz="2400" b="1" dirty="0">
+                <a:solidFill>
+                  <a:srgbClr val="333333"/>
+                </a:solidFill>
+                <a:latin typeface="Arial" panose="020B0604020202020204" pitchFamily="34" charset="0"/>
+                <a:ea typeface="Arial" panose="020B0604020202020204" pitchFamily="34" charset="0"/>
+              </a:rPr>
+              <a:t>background / bacground-color</a:t>
+            </a:r>
+            <a:endParaRPr lang="tr-TR" altLang="zh-CN" sz="2400" b="1" dirty="0">
+              <a:solidFill>
+                <a:srgbClr val="333333"/>
+              </a:solidFill>
+              <a:latin typeface="Arial" panose="020B0604020202020204" pitchFamily="34" charset="0"/>
+              <a:ea typeface="Arial" panose="020B0604020202020204" pitchFamily="34" charset="0"/>
+            </a:endParaRPr>
+          </a:p>
+          <a:p>
+            <a:pPr algn="ctr"/>
+            <a:r>
+              <a:rPr lang="tr-TR" altLang="zh-CN" sz="2400" b="1" dirty="0">
+                <a:solidFill>
+                  <a:srgbClr val="333333"/>
+                </a:solidFill>
+                <a:latin typeface="Arial" panose="020B0604020202020204" pitchFamily="34" charset="0"/>
+                <a:ea typeface="Arial" panose="020B0604020202020204" pitchFamily="34" charset="0"/>
+              </a:rPr>
+              <a:t>Arasındaki Fark</a:t>
+            </a:r>
+            <a:endParaRPr lang="tr-TR" altLang="zh-CN" sz="2400" b="1" dirty="0">
+              <a:solidFill>
+                <a:srgbClr val="333333"/>
+              </a:solidFill>
+              <a:latin typeface="Arial" panose="020B0604020202020204" pitchFamily="34" charset="0"/>
+              <a:ea typeface="Arial" panose="020B0604020202020204" pitchFamily="34" charset="0"/>
+            </a:endParaRPr>
+          </a:p>
+        </p:txBody>
+      </p:sp>
+      <p:sp>
+        <p:nvSpPr>
+          <p:cNvPr id="2" name="矩形 7"/>
+          <p:cNvSpPr/>
+          <p:nvPr/>
+        </p:nvSpPr>
+        <p:spPr>
+          <a:xfrm>
+            <a:off x="278765" y="2763520"/>
+            <a:ext cx="11681460" cy="2310765"/>
+          </a:xfrm>
+          <a:prstGeom prst="rect">
+            <a:avLst/>
+          </a:prstGeom>
+          <a:noFill/>
+          <a:ln w="50800">
+            <a:solidFill>
+              <a:srgbClr val="333333"/>
+            </a:solidFill>
+          </a:ln>
+        </p:spPr>
+        <p:style>
+          <a:lnRef idx="2">
+            <a:schemeClr val="accent1">
+              <a:shade val="50000"/>
+            </a:schemeClr>
+          </a:lnRef>
+          <a:fillRef idx="1">
+            <a:schemeClr val="accent1"/>
+          </a:fillRef>
+          <a:effectRef idx="0">
+            <a:schemeClr val="accent1"/>
+          </a:effectRef>
+          <a:fontRef idx="minor">
+            <a:schemeClr val="lt1"/>
+          </a:fontRef>
+        </p:style>
+        <p:txBody>
+          <a:bodyPr rtlCol="0" anchor="ctr"/>
+          <a:p>
+            <a:pPr algn="ctr"/>
+            <a:endParaRPr lang="zh-CN" altLang="en-US"/>
+          </a:p>
+        </p:txBody>
+      </p:sp>
+      <p:sp>
+        <p:nvSpPr>
+          <p:cNvPr id="3" name="文本框 21"/>
+          <p:cNvSpPr txBox="1"/>
+          <p:nvPr/>
+        </p:nvSpPr>
+        <p:spPr>
+          <a:xfrm>
+            <a:off x="510540" y="3110230"/>
+            <a:ext cx="11164570" cy="1844675"/>
+          </a:xfrm>
+          <a:prstGeom prst="rect">
+            <a:avLst/>
+          </a:prstGeom>
+          <a:noFill/>
+        </p:spPr>
+        <p:txBody>
+          <a:bodyPr wrap="square" rtlCol="0">
+            <a:spAutoFit/>
+            <a:scene3d>
+              <a:camera prst="orthographicFront"/>
+              <a:lightRig rig="threePt" dir="t"/>
+            </a:scene3d>
+            <a:sp3d contourW="12700"/>
+          </a:bodyPr>
+          <a:p>
+            <a:pPr marL="285750" indent="-285750" algn="l">
+              <a:lnSpc>
+                <a:spcPct val="114000"/>
+              </a:lnSpc>
+              <a:buFont typeface="Arial" panose="020B0604020202020204" pitchFamily="34" charset="0"/>
+              <a:buChar char="•"/>
+            </a:pPr>
+            <a:r>
+              <a:rPr lang="tr-TR" altLang="en-US" sz="2000" dirty="0">
+                <a:solidFill>
+                  <a:srgbClr val="333333"/>
+                </a:solidFill>
+                <a:latin typeface="Arial" panose="020B0604020202020204" pitchFamily="34" charset="0"/>
+                <a:ea typeface="+mj-ea"/>
+              </a:rPr>
+              <a:t>Background, background-color’ a göre daha performanslı olarak çalışır. (34.45ms / 69.34ms)</a:t>
+            </a:r>
+            <a:endParaRPr lang="tr-TR" altLang="en-US" sz="2000" dirty="0">
+              <a:solidFill>
+                <a:srgbClr val="333333"/>
+              </a:solidFill>
+              <a:latin typeface="Arial" panose="020B0604020202020204" pitchFamily="34" charset="0"/>
+              <a:ea typeface="+mj-ea"/>
+            </a:endParaRPr>
+          </a:p>
+          <a:p>
+            <a:pPr marL="285750" indent="-285750" algn="l">
+              <a:lnSpc>
+                <a:spcPct val="114000"/>
+              </a:lnSpc>
+              <a:buFont typeface="Arial" panose="020B0604020202020204" pitchFamily="34" charset="0"/>
+              <a:buChar char="•"/>
+            </a:pPr>
+            <a:r>
+              <a:rPr lang="tr-TR" altLang="en-US" sz="2000" dirty="0">
+                <a:solidFill>
+                  <a:srgbClr val="333333"/>
+                </a:solidFill>
+                <a:latin typeface="Arial" panose="020B0604020202020204" pitchFamily="34" charset="0"/>
+                <a:ea typeface="+mj-ea"/>
+              </a:rPr>
+              <a:t>Background özelliği ile renk, resim, tekrar etme, pozisyon vb. gibi özellikleri tek seferde ayarlayabiliriz.</a:t>
+            </a:r>
+            <a:endParaRPr lang="tr-TR" altLang="en-US" sz="2000" dirty="0">
+              <a:solidFill>
+                <a:srgbClr val="333333"/>
+              </a:solidFill>
+              <a:latin typeface="Arial" panose="020B0604020202020204" pitchFamily="34" charset="0"/>
+              <a:ea typeface="+mj-ea"/>
+            </a:endParaRPr>
+          </a:p>
+          <a:p>
+            <a:pPr marL="285750" indent="-285750" algn="l">
+              <a:lnSpc>
+                <a:spcPct val="114000"/>
+              </a:lnSpc>
+              <a:buFont typeface="Arial" panose="020B0604020202020204" pitchFamily="34" charset="0"/>
+              <a:buChar char="•"/>
+            </a:pPr>
+            <a:r>
+              <a:rPr lang="tr-TR" altLang="en-US" sz="2000" dirty="0">
+                <a:solidFill>
+                  <a:srgbClr val="333333"/>
+                </a:solidFill>
+                <a:latin typeface="Arial" panose="020B0604020202020204" pitchFamily="34" charset="0"/>
+                <a:ea typeface="+mj-ea"/>
+              </a:rPr>
+              <a:t>Background’ u kullanıyorsak bunu background-color özelliği ile geçersiz kılamayız.</a:t>
+            </a:r>
+            <a:endParaRPr lang="tr-TR" altLang="en-US" sz="2000" dirty="0">
+              <a:solidFill>
+                <a:srgbClr val="333333"/>
+              </a:solidFill>
+              <a:latin typeface="Arial" panose="020B0604020202020204" pitchFamily="34" charset="0"/>
+              <a:ea typeface="+mj-ea"/>
+            </a:endParaRPr>
+          </a:p>
+          <a:p>
+            <a:pPr marL="285750" indent="-285750" algn="l">
+              <a:lnSpc>
+                <a:spcPct val="114000"/>
+              </a:lnSpc>
+              <a:buFont typeface="Arial" panose="020B0604020202020204" pitchFamily="34" charset="0"/>
+              <a:buChar char="•"/>
+            </a:pPr>
+            <a:r>
+              <a:rPr lang="tr-TR" altLang="en-US" sz="2000" dirty="0">
+                <a:solidFill>
+                  <a:srgbClr val="333333"/>
+                </a:solidFill>
+                <a:latin typeface="Arial" panose="020B0604020202020204" pitchFamily="34" charset="0"/>
+                <a:ea typeface="+mj-ea"/>
+              </a:rPr>
+              <a:t>Background-color ile degrade ayarlayamayız.</a:t>
+            </a:r>
+            <a:endParaRPr lang="tr-TR" altLang="en-US" sz="2000" dirty="0">
+              <a:solidFill>
+                <a:srgbClr val="333333"/>
+              </a:solidFill>
+              <a:latin typeface="Arial" panose="020B0604020202020204" pitchFamily="34" charset="0"/>
+              <a:ea typeface="+mj-ea"/>
+            </a:endParaRPr>
+          </a:p>
+        </p:txBody>
+      </p:sp>
+    </p:spTree>
+  </p:cSld>
+  <p:clrMapOvr>
+    <a:masterClrMapping/>
+  </p:clrMapOvr>
+  <p:timing>
+    <p:tnLst>
+      <p:par>
+        <p:cTn id="1" dur="indefinite" restart="never" nodeType="tmRoot">
+          <p:childTnLst>
+            <p:seq concurrent="1" nextAc="seek">
+              <p:cTn id="2" dur="indefinite" nodeType="mainSeq">
+                <p:childTnLst>
+                  <p:par>
+                    <p:cTn id="3" fill="hold">
+                      <p:stCondLst>
+                        <p:cond delay="indefinite"/>
+                        <p:cond evt="onBegin" delay="0">
+                          <p:tn val="2"/>
+                        </p:cond>
+                      </p:stCondLst>
+                      <p:childTnLst>
+                        <p:par>
+                          <p:cTn id="4" fill="hold">
+                            <p:stCondLst>
+                              <p:cond delay="0"/>
+                            </p:stCondLst>
+                            <p:childTnLst>
+                              <p:par>
+                                <p:cTn id="5" presetID="2" presetClass="entr" presetSubtype="2" decel="100000" fill="hold" grpId="0" nodeType="withEffect">
+                                  <p:stCondLst>
+                                    <p:cond delay="0"/>
+                                  </p:stCondLst>
+                                  <p:childTnLst>
+                                    <p:set>
+                                      <p:cBhvr>
+                                        <p:cTn id="6" dur="1" fill="hold">
+                                          <p:stCondLst>
+                                            <p:cond delay="0"/>
+                                          </p:stCondLst>
+                                        </p:cTn>
+                                        <p:tgtEl>
+                                          <p:spTgt spid="8"/>
+                                        </p:tgtEl>
+                                        <p:attrNameLst>
+                                          <p:attrName>style.visibility</p:attrName>
+                                        </p:attrNameLst>
+                                      </p:cBhvr>
+                                      <p:to>
+                                        <p:strVal val="visible"/>
+                                      </p:to>
+                                    </p:set>
+                                    <p:anim calcmode="lin" valueType="num">
+                                      <p:cBhvr additive="base">
+                                        <p:cTn id="7" dur="750" fill="hold"/>
+                                        <p:tgtEl>
+                                          <p:spTgt spid="8"/>
+                                        </p:tgtEl>
+                                        <p:attrNameLst>
+                                          <p:attrName>ppt_x</p:attrName>
+                                        </p:attrNameLst>
+                                      </p:cBhvr>
+                                      <p:tavLst>
+                                        <p:tav tm="0">
+                                          <p:val>
+                                            <p:strVal val="1+#ppt_w/2"/>
+                                          </p:val>
+                                        </p:tav>
+                                        <p:tav tm="100000">
+                                          <p:val>
+                                            <p:strVal val="#ppt_x"/>
+                                          </p:val>
+                                        </p:tav>
+                                      </p:tavLst>
+                                    </p:anim>
+                                    <p:anim calcmode="lin" valueType="num">
+                                      <p:cBhvr additive="base">
+                                        <p:cTn id="8" dur="750" fill="hold"/>
+                                        <p:tgtEl>
+                                          <p:spTgt spid="8"/>
+                                        </p:tgtEl>
+                                        <p:attrNameLst>
+                                          <p:attrName>ppt_y</p:attrName>
+                                        </p:attrNameLst>
+                                      </p:cBhvr>
+                                      <p:tavLst>
+                                        <p:tav tm="0">
+                                          <p:val>
+                                            <p:strVal val="#ppt_y"/>
+                                          </p:val>
+                                        </p:tav>
+                                        <p:tav tm="100000">
+                                          <p:val>
+                                            <p:strVal val="#ppt_y"/>
+                                          </p:val>
+                                        </p:tav>
+                                      </p:tavLst>
+                                    </p:anim>
+                                  </p:childTnLst>
+                                </p:cTn>
+                              </p:par>
+                              <p:par>
+                                <p:cTn id="9" presetID="2" presetClass="entr" presetSubtype="2" decel="100000" fill="hold" grpId="0" nodeType="withEffect">
+                                  <p:stCondLst>
+                                    <p:cond delay="0"/>
+                                  </p:stCondLst>
+                                  <p:childTnLst>
+                                    <p:set>
+                                      <p:cBhvr>
+                                        <p:cTn id="10" dur="1" fill="hold">
+                                          <p:stCondLst>
+                                            <p:cond delay="0"/>
+                                          </p:stCondLst>
+                                        </p:cTn>
+                                        <p:tgtEl>
+                                          <p:spTgt spid="2"/>
+                                        </p:tgtEl>
+                                        <p:attrNameLst>
+                                          <p:attrName>style.visibility</p:attrName>
+                                        </p:attrNameLst>
+                                      </p:cBhvr>
+                                      <p:to>
+                                        <p:strVal val="visible"/>
+                                      </p:to>
+                                    </p:set>
+                                    <p:anim calcmode="lin" valueType="num">
+                                      <p:cBhvr additive="base">
+                                        <p:cTn id="11" dur="750" fill="hold"/>
+                                        <p:tgtEl>
+                                          <p:spTgt spid="2"/>
+                                        </p:tgtEl>
+                                        <p:attrNameLst>
+                                          <p:attrName>ppt_x</p:attrName>
+                                        </p:attrNameLst>
+                                      </p:cBhvr>
+                                      <p:tavLst>
+                                        <p:tav tm="0">
+                                          <p:val>
+                                            <p:strVal val="1+#ppt_w/2"/>
+                                          </p:val>
+                                        </p:tav>
+                                        <p:tav tm="100000">
+                                          <p:val>
+                                            <p:strVal val="#ppt_x"/>
+                                          </p:val>
+                                        </p:tav>
+                                      </p:tavLst>
+                                    </p:anim>
+                                    <p:anim calcmode="lin" valueType="num">
+                                      <p:cBhvr additive="base">
+                                        <p:cTn id="12" dur="750" fill="hold"/>
+                                        <p:tgtEl>
+                                          <p:spTgt spid="2"/>
+                                        </p:tgtEl>
+                                        <p:attrNameLst>
+                                          <p:attrName>ppt_y</p:attrName>
+                                        </p:attrNameLst>
+                                      </p:cBhvr>
+                                      <p:tavLst>
+                                        <p:tav tm="0">
+                                          <p:val>
+                                            <p:strVal val="#ppt_y"/>
+                                          </p:val>
+                                        </p:tav>
+                                        <p:tav tm="100000">
+                                          <p:val>
+                                            <p:strVal val="#ppt_y"/>
+                                          </p:val>
+                                        </p:tav>
+                                      </p:tavLst>
+                                    </p:anim>
+                                  </p:childTnLst>
+                                </p:cTn>
+                              </p:par>
+                            </p:childTnLst>
+                          </p:cTn>
+                        </p:par>
+                      </p:childTnLst>
+                    </p:cTn>
+                  </p:par>
+                </p:childTnLst>
+              </p:cTn>
+              <p:prevCondLst>
+                <p:cond evt="onPrev" delay="0">
+                  <p:tgtEl>
+                    <p:sldTgt/>
+                  </p:tgtEl>
+                </p:cond>
+              </p:prevCondLst>
+              <p:nextCondLst>
+                <p:cond evt="onNext" delay="0">
+                  <p:tgtEl>
+                    <p:sldTgt/>
+                  </p:tgtEl>
+                </p:cond>
+              </p:nextCondLst>
+            </p:seq>
+          </p:childTnLst>
+        </p:cTn>
+      </p:par>
+    </p:tnLst>
+    <p:bldLst>
+      <p:bldP spid="8" grpId="0" bldLvl="0" animBg="1"/>
+      <p:bldP spid="2" grpId="0" bldLvl="0" animBg="1"/>
+    </p:bldLst>
+  </p:timing>
+</p:sld>
+</file>
+
+<file path=ppt/slides/slide24.xml><?xml version="1.0" encoding="utf-8"?>
+<p:sld xmlns:a="http://schemas.openxmlformats.org/drawingml/2006/main" xmlns:r="http://schemas.openxmlformats.org/officeDocument/2006/relationships" xmlns:p="http://schemas.openxmlformats.org/presentationml/2006/main">
+  <p:cSld>
+    <p:spTree>
+      <p:nvGrpSpPr>
+        <p:cNvPr id="1" name=""/>
+        <p:cNvGrpSpPr/>
+        <p:nvPr/>
+      </p:nvGrpSpPr>
+      <p:grpSpPr>
+        <a:xfrm>
+          <a:off x="0" y="0"/>
+          <a:ext cx="0" cy="0"/>
+          <a:chOff x="0" y="0"/>
+          <a:chExt cx="0" cy="0"/>
+        </a:xfrm>
+      </p:grpSpPr>
+      <p:cxnSp>
+        <p:nvCxnSpPr>
+          <p:cNvPr id="4" name="直接连接符 3" descr="e7d195523061f1c0deeec63e560781cfd59afb0ea006f2a87ABB68BF51EA6619813959095094C18C62A12F549504892A4AAA8C1554C6663626E05CA27F281A14E6983772AFC3FB97135759321DEA3D7047B2D20B121D4E05A6D0F227958A32026FEBB3ABD36322023181A2FF8EA235E789B1C6FF9A70CDD2C90B48B40EB7806F7806DF616AB3CE63"/>
+          <p:cNvCxnSpPr/>
+          <p:nvPr/>
+        </p:nvCxnSpPr>
+        <p:spPr>
+          <a:xfrm flipH="1">
+            <a:off x="1793809" y="1256083"/>
+            <a:ext cx="3600000" cy="2"/>
+          </a:xfrm>
+          <a:prstGeom prst="line">
+            <a:avLst/>
+          </a:prstGeom>
+          <a:ln w="63500">
+            <a:solidFill>
+              <a:srgbClr val="333333"/>
+            </a:solidFill>
+          </a:ln>
+        </p:spPr>
+        <p:style>
+          <a:lnRef idx="1">
+            <a:schemeClr val="accent1"/>
+          </a:lnRef>
+          <a:fillRef idx="0">
+            <a:schemeClr val="accent1"/>
+          </a:fillRef>
+          <a:effectRef idx="0">
+            <a:schemeClr val="accent1"/>
+          </a:effectRef>
+          <a:fontRef idx="minor">
+            <a:schemeClr val="tx1"/>
+          </a:fontRef>
+        </p:style>
+      </p:cxnSp>
+      <p:pic>
+        <p:nvPicPr>
+          <p:cNvPr id="5" name="图片 4"/>
+          <p:cNvPicPr>
+            <a:picLocks noChangeAspect="1"/>
+          </p:cNvPicPr>
+          <p:nvPr/>
+        </p:nvPicPr>
+        <p:blipFill>
+          <a:blip r:embed="rId1"/>
+          <a:stretch>
+            <a:fillRect/>
+          </a:stretch>
+        </p:blipFill>
+        <p:spPr>
+          <a:xfrm>
+            <a:off x="0" y="177059"/>
+            <a:ext cx="1188720" cy="1188752"/>
+          </a:xfrm>
+          <a:prstGeom prst="rect">
+            <a:avLst/>
+          </a:prstGeom>
+        </p:spPr>
+      </p:pic>
+      <p:sp>
+        <p:nvSpPr>
+          <p:cNvPr id="8" name="矩形 7"/>
+          <p:cNvSpPr/>
+          <p:nvPr/>
+        </p:nvSpPr>
+        <p:spPr>
+          <a:xfrm>
+            <a:off x="240665" y="1606550"/>
+            <a:ext cx="5814060" cy="4208145"/>
+          </a:xfrm>
+          <a:prstGeom prst="rect">
+            <a:avLst/>
+          </a:prstGeom>
+          <a:noFill/>
+          <a:ln w="50800">
+            <a:solidFill>
+              <a:srgbClr val="333333"/>
+            </a:solidFill>
+          </a:ln>
+        </p:spPr>
+        <p:style>
+          <a:lnRef idx="2">
+            <a:schemeClr val="accent1">
+              <a:shade val="50000"/>
+            </a:schemeClr>
+          </a:lnRef>
+          <a:fillRef idx="1">
+            <a:schemeClr val="accent1"/>
+          </a:fillRef>
+          <a:effectRef idx="0">
+            <a:schemeClr val="accent1"/>
+          </a:effectRef>
+          <a:fontRef idx="minor">
+            <a:schemeClr val="lt1"/>
+          </a:fontRef>
+        </p:style>
+        <p:txBody>
+          <a:bodyPr rtlCol="0" anchor="ctr"/>
+          <a:lstStyle/>
+          <a:p>
+            <a:pPr algn="ctr"/>
+            <a:endParaRPr lang="zh-CN" altLang="en-US"/>
+          </a:p>
+        </p:txBody>
+      </p:sp>
+      <p:sp>
+        <p:nvSpPr>
+          <p:cNvPr id="22" name="文本框 21"/>
+          <p:cNvSpPr txBox="1"/>
+          <p:nvPr/>
+        </p:nvSpPr>
+        <p:spPr>
+          <a:xfrm>
+            <a:off x="390525" y="1743075"/>
+            <a:ext cx="5497195" cy="4013835"/>
+          </a:xfrm>
+          <a:prstGeom prst="rect">
+            <a:avLst/>
+          </a:prstGeom>
+          <a:noFill/>
+        </p:spPr>
+        <p:txBody>
+          <a:bodyPr wrap="square" rtlCol="0">
+            <a:spAutoFit/>
+            <a:scene3d>
+              <a:camera prst="orthographicFront"/>
+              <a:lightRig rig="threePt" dir="t"/>
+            </a:scene3d>
+            <a:sp3d contourW="12700"/>
+          </a:bodyPr>
+          <a:lstStyle/>
+          <a:p>
+            <a:pPr algn="ctr">
+              <a:lnSpc>
+                <a:spcPct val="114000"/>
+              </a:lnSpc>
+            </a:pPr>
+            <a:r>
+              <a:rPr lang="tr-TR" altLang="en-US" sz="1600" dirty="0">
+                <a:solidFill>
+                  <a:srgbClr val="FF0000"/>
+                </a:solidFill>
+                <a:latin typeface="Arial" panose="020B0604020202020204" pitchFamily="34" charset="0"/>
+                <a:ea typeface="+mj-ea"/>
+              </a:rPr>
+              <a:t>Rebase</a:t>
+            </a:r>
+            <a:endParaRPr lang="tr-TR" altLang="en-US" sz="1600" dirty="0">
+              <a:solidFill>
+                <a:srgbClr val="FF0000"/>
+              </a:solidFill>
+              <a:latin typeface="Arial" panose="020B0604020202020204" pitchFamily="34" charset="0"/>
+              <a:ea typeface="+mj-ea"/>
+            </a:endParaRPr>
+          </a:p>
+          <a:p>
+            <a:pPr algn="l">
+              <a:lnSpc>
+                <a:spcPct val="114000"/>
+              </a:lnSpc>
+            </a:pPr>
+            <a:r>
+              <a:rPr lang="tr-TR" altLang="en-US" sz="1600" dirty="0">
+                <a:solidFill>
+                  <a:srgbClr val="333333"/>
+                </a:solidFill>
+                <a:latin typeface="Arial" panose="020B0604020202020204" pitchFamily="34" charset="0"/>
+                <a:ea typeface="+mj-ea"/>
+              </a:rPr>
+              <a:t>Rebase komutu iki branch'ı entegre etmek için kullanılan merge komutuna alternatif bir komuttur. Örnek olarak Brach-B’ deki değişiklikleri Branch-A’ya entengre etemek istersek şu komutu kullanırız.: “$git rebase Branch-B”</a:t>
+            </a:r>
+            <a:endParaRPr lang="tr-TR" altLang="en-US" sz="1600" dirty="0">
+              <a:solidFill>
+                <a:srgbClr val="333333"/>
+              </a:solidFill>
+              <a:latin typeface="Arial" panose="020B0604020202020204" pitchFamily="34" charset="0"/>
+              <a:ea typeface="+mj-ea"/>
+            </a:endParaRPr>
+          </a:p>
+          <a:p>
+            <a:pPr algn="l">
+              <a:lnSpc>
+                <a:spcPct val="114000"/>
+              </a:lnSpc>
+            </a:pPr>
+            <a:r>
+              <a:rPr lang="tr-TR" altLang="en-US" sz="1600" dirty="0">
+                <a:solidFill>
+                  <a:srgbClr val="333333"/>
+                </a:solidFill>
+                <a:latin typeface="Arial" panose="020B0604020202020204" pitchFamily="34" charset="0"/>
+                <a:ea typeface="+mj-ea"/>
+              </a:rPr>
+              <a:t>Bo komut ile Git öncelike Branch-A ile Branch-B'nin ortak en son commit'ini bulup ortak commit sonrasında Branch-A'da yapılan diğer tüm commit'leri geri alır. Aslında bu commitler silinmez sadece geçici olarak farklı bir yerde saklanır. Daha sonra Branch-B'deki tüm commitler Branch-A'ya uygulanır. Son aşamada ise Branch-A'nın geçici olarak farklı bir yerde saklanan commit'leri tekrar uygulanır. Bu işlemler sonrasında tüm değişiklikler sanki sadece Branch-A üzerinde gerçekleşmiş gibi görünür.</a:t>
+            </a:r>
+            <a:endParaRPr lang="tr-TR" altLang="en-US" sz="1600" dirty="0">
+              <a:solidFill>
+                <a:srgbClr val="333333"/>
+              </a:solidFill>
+              <a:latin typeface="Arial" panose="020B0604020202020204" pitchFamily="34" charset="0"/>
+              <a:ea typeface="+mj-ea"/>
+            </a:endParaRPr>
+          </a:p>
+        </p:txBody>
+      </p:sp>
+      <p:sp>
+        <p:nvSpPr>
+          <p:cNvPr id="11" name="文本框 20"/>
+          <p:cNvSpPr txBox="1"/>
+          <p:nvPr/>
+        </p:nvSpPr>
+        <p:spPr>
+          <a:xfrm>
+            <a:off x="1635373" y="114477"/>
+            <a:ext cx="3758565" cy="953135"/>
+          </a:xfrm>
+          <a:prstGeom prst="rect">
+            <a:avLst/>
+          </a:prstGeom>
+          <a:noFill/>
+        </p:spPr>
+        <p:txBody>
+          <a:bodyPr wrap="none" rtlCol="0">
+            <a:spAutoFit/>
+          </a:bodyPr>
+          <a:p>
+            <a:pPr algn="ctr"/>
+            <a:r>
+              <a:rPr lang="tr-TR" altLang="zh-CN" sz="2800" b="1" dirty="0">
+                <a:solidFill>
+                  <a:srgbClr val="333333"/>
+                </a:solidFill>
+                <a:latin typeface="Arial" panose="020B0604020202020204" pitchFamily="34" charset="0"/>
+                <a:ea typeface="Arial" panose="020B0604020202020204" pitchFamily="34" charset="0"/>
+              </a:rPr>
+              <a:t>fast forward / rebase </a:t>
+            </a:r>
+            <a:endParaRPr lang="tr-TR" altLang="zh-CN" sz="2800" b="1" dirty="0">
+              <a:solidFill>
+                <a:srgbClr val="333333"/>
+              </a:solidFill>
+              <a:latin typeface="Arial" panose="020B0604020202020204" pitchFamily="34" charset="0"/>
+              <a:ea typeface="Arial" panose="020B0604020202020204" pitchFamily="34" charset="0"/>
+            </a:endParaRPr>
+          </a:p>
+          <a:p>
+            <a:pPr algn="ctr"/>
+            <a:r>
+              <a:rPr lang="tr-TR" altLang="zh-CN" sz="2800" b="1" dirty="0">
+                <a:solidFill>
+                  <a:srgbClr val="333333"/>
+                </a:solidFill>
+                <a:latin typeface="Arial" panose="020B0604020202020204" pitchFamily="34" charset="0"/>
+                <a:ea typeface="Arial" panose="020B0604020202020204" pitchFamily="34" charset="0"/>
+              </a:rPr>
+              <a:t>Arasındaki Fark</a:t>
+            </a:r>
+            <a:endParaRPr lang="tr-TR" altLang="zh-CN" sz="2800" b="1" dirty="0">
+              <a:solidFill>
+                <a:srgbClr val="333333"/>
+              </a:solidFill>
+              <a:latin typeface="Arial" panose="020B0604020202020204" pitchFamily="34" charset="0"/>
+              <a:ea typeface="Arial" panose="020B0604020202020204" pitchFamily="34" charset="0"/>
+            </a:endParaRPr>
+          </a:p>
+        </p:txBody>
+      </p:sp>
+      <p:sp>
+        <p:nvSpPr>
+          <p:cNvPr id="6" name="矩形 7"/>
+          <p:cNvSpPr/>
+          <p:nvPr/>
+        </p:nvSpPr>
+        <p:spPr>
+          <a:xfrm>
+            <a:off x="6262688" y="1645920"/>
+            <a:ext cx="5814060" cy="4208145"/>
+          </a:xfrm>
+          <a:prstGeom prst="rect">
+            <a:avLst/>
+          </a:prstGeom>
+          <a:noFill/>
+          <a:ln w="50800">
+            <a:solidFill>
+              <a:srgbClr val="333333"/>
+            </a:solidFill>
+          </a:ln>
+        </p:spPr>
+        <p:style>
+          <a:lnRef idx="2">
+            <a:schemeClr val="accent1">
+              <a:shade val="50000"/>
+            </a:schemeClr>
+          </a:lnRef>
+          <a:fillRef idx="1">
+            <a:schemeClr val="accent1"/>
+          </a:fillRef>
+          <a:effectRef idx="0">
+            <a:schemeClr val="accent1"/>
+          </a:effectRef>
+          <a:fontRef idx="minor">
+            <a:schemeClr val="lt1"/>
+          </a:fontRef>
+        </p:style>
+        <p:txBody>
+          <a:bodyPr rtlCol="0" anchor="ctr"/>
+          <a:p>
+            <a:pPr algn="ctr"/>
+            <a:endParaRPr lang="zh-CN" altLang="en-US"/>
+          </a:p>
+        </p:txBody>
+      </p:sp>
+      <p:sp>
+        <p:nvSpPr>
+          <p:cNvPr id="7" name="文本框 21"/>
+          <p:cNvSpPr txBox="1"/>
+          <p:nvPr/>
+        </p:nvSpPr>
+        <p:spPr>
+          <a:xfrm>
+            <a:off x="6421120" y="1743075"/>
+            <a:ext cx="5497195" cy="4013835"/>
+          </a:xfrm>
+          <a:prstGeom prst="rect">
+            <a:avLst/>
+          </a:prstGeom>
+          <a:noFill/>
+        </p:spPr>
+        <p:txBody>
+          <a:bodyPr wrap="square" rtlCol="0">
+            <a:spAutoFit/>
+            <a:scene3d>
+              <a:camera prst="orthographicFront"/>
+              <a:lightRig rig="threePt" dir="t"/>
+            </a:scene3d>
+            <a:sp3d contourW="12700"/>
+          </a:bodyPr>
+          <a:p>
+            <a:pPr algn="ctr">
+              <a:lnSpc>
+                <a:spcPct val="114000"/>
+              </a:lnSpc>
+            </a:pPr>
+            <a:r>
+              <a:rPr lang="tr-TR" altLang="en-US" sz="1600" dirty="0">
+                <a:solidFill>
+                  <a:srgbClr val="FF0000"/>
+                </a:solidFill>
+                <a:latin typeface="Arial" panose="020B0604020202020204" pitchFamily="34" charset="0"/>
+                <a:ea typeface="+mj-ea"/>
+              </a:rPr>
+              <a:t>Fast Forward</a:t>
+            </a:r>
+            <a:endParaRPr lang="tr-TR" altLang="en-US" sz="1600" dirty="0">
+              <a:solidFill>
+                <a:srgbClr val="FF0000"/>
+              </a:solidFill>
+              <a:latin typeface="Arial" panose="020B0604020202020204" pitchFamily="34" charset="0"/>
+              <a:ea typeface="+mj-ea"/>
+            </a:endParaRPr>
+          </a:p>
+          <a:p>
+            <a:pPr algn="l">
+              <a:lnSpc>
+                <a:spcPct val="114000"/>
+              </a:lnSpc>
+            </a:pPr>
+            <a:r>
+              <a:rPr lang="tr-TR" altLang="en-US" sz="1600" dirty="0">
+                <a:solidFill>
+                  <a:srgbClr val="333333"/>
+                </a:solidFill>
+                <a:latin typeface="Arial" panose="020B0604020202020204" pitchFamily="34" charset="0"/>
+                <a:ea typeface="+mj-ea"/>
+              </a:rPr>
+              <a:t>Basit bazı durumlarda branch'lerden bir tanesinde herhangi bir değişiklik yapılmamıştır ve bu branch'in ortak commit'i ve son commit'i aynıdır. Bu durumda merge işlemi çok basitleşir ve git diğer branch'in tüm commit'lerini ortak commit'in üzerine ekleyerek merge işlemini yapar. Bu özel duruma Git terminolojisinde "Fast-Forward Merge" denir ve her iki branch'in geçmişi de ortaktır.</a:t>
+            </a:r>
+            <a:endParaRPr lang="tr-TR" altLang="en-US" sz="1600" dirty="0">
+              <a:solidFill>
+                <a:srgbClr val="333333"/>
+              </a:solidFill>
+              <a:latin typeface="Arial" panose="020B0604020202020204" pitchFamily="34" charset="0"/>
+              <a:ea typeface="+mj-ea"/>
+            </a:endParaRPr>
+          </a:p>
+          <a:p>
+            <a:pPr algn="l">
+              <a:lnSpc>
+                <a:spcPct val="114000"/>
+              </a:lnSpc>
+            </a:pPr>
+            <a:r>
+              <a:rPr lang="tr-TR" altLang="en-US" sz="1600" dirty="0">
+                <a:solidFill>
+                  <a:srgbClr val="333333"/>
+                </a:solidFill>
+                <a:latin typeface="Arial" panose="020B0604020202020204" pitchFamily="34" charset="0"/>
+                <a:ea typeface="+mj-ea"/>
+              </a:rPr>
+              <a:t>Fakat çoğu zaman her iki branch'de birbirinden bağımsız olarak değişikliğe uğrar ve geçmiş açısından birbirinden uzaklaşırlar. Bu durumda merge işlemini yapmak için Git'in her iki branch arasındaki değişiklikleri içeren otomatik bir commit oluşturması gerekir. Oluşturulan bu commit'e Git terminolojisinde "Merge Commit" denir.</a:t>
+            </a:r>
+            <a:endParaRPr lang="tr-TR" altLang="en-US" sz="1600" dirty="0">
+              <a:solidFill>
+                <a:srgbClr val="333333"/>
+              </a:solidFill>
+              <a:latin typeface="Arial" panose="020B0604020202020204" pitchFamily="34" charset="0"/>
+              <a:ea typeface="+mj-ea"/>
+            </a:endParaRPr>
+          </a:p>
+        </p:txBody>
+      </p:sp>
+    </p:spTree>
+  </p:cSld>
+  <p:clrMapOvr>
+    <a:masterClrMapping/>
+  </p:clrMapOvr>
+  <p:timing>
+    <p:tnLst>
+      <p:par>
+        <p:cTn id="1" dur="indefinite" restart="never" nodeType="tmRoot">
+          <p:childTnLst>
+            <p:seq concurrent="1" nextAc="seek">
+              <p:cTn id="2" dur="indefinite" nodeType="mainSeq">
+                <p:childTnLst>
+                  <p:par>
+                    <p:cTn id="3" fill="hold">
+                      <p:stCondLst>
+                        <p:cond delay="indefinite"/>
+                        <p:cond evt="onBegin" delay="0">
+                          <p:tn val="2"/>
+                        </p:cond>
+                      </p:stCondLst>
+                      <p:childTnLst>
+                        <p:par>
+                          <p:cTn id="4" fill="hold">
+                            <p:stCondLst>
+                              <p:cond delay="0"/>
+                            </p:stCondLst>
+                            <p:childTnLst>
+                              <p:par>
+                                <p:cTn id="5" presetID="2" presetClass="entr" presetSubtype="2" decel="100000" fill="hold" grpId="0" nodeType="withEffect">
+                                  <p:stCondLst>
+                                    <p:cond delay="0"/>
+                                  </p:stCondLst>
+                                  <p:childTnLst>
+                                    <p:set>
+                                      <p:cBhvr>
+                                        <p:cTn id="6" dur="1" fill="hold">
+                                          <p:stCondLst>
+                                            <p:cond delay="0"/>
+                                          </p:stCondLst>
+                                        </p:cTn>
+                                        <p:tgtEl>
+                                          <p:spTgt spid="8"/>
+                                        </p:tgtEl>
+                                        <p:attrNameLst>
+                                          <p:attrName>style.visibility</p:attrName>
+                                        </p:attrNameLst>
+                                      </p:cBhvr>
+                                      <p:to>
+                                        <p:strVal val="visible"/>
+                                      </p:to>
+                                    </p:set>
+                                    <p:anim calcmode="lin" valueType="num">
+                                      <p:cBhvr additive="base">
+                                        <p:cTn id="7" dur="750" fill="hold"/>
+                                        <p:tgtEl>
+                                          <p:spTgt spid="8"/>
+                                        </p:tgtEl>
+                                        <p:attrNameLst>
+                                          <p:attrName>ppt_x</p:attrName>
+                                        </p:attrNameLst>
+                                      </p:cBhvr>
+                                      <p:tavLst>
+                                        <p:tav tm="0">
+                                          <p:val>
+                                            <p:strVal val="1+#ppt_w/2"/>
+                                          </p:val>
+                                        </p:tav>
+                                        <p:tav tm="100000">
+                                          <p:val>
+                                            <p:strVal val="#ppt_x"/>
+                                          </p:val>
+                                        </p:tav>
+                                      </p:tavLst>
+                                    </p:anim>
+                                    <p:anim calcmode="lin" valueType="num">
+                                      <p:cBhvr additive="base">
+                                        <p:cTn id="8" dur="750" fill="hold"/>
+                                        <p:tgtEl>
+                                          <p:spTgt spid="8"/>
+                                        </p:tgtEl>
+                                        <p:attrNameLst>
+                                          <p:attrName>ppt_y</p:attrName>
+                                        </p:attrNameLst>
+                                      </p:cBhvr>
+                                      <p:tavLst>
+                                        <p:tav tm="0">
+                                          <p:val>
+                                            <p:strVal val="#ppt_y"/>
+                                          </p:val>
+                                        </p:tav>
+                                        <p:tav tm="100000">
+                                          <p:val>
+                                            <p:strVal val="#ppt_y"/>
+                                          </p:val>
+                                        </p:tav>
+                                      </p:tavLst>
+                                    </p:anim>
+                                  </p:childTnLst>
+                                </p:cTn>
+                              </p:par>
+                              <p:par>
+                                <p:cTn id="9" presetID="2" presetClass="entr" presetSubtype="2" decel="100000" fill="hold" grpId="0" nodeType="withEffect">
+                                  <p:stCondLst>
+                                    <p:cond delay="0"/>
+                                  </p:stCondLst>
+                                  <p:childTnLst>
+                                    <p:set>
+                                      <p:cBhvr>
+                                        <p:cTn id="10" dur="1" fill="hold">
+                                          <p:stCondLst>
+                                            <p:cond delay="0"/>
+                                          </p:stCondLst>
+                                        </p:cTn>
+                                        <p:tgtEl>
+                                          <p:spTgt spid="6"/>
+                                        </p:tgtEl>
+                                        <p:attrNameLst>
+                                          <p:attrName>style.visibility</p:attrName>
+                                        </p:attrNameLst>
+                                      </p:cBhvr>
+                                      <p:to>
+                                        <p:strVal val="visible"/>
+                                      </p:to>
+                                    </p:set>
+                                    <p:anim calcmode="lin" valueType="num">
+                                      <p:cBhvr additive="base">
+                                        <p:cTn id="11" dur="750" fill="hold"/>
+                                        <p:tgtEl>
+                                          <p:spTgt spid="6"/>
+                                        </p:tgtEl>
+                                        <p:attrNameLst>
+                                          <p:attrName>ppt_x</p:attrName>
+                                        </p:attrNameLst>
+                                      </p:cBhvr>
+                                      <p:tavLst>
+                                        <p:tav tm="0">
+                                          <p:val>
+                                            <p:strVal val="1+#ppt_w/2"/>
+                                          </p:val>
+                                        </p:tav>
+                                        <p:tav tm="100000">
+                                          <p:val>
+                                            <p:strVal val="#ppt_x"/>
+                                          </p:val>
+                                        </p:tav>
+                                      </p:tavLst>
+                                    </p:anim>
+                                    <p:anim calcmode="lin" valueType="num">
+                                      <p:cBhvr additive="base">
+                                        <p:cTn id="12" dur="750" fill="hold"/>
+                                        <p:tgtEl>
+                                          <p:spTgt spid="6"/>
+                                        </p:tgtEl>
+                                        <p:attrNameLst>
+                                          <p:attrName>ppt_y</p:attrName>
+                                        </p:attrNameLst>
+                                      </p:cBhvr>
+                                      <p:tavLst>
+                                        <p:tav tm="0">
+                                          <p:val>
+                                            <p:strVal val="#ppt_y"/>
+                                          </p:val>
+                                        </p:tav>
+                                        <p:tav tm="100000">
+                                          <p:val>
+                                            <p:strVal val="#ppt_y"/>
+                                          </p:val>
+                                        </p:tav>
+                                      </p:tavLst>
+                                    </p:anim>
+                                  </p:childTnLst>
+                                </p:cTn>
+                              </p:par>
+                            </p:childTnLst>
+                          </p:cTn>
+                        </p:par>
+                      </p:childTnLst>
+                    </p:cTn>
+                  </p:par>
+                </p:childTnLst>
+              </p:cTn>
+              <p:prevCondLst>
+                <p:cond evt="onPrev" delay="0">
+                  <p:tgtEl>
+                    <p:sldTgt/>
+                  </p:tgtEl>
+                </p:cond>
+              </p:prevCondLst>
+              <p:nextCondLst>
+                <p:cond evt="onNext" delay="0">
+                  <p:tgtEl>
+                    <p:sldTgt/>
+                  </p:tgtEl>
+                </p:cond>
+              </p:nextCondLst>
+            </p:seq>
+          </p:childTnLst>
+        </p:cTn>
+      </p:par>
+    </p:tnLst>
+    <p:bldLst>
+      <p:bldP spid="8" grpId="0" bldLvl="0" animBg="1"/>
+      <p:bldP spid="6" grpId="0" bldLvl="0" animBg="1"/>
     </p:bldLst>
   </p:timing>
 </p:sld>

--- a/Research Homeworks/Research Homeworks.pptx
+++ b/Research Homeworks/Research Homeworks.pptx
@@ -5,10 +5,10 @@
     <p:sldMasterId id="2147483648" r:id="rId1"/>
   </p:sldMasterIdLst>
   <p:notesMasterIdLst>
-    <p:notesMasterId r:id="rId27"/>
+    <p:notesMasterId r:id="rId31"/>
   </p:notesMasterIdLst>
   <p:handoutMasterIdLst>
-    <p:handoutMasterId r:id="rId28"/>
+    <p:handoutMasterId r:id="rId32"/>
   </p:handoutMasterIdLst>
   <p:sldIdLst>
     <p:sldId id="258" r:id="rId3"/>
@@ -35,6 +35,10 @@
     <p:sldId id="303" r:id="rId24"/>
     <p:sldId id="304" r:id="rId25"/>
     <p:sldId id="305" r:id="rId26"/>
+    <p:sldId id="306" r:id="rId27"/>
+    <p:sldId id="307" r:id="rId28"/>
+    <p:sldId id="308" r:id="rId29"/>
+    <p:sldId id="309" r:id="rId30"/>
   </p:sldIdLst>
   <p:sldSz cx="12192000" cy="6858000"/>
   <p:notesSz cx="6858000" cy="9144000"/>
@@ -12394,6 +12398,2352 @@
     <p:bldLst>
       <p:bldP spid="8" grpId="0" bldLvl="0" animBg="1"/>
       <p:bldP spid="6" grpId="0" bldLvl="0" animBg="1"/>
+    </p:bldLst>
+  </p:timing>
+</p:sld>
+</file>
+
+<file path=ppt/slides/slide25.xml><?xml version="1.0" encoding="utf-8"?>
+<p:sld xmlns:a="http://schemas.openxmlformats.org/drawingml/2006/main" xmlns:r="http://schemas.openxmlformats.org/officeDocument/2006/relationships" xmlns:p="http://schemas.openxmlformats.org/presentationml/2006/main">
+  <p:cSld>
+    <p:spTree>
+      <p:nvGrpSpPr>
+        <p:cNvPr id="1" name=""/>
+        <p:cNvGrpSpPr/>
+        <p:nvPr/>
+      </p:nvGrpSpPr>
+      <p:grpSpPr>
+        <a:xfrm>
+          <a:off x="0" y="0"/>
+          <a:ext cx="0" cy="0"/>
+          <a:chOff x="0" y="0"/>
+          <a:chExt cx="0" cy="0"/>
+        </a:xfrm>
+      </p:grpSpPr>
+      <p:pic>
+        <p:nvPicPr>
+          <p:cNvPr id="8" name="图片 7"/>
+          <p:cNvPicPr>
+            <a:picLocks noChangeAspect="1"/>
+          </p:cNvPicPr>
+          <p:nvPr/>
+        </p:nvPicPr>
+        <p:blipFill>
+          <a:blip r:embed="rId1"/>
+          <a:stretch>
+            <a:fillRect/>
+          </a:stretch>
+        </p:blipFill>
+        <p:spPr>
+          <a:xfrm>
+            <a:off x="1080452" y="1151675"/>
+            <a:ext cx="4643692" cy="4643815"/>
+          </a:xfrm>
+          <a:prstGeom prst="rect">
+            <a:avLst/>
+          </a:prstGeom>
+        </p:spPr>
+      </p:pic>
+      <p:sp>
+        <p:nvSpPr>
+          <p:cNvPr id="10" name="文本框 9" descr="e7d195523061f1c0deeec63e560781cfd59afb0ea006f2a87ABB68BF51EA6619813959095094C18C62A12F549504892A4AAA8C1554C6663626E05CA27F281A14E6983772AFC3FB97135759321DEA3D704CB8FFD9D2544D20427D00997056F5C96BEB36E87B176A9A2B0208D5F0253CAA64F289E16775627845AD05F6A8DA43D217D906D92F737DD9"/>
+          <p:cNvSpPr txBox="1"/>
+          <p:nvPr/>
+        </p:nvSpPr>
+        <p:spPr>
+          <a:xfrm>
+            <a:off x="920115" y="3416300"/>
+            <a:ext cx="4496435" cy="645160"/>
+          </a:xfrm>
+          <a:prstGeom prst="rect">
+            <a:avLst/>
+          </a:prstGeom>
+          <a:noFill/>
+          <a:effectLst/>
+        </p:spPr>
+        <p:txBody>
+          <a:bodyPr wrap="square" rtlCol="0">
+            <a:spAutoFit/>
+          </a:bodyPr>
+          <a:lstStyle/>
+          <a:p>
+            <a:pPr algn="ctr"/>
+            <a:r>
+              <a:rPr lang="tr-TR" altLang="en-US" sz="3600" b="1" dirty="0" smtClean="0">
+                <a:solidFill>
+                  <a:srgbClr val="333333"/>
+                </a:solidFill>
+                <a:latin typeface="Arial" panose="020B0604020202020204" pitchFamily="34" charset="0"/>
+                <a:ea typeface="Arial" panose="020B0604020202020204" pitchFamily="34" charset="0"/>
+                <a:cs typeface="Arial" panose="020B0604020202020204" pitchFamily="34" charset="0"/>
+              </a:rPr>
+              <a:t>Ödev-5</a:t>
+            </a:r>
+            <a:endParaRPr lang="tr-TR" altLang="en-US" sz="3600" b="1" dirty="0" smtClean="0">
+              <a:solidFill>
+                <a:srgbClr val="333333"/>
+              </a:solidFill>
+              <a:latin typeface="Arial" panose="020B0604020202020204" pitchFamily="34" charset="0"/>
+              <a:ea typeface="Arial" panose="020B0604020202020204" pitchFamily="34" charset="0"/>
+              <a:cs typeface="Arial" panose="020B0604020202020204" pitchFamily="34" charset="0"/>
+            </a:endParaRPr>
+          </a:p>
+        </p:txBody>
+      </p:sp>
+      <p:cxnSp>
+        <p:nvCxnSpPr>
+          <p:cNvPr id="9" name="直接连接符 16" descr="e7d195523061f1c0deeec63e560781cfd59afb0ea006f2a87ABB68BF51EA6619813959095094C18C62A12F549504892A4AAA8C1554C6663626E05CA27F281A14E6983772AFC3FB97135759321DEA3D7047B2D20B121D4E05A6D0F227958A32026FEBB3ABD36322023181A2FF8EA235E789B1C6FF9A70CDD2C90B48B40EB7806F7806DF616AB3CE63"/>
+          <p:cNvCxnSpPr/>
+          <p:nvPr/>
+        </p:nvCxnSpPr>
+        <p:spPr>
+          <a:xfrm flipH="1" flipV="1">
+            <a:off x="7762240" y="3854450"/>
+            <a:ext cx="4413885" cy="6350"/>
+          </a:xfrm>
+          <a:prstGeom prst="line">
+            <a:avLst/>
+          </a:prstGeom>
+          <a:ln w="63500">
+            <a:solidFill>
+              <a:srgbClr val="333333"/>
+            </a:solidFill>
+          </a:ln>
+        </p:spPr>
+        <p:style>
+          <a:lnRef idx="1">
+            <a:schemeClr val="accent1"/>
+          </a:lnRef>
+          <a:fillRef idx="0">
+            <a:schemeClr val="accent1"/>
+          </a:fillRef>
+          <a:effectRef idx="0">
+            <a:schemeClr val="accent1"/>
+          </a:effectRef>
+          <a:fontRef idx="minor">
+            <a:schemeClr val="tx1"/>
+          </a:fontRef>
+        </p:style>
+      </p:cxnSp>
+      <p:sp>
+        <p:nvSpPr>
+          <p:cNvPr id="11" name="文本框 20"/>
+          <p:cNvSpPr txBox="1"/>
+          <p:nvPr/>
+        </p:nvSpPr>
+        <p:spPr>
+          <a:xfrm>
+            <a:off x="7947908" y="2698292"/>
+            <a:ext cx="4043045" cy="953135"/>
+          </a:xfrm>
+          <a:prstGeom prst="rect">
+            <a:avLst/>
+          </a:prstGeom>
+          <a:noFill/>
+        </p:spPr>
+        <p:txBody>
+          <a:bodyPr wrap="none" rtlCol="0">
+            <a:spAutoFit/>
+          </a:bodyPr>
+          <a:p>
+            <a:pPr algn="ctr"/>
+            <a:r>
+              <a:rPr lang="tr-TR" altLang="zh-CN" sz="2800" b="1" dirty="0">
+                <a:solidFill>
+                  <a:srgbClr val="333333"/>
+                </a:solidFill>
+                <a:latin typeface="Arial" panose="020B0604020202020204" pitchFamily="34" charset="0"/>
+                <a:ea typeface="Arial" panose="020B0604020202020204" pitchFamily="34" charset="0"/>
+              </a:rPr>
+              <a:t>for ile while Arasındaki</a:t>
+            </a:r>
+            <a:endParaRPr lang="tr-TR" altLang="zh-CN" sz="2800" b="1" dirty="0">
+              <a:solidFill>
+                <a:srgbClr val="333333"/>
+              </a:solidFill>
+              <a:latin typeface="Arial" panose="020B0604020202020204" pitchFamily="34" charset="0"/>
+              <a:ea typeface="Arial" panose="020B0604020202020204" pitchFamily="34" charset="0"/>
+            </a:endParaRPr>
+          </a:p>
+          <a:p>
+            <a:pPr algn="ctr"/>
+            <a:r>
+              <a:rPr lang="tr-TR" altLang="zh-CN" sz="2800" b="1" dirty="0">
+                <a:solidFill>
+                  <a:srgbClr val="333333"/>
+                </a:solidFill>
+                <a:latin typeface="Arial" panose="020B0604020202020204" pitchFamily="34" charset="0"/>
+                <a:ea typeface="Arial" panose="020B0604020202020204" pitchFamily="34" charset="0"/>
+              </a:rPr>
+              <a:t>Fark</a:t>
+            </a:r>
+            <a:endParaRPr lang="tr-TR" altLang="zh-CN" sz="2800" b="1" dirty="0">
+              <a:solidFill>
+                <a:srgbClr val="333333"/>
+              </a:solidFill>
+              <a:latin typeface="Arial" panose="020B0604020202020204" pitchFamily="34" charset="0"/>
+              <a:ea typeface="Arial" panose="020B0604020202020204" pitchFamily="34" charset="0"/>
+            </a:endParaRPr>
+          </a:p>
+        </p:txBody>
+      </p:sp>
+      <p:pic>
+        <p:nvPicPr>
+          <p:cNvPr id="12" name="图片 24"/>
+          <p:cNvPicPr>
+            <a:picLocks noChangeAspect="1"/>
+          </p:cNvPicPr>
+          <p:nvPr/>
+        </p:nvPicPr>
+        <p:blipFill rotWithShape="1">
+          <a:blip r:embed="rId2"/>
+          <a:srcRect r="65386"/>
+          <a:stretch>
+            <a:fillRect/>
+          </a:stretch>
+        </p:blipFill>
+        <p:spPr>
+          <a:xfrm rot="16200000">
+            <a:off x="7163903" y="3091373"/>
+            <a:ext cx="288000" cy="832066"/>
+          </a:xfrm>
+          <a:prstGeom prst="rect">
+            <a:avLst/>
+          </a:prstGeom>
+        </p:spPr>
+      </p:pic>
+    </p:spTree>
+  </p:cSld>
+  <p:clrMapOvr>
+    <a:masterClrMapping/>
+  </p:clrMapOvr>
+  <p:timing>
+    <p:tnLst>
+      <p:par>
+        <p:cTn id="1" dur="indefinite" restart="never" nodeType="tmRoot">
+          <p:childTnLst>
+            <p:seq concurrent="1" nextAc="seek">
+              <p:cTn id="2" dur="indefinite" nodeType="mainSeq">
+                <p:childTnLst>
+                  <p:par>
+                    <p:cTn id="3" fill="hold">
+                      <p:stCondLst>
+                        <p:cond delay="indefinite"/>
+                        <p:cond evt="onBegin" delay="0">
+                          <p:tn val="2"/>
+                        </p:cond>
+                      </p:stCondLst>
+                      <p:childTnLst>
+                        <p:par>
+                          <p:cTn id="4" fill="hold">
+                            <p:stCondLst>
+                              <p:cond delay="0"/>
+                            </p:stCondLst>
+                            <p:childTnLst>
+                              <p:par>
+                                <p:cTn id="5" presetID="42" presetClass="entr" presetSubtype="0" fill="hold" grpId="0" nodeType="afterEffect">
+                                  <p:stCondLst>
+                                    <p:cond delay="0"/>
+                                  </p:stCondLst>
+                                  <p:childTnLst>
+                                    <p:set>
+                                      <p:cBhvr>
+                                        <p:cTn id="6" dur="1" fill="hold">
+                                          <p:stCondLst>
+                                            <p:cond delay="0"/>
+                                          </p:stCondLst>
+                                        </p:cTn>
+                                        <p:tgtEl>
+                                          <p:spTgt spid="10"/>
+                                        </p:tgtEl>
+                                        <p:attrNameLst>
+                                          <p:attrName>style.visibility</p:attrName>
+                                        </p:attrNameLst>
+                                      </p:cBhvr>
+                                      <p:to>
+                                        <p:strVal val="visible"/>
+                                      </p:to>
+                                    </p:set>
+                                    <p:animEffect transition="in" filter="fade">
+                                      <p:cBhvr>
+                                        <p:cTn id="7" dur="1000"/>
+                                        <p:tgtEl>
+                                          <p:spTgt spid="10"/>
+                                        </p:tgtEl>
+                                      </p:cBhvr>
+                                    </p:animEffect>
+                                    <p:anim calcmode="lin" valueType="num">
+                                      <p:cBhvr>
+                                        <p:cTn id="8" dur="1000" fill="hold"/>
+                                        <p:tgtEl>
+                                          <p:spTgt spid="10"/>
+                                        </p:tgtEl>
+                                        <p:attrNameLst>
+                                          <p:attrName>ppt_x</p:attrName>
+                                        </p:attrNameLst>
+                                      </p:cBhvr>
+                                      <p:tavLst>
+                                        <p:tav tm="0">
+                                          <p:val>
+                                            <p:strVal val="#ppt_x"/>
+                                          </p:val>
+                                        </p:tav>
+                                        <p:tav tm="100000">
+                                          <p:val>
+                                            <p:strVal val="#ppt_x"/>
+                                          </p:val>
+                                        </p:tav>
+                                      </p:tavLst>
+                                    </p:anim>
+                                    <p:anim calcmode="lin" valueType="num">
+                                      <p:cBhvr>
+                                        <p:cTn id="9" dur="1000" fill="hold"/>
+                                        <p:tgtEl>
+                                          <p:spTgt spid="10"/>
+                                        </p:tgtEl>
+                                        <p:attrNameLst>
+                                          <p:attrName>ppt_y</p:attrName>
+                                        </p:attrNameLst>
+                                      </p:cBhvr>
+                                      <p:tavLst>
+                                        <p:tav tm="0">
+                                          <p:val>
+                                            <p:strVal val="#ppt_y+.1"/>
+                                          </p:val>
+                                        </p:tav>
+                                        <p:tav tm="100000">
+                                          <p:val>
+                                            <p:strVal val="#ppt_y"/>
+                                          </p:val>
+                                        </p:tav>
+                                      </p:tavLst>
+                                    </p:anim>
+                                  </p:childTnLst>
+                                </p:cTn>
+                              </p:par>
+                            </p:childTnLst>
+                          </p:cTn>
+                        </p:par>
+                      </p:childTnLst>
+                    </p:cTn>
+                  </p:par>
+                </p:childTnLst>
+              </p:cTn>
+              <p:prevCondLst>
+                <p:cond evt="onPrev" delay="0">
+                  <p:tgtEl>
+                    <p:sldTgt/>
+                  </p:tgtEl>
+                </p:cond>
+              </p:prevCondLst>
+              <p:nextCondLst>
+                <p:cond evt="onNext" delay="0">
+                  <p:tgtEl>
+                    <p:sldTgt/>
+                  </p:tgtEl>
+                </p:cond>
+              </p:nextCondLst>
+            </p:seq>
+          </p:childTnLst>
+        </p:cTn>
+      </p:par>
+    </p:tnLst>
+    <p:bldLst>
+      <p:bldP spid="10" grpId="0" bldLvl="0" animBg="1"/>
+    </p:bldLst>
+  </p:timing>
+</p:sld>
+</file>
+
+<file path=ppt/slides/slide26.xml><?xml version="1.0" encoding="utf-8"?>
+<p:sld xmlns:a="http://schemas.openxmlformats.org/drawingml/2006/main" xmlns:r="http://schemas.openxmlformats.org/officeDocument/2006/relationships" xmlns:p="http://schemas.openxmlformats.org/presentationml/2006/main">
+  <p:cSld>
+    <p:spTree>
+      <p:nvGrpSpPr>
+        <p:cNvPr id="1" name=""/>
+        <p:cNvGrpSpPr/>
+        <p:nvPr/>
+      </p:nvGrpSpPr>
+      <p:grpSpPr>
+        <a:xfrm>
+          <a:off x="0" y="0"/>
+          <a:ext cx="0" cy="0"/>
+          <a:chOff x="0" y="0"/>
+          <a:chExt cx="0" cy="0"/>
+        </a:xfrm>
+      </p:grpSpPr>
+      <p:cxnSp>
+        <p:nvCxnSpPr>
+          <p:cNvPr id="4" name="直接连接符 3" descr="e7d195523061f1c0deeec63e560781cfd59afb0ea006f2a87ABB68BF51EA6619813959095094C18C62A12F549504892A4AAA8C1554C6663626E05CA27F281A14E6983772AFC3FB97135759321DEA3D7047B2D20B121D4E05A6D0F227958A32026FEBB3ABD36322023181A2FF8EA235E789B1C6FF9A70CDD2C90B48B40EB7806F7806DF616AB3CE63"/>
+          <p:cNvCxnSpPr/>
+          <p:nvPr/>
+        </p:nvCxnSpPr>
+        <p:spPr>
+          <a:xfrm flipH="1">
+            <a:off x="1793809" y="1256083"/>
+            <a:ext cx="3600000" cy="2"/>
+          </a:xfrm>
+          <a:prstGeom prst="line">
+            <a:avLst/>
+          </a:prstGeom>
+          <a:ln w="63500">
+            <a:solidFill>
+              <a:srgbClr val="333333"/>
+            </a:solidFill>
+          </a:ln>
+        </p:spPr>
+        <p:style>
+          <a:lnRef idx="1">
+            <a:schemeClr val="accent1"/>
+          </a:lnRef>
+          <a:fillRef idx="0">
+            <a:schemeClr val="accent1"/>
+          </a:fillRef>
+          <a:effectRef idx="0">
+            <a:schemeClr val="accent1"/>
+          </a:effectRef>
+          <a:fontRef idx="minor">
+            <a:schemeClr val="tx1"/>
+          </a:fontRef>
+        </p:style>
+      </p:cxnSp>
+      <p:pic>
+        <p:nvPicPr>
+          <p:cNvPr id="5" name="图片 4"/>
+          <p:cNvPicPr>
+            <a:picLocks noChangeAspect="1"/>
+          </p:cNvPicPr>
+          <p:nvPr/>
+        </p:nvPicPr>
+        <p:blipFill>
+          <a:blip r:embed="rId1"/>
+          <a:stretch>
+            <a:fillRect/>
+          </a:stretch>
+        </p:blipFill>
+        <p:spPr>
+          <a:xfrm>
+            <a:off x="0" y="177059"/>
+            <a:ext cx="1188720" cy="1188752"/>
+          </a:xfrm>
+          <a:prstGeom prst="rect">
+            <a:avLst/>
+          </a:prstGeom>
+        </p:spPr>
+      </p:pic>
+      <p:sp>
+        <p:nvSpPr>
+          <p:cNvPr id="8" name="矩形 7"/>
+          <p:cNvSpPr/>
+          <p:nvPr/>
+        </p:nvSpPr>
+        <p:spPr>
+          <a:xfrm>
+            <a:off x="182245" y="2308225"/>
+            <a:ext cx="5814060" cy="1067435"/>
+          </a:xfrm>
+          <a:prstGeom prst="rect">
+            <a:avLst/>
+          </a:prstGeom>
+          <a:noFill/>
+          <a:ln w="50800">
+            <a:solidFill>
+              <a:srgbClr val="333333"/>
+            </a:solidFill>
+          </a:ln>
+        </p:spPr>
+        <p:style>
+          <a:lnRef idx="2">
+            <a:schemeClr val="accent1">
+              <a:shade val="50000"/>
+            </a:schemeClr>
+          </a:lnRef>
+          <a:fillRef idx="1">
+            <a:schemeClr val="accent1"/>
+          </a:fillRef>
+          <a:effectRef idx="0">
+            <a:schemeClr val="accent1"/>
+          </a:effectRef>
+          <a:fontRef idx="minor">
+            <a:schemeClr val="lt1"/>
+          </a:fontRef>
+        </p:style>
+        <p:txBody>
+          <a:bodyPr rtlCol="0" anchor="ctr"/>
+          <a:lstStyle/>
+          <a:p>
+            <a:pPr algn="ctr"/>
+            <a:endParaRPr lang="zh-CN" altLang="en-US"/>
+          </a:p>
+        </p:txBody>
+      </p:sp>
+      <p:sp>
+        <p:nvSpPr>
+          <p:cNvPr id="22" name="文本框 21"/>
+          <p:cNvSpPr txBox="1"/>
+          <p:nvPr/>
+        </p:nvSpPr>
+        <p:spPr>
+          <a:xfrm>
+            <a:off x="332105" y="2444750"/>
+            <a:ext cx="5497195" cy="651510"/>
+          </a:xfrm>
+          <a:prstGeom prst="rect">
+            <a:avLst/>
+          </a:prstGeom>
+          <a:noFill/>
+        </p:spPr>
+        <p:txBody>
+          <a:bodyPr wrap="square" rtlCol="0">
+            <a:spAutoFit/>
+            <a:scene3d>
+              <a:camera prst="orthographicFront"/>
+              <a:lightRig rig="threePt" dir="t"/>
+            </a:scene3d>
+            <a:sp3d contourW="12700"/>
+          </a:bodyPr>
+          <a:lstStyle/>
+          <a:p>
+            <a:pPr algn="ctr">
+              <a:lnSpc>
+                <a:spcPct val="114000"/>
+              </a:lnSpc>
+            </a:pPr>
+            <a:r>
+              <a:rPr lang="tr-TR" altLang="en-US" sz="1600" dirty="0">
+                <a:solidFill>
+                  <a:srgbClr val="FF0000"/>
+                </a:solidFill>
+                <a:latin typeface="Arial" panose="020B0604020202020204" pitchFamily="34" charset="0"/>
+                <a:ea typeface="+mj-ea"/>
+              </a:rPr>
+              <a:t>For Döngüsü</a:t>
+            </a:r>
+            <a:endParaRPr lang="tr-TR" altLang="en-US" sz="1600" dirty="0">
+              <a:solidFill>
+                <a:srgbClr val="FF0000"/>
+              </a:solidFill>
+              <a:latin typeface="Arial" panose="020B0604020202020204" pitchFamily="34" charset="0"/>
+              <a:ea typeface="+mj-ea"/>
+            </a:endParaRPr>
+          </a:p>
+          <a:p>
+            <a:pPr algn="l">
+              <a:lnSpc>
+                <a:spcPct val="114000"/>
+              </a:lnSpc>
+            </a:pPr>
+            <a:r>
+              <a:rPr lang="tr-TR" altLang="en-US" sz="1600" dirty="0">
+                <a:solidFill>
+                  <a:srgbClr val="333333"/>
+                </a:solidFill>
+                <a:latin typeface="Arial" panose="020B0604020202020204" pitchFamily="34" charset="0"/>
+                <a:ea typeface="+mj-ea"/>
+              </a:rPr>
+              <a:t>For döngüsünü belirttiğimiz aralıkta çalıştırabiliriz.</a:t>
+            </a:r>
+            <a:endParaRPr lang="tr-TR" altLang="en-US" sz="1600" dirty="0">
+              <a:solidFill>
+                <a:srgbClr val="333333"/>
+              </a:solidFill>
+              <a:latin typeface="Arial" panose="020B0604020202020204" pitchFamily="34" charset="0"/>
+              <a:ea typeface="+mj-ea"/>
+            </a:endParaRPr>
+          </a:p>
+        </p:txBody>
+      </p:sp>
+      <p:sp>
+        <p:nvSpPr>
+          <p:cNvPr id="11" name="文本框 20"/>
+          <p:cNvSpPr txBox="1"/>
+          <p:nvPr/>
+        </p:nvSpPr>
+        <p:spPr>
+          <a:xfrm>
+            <a:off x="1437005" y="600710"/>
+            <a:ext cx="4928235" cy="521970"/>
+          </a:xfrm>
+          <a:prstGeom prst="rect">
+            <a:avLst/>
+          </a:prstGeom>
+          <a:noFill/>
+        </p:spPr>
+        <p:txBody>
+          <a:bodyPr wrap="square" rtlCol="0">
+            <a:spAutoFit/>
+          </a:bodyPr>
+          <a:p>
+            <a:pPr algn="ctr"/>
+            <a:r>
+              <a:rPr lang="tr-TR" altLang="zh-CN" sz="2800" b="1" dirty="0">
+                <a:solidFill>
+                  <a:srgbClr val="333333"/>
+                </a:solidFill>
+                <a:latin typeface="Arial" panose="020B0604020202020204" pitchFamily="34" charset="0"/>
+                <a:ea typeface="Arial" panose="020B0604020202020204" pitchFamily="34" charset="0"/>
+                <a:sym typeface="+mn-ea"/>
+              </a:rPr>
+              <a:t>for ile while Arasındaki Fark</a:t>
+            </a:r>
+            <a:endParaRPr lang="tr-TR" altLang="zh-CN" sz="2800" b="1" dirty="0">
+              <a:solidFill>
+                <a:srgbClr val="333333"/>
+              </a:solidFill>
+              <a:latin typeface="Arial" panose="020B0604020202020204" pitchFamily="34" charset="0"/>
+              <a:ea typeface="Arial" panose="020B0604020202020204" pitchFamily="34" charset="0"/>
+            </a:endParaRPr>
+          </a:p>
+        </p:txBody>
+      </p:sp>
+      <p:sp>
+        <p:nvSpPr>
+          <p:cNvPr id="6" name="矩形 7"/>
+          <p:cNvSpPr/>
+          <p:nvPr/>
+        </p:nvSpPr>
+        <p:spPr>
+          <a:xfrm>
+            <a:off x="6204585" y="2308860"/>
+            <a:ext cx="5814060" cy="1066800"/>
+          </a:xfrm>
+          <a:prstGeom prst="rect">
+            <a:avLst/>
+          </a:prstGeom>
+          <a:noFill/>
+          <a:ln w="50800">
+            <a:solidFill>
+              <a:srgbClr val="333333"/>
+            </a:solidFill>
+          </a:ln>
+        </p:spPr>
+        <p:style>
+          <a:lnRef idx="2">
+            <a:schemeClr val="accent1">
+              <a:shade val="50000"/>
+            </a:schemeClr>
+          </a:lnRef>
+          <a:fillRef idx="1">
+            <a:schemeClr val="accent1"/>
+          </a:fillRef>
+          <a:effectRef idx="0">
+            <a:schemeClr val="accent1"/>
+          </a:effectRef>
+          <a:fontRef idx="minor">
+            <a:schemeClr val="lt1"/>
+          </a:fontRef>
+        </p:style>
+        <p:txBody>
+          <a:bodyPr rtlCol="0" anchor="ctr"/>
+          <a:p>
+            <a:pPr algn="ctr"/>
+            <a:endParaRPr lang="zh-CN" altLang="en-US"/>
+          </a:p>
+        </p:txBody>
+      </p:sp>
+      <p:sp>
+        <p:nvSpPr>
+          <p:cNvPr id="7" name="文本框 21"/>
+          <p:cNvSpPr txBox="1"/>
+          <p:nvPr/>
+        </p:nvSpPr>
+        <p:spPr>
+          <a:xfrm>
+            <a:off x="6362700" y="2444750"/>
+            <a:ext cx="5497195" cy="931545"/>
+          </a:xfrm>
+          <a:prstGeom prst="rect">
+            <a:avLst/>
+          </a:prstGeom>
+          <a:noFill/>
+        </p:spPr>
+        <p:txBody>
+          <a:bodyPr wrap="square" rtlCol="0">
+            <a:spAutoFit/>
+            <a:scene3d>
+              <a:camera prst="orthographicFront"/>
+              <a:lightRig rig="threePt" dir="t"/>
+            </a:scene3d>
+            <a:sp3d contourW="12700"/>
+          </a:bodyPr>
+          <a:p>
+            <a:pPr algn="ctr">
+              <a:lnSpc>
+                <a:spcPct val="114000"/>
+              </a:lnSpc>
+            </a:pPr>
+            <a:r>
+              <a:rPr lang="tr-TR" altLang="en-US" sz="1600" dirty="0">
+                <a:solidFill>
+                  <a:srgbClr val="FF0000"/>
+                </a:solidFill>
+                <a:latin typeface="Arial" panose="020B0604020202020204" pitchFamily="34" charset="0"/>
+                <a:ea typeface="+mj-ea"/>
+              </a:rPr>
+              <a:t>While Döngüsü</a:t>
+            </a:r>
+            <a:endParaRPr lang="tr-TR" altLang="en-US" sz="1600" dirty="0">
+              <a:solidFill>
+                <a:srgbClr val="FF0000"/>
+              </a:solidFill>
+              <a:latin typeface="Arial" panose="020B0604020202020204" pitchFamily="34" charset="0"/>
+              <a:ea typeface="+mj-ea"/>
+            </a:endParaRPr>
+          </a:p>
+          <a:p>
+            <a:pPr algn="l">
+              <a:lnSpc>
+                <a:spcPct val="114000"/>
+              </a:lnSpc>
+            </a:pPr>
+            <a:r>
+              <a:rPr lang="tr-TR" altLang="en-US" sz="1600" dirty="0">
+                <a:solidFill>
+                  <a:srgbClr val="333333"/>
+                </a:solidFill>
+                <a:latin typeface="Arial" panose="020B0604020202020204" pitchFamily="34" charset="0"/>
+                <a:ea typeface="+mj-ea"/>
+              </a:rPr>
+              <a:t>While döngüsünün içerisine yazdığımız şart sağlandığı sürece döngü çalışmaya devam eder.  </a:t>
+            </a:r>
+            <a:endParaRPr lang="tr-TR" altLang="en-US" sz="1600" dirty="0">
+              <a:solidFill>
+                <a:srgbClr val="333333"/>
+              </a:solidFill>
+              <a:latin typeface="Arial" panose="020B0604020202020204" pitchFamily="34" charset="0"/>
+              <a:ea typeface="+mj-ea"/>
+            </a:endParaRPr>
+          </a:p>
+        </p:txBody>
+      </p:sp>
+      <p:sp>
+        <p:nvSpPr>
+          <p:cNvPr id="2" name="矩形 7"/>
+          <p:cNvSpPr/>
+          <p:nvPr/>
+        </p:nvSpPr>
+        <p:spPr>
+          <a:xfrm>
+            <a:off x="173355" y="3616325"/>
+            <a:ext cx="11845290" cy="1788160"/>
+          </a:xfrm>
+          <a:prstGeom prst="rect">
+            <a:avLst/>
+          </a:prstGeom>
+          <a:noFill/>
+          <a:ln w="50800">
+            <a:solidFill>
+              <a:srgbClr val="333333"/>
+            </a:solidFill>
+          </a:ln>
+        </p:spPr>
+        <p:style>
+          <a:lnRef idx="2">
+            <a:schemeClr val="accent1">
+              <a:shade val="50000"/>
+            </a:schemeClr>
+          </a:lnRef>
+          <a:fillRef idx="1">
+            <a:schemeClr val="accent1"/>
+          </a:fillRef>
+          <a:effectRef idx="0">
+            <a:schemeClr val="accent1"/>
+          </a:effectRef>
+          <a:fontRef idx="minor">
+            <a:schemeClr val="lt1"/>
+          </a:fontRef>
+        </p:style>
+        <p:txBody>
+          <a:bodyPr rtlCol="0" anchor="ctr"/>
+          <a:p>
+            <a:pPr algn="ctr"/>
+            <a:endParaRPr lang="zh-CN" altLang="en-US"/>
+          </a:p>
+        </p:txBody>
+      </p:sp>
+      <p:sp>
+        <p:nvSpPr>
+          <p:cNvPr id="3" name="文本框 21"/>
+          <p:cNvSpPr txBox="1"/>
+          <p:nvPr/>
+        </p:nvSpPr>
+        <p:spPr>
+          <a:xfrm>
+            <a:off x="332740" y="3788410"/>
+            <a:ext cx="11526520" cy="1492250"/>
+          </a:xfrm>
+          <a:prstGeom prst="rect">
+            <a:avLst/>
+          </a:prstGeom>
+          <a:noFill/>
+        </p:spPr>
+        <p:txBody>
+          <a:bodyPr wrap="square" rtlCol="0">
+            <a:spAutoFit/>
+            <a:scene3d>
+              <a:camera prst="orthographicFront"/>
+              <a:lightRig rig="threePt" dir="t"/>
+            </a:scene3d>
+            <a:sp3d contourW="12700"/>
+          </a:bodyPr>
+          <a:p>
+            <a:pPr algn="ctr">
+              <a:lnSpc>
+                <a:spcPct val="114000"/>
+              </a:lnSpc>
+            </a:pPr>
+            <a:r>
+              <a:rPr lang="tr-TR" altLang="en-US" sz="1600" dirty="0">
+                <a:solidFill>
+                  <a:srgbClr val="FF0000"/>
+                </a:solidFill>
+                <a:latin typeface="Arial" panose="020B0604020202020204" pitchFamily="34" charset="0"/>
+                <a:ea typeface="+mj-ea"/>
+              </a:rPr>
+              <a:t>Farklar</a:t>
+            </a:r>
+            <a:endParaRPr lang="tr-TR" altLang="en-US" sz="1600" dirty="0">
+              <a:solidFill>
+                <a:srgbClr val="FF0000"/>
+              </a:solidFill>
+              <a:latin typeface="Arial" panose="020B0604020202020204" pitchFamily="34" charset="0"/>
+              <a:ea typeface="+mj-ea"/>
+            </a:endParaRPr>
+          </a:p>
+          <a:p>
+            <a:pPr algn="l">
+              <a:lnSpc>
+                <a:spcPct val="114000"/>
+              </a:lnSpc>
+            </a:pPr>
+            <a:r>
+              <a:rPr lang="tr-TR" altLang="en-US" sz="1600" dirty="0">
+                <a:solidFill>
+                  <a:srgbClr val="333333"/>
+                </a:solidFill>
+                <a:latin typeface="Arial" panose="020B0604020202020204" pitchFamily="34" charset="0"/>
+                <a:ea typeface="+mj-ea"/>
+              </a:rPr>
+              <a:t>For döngüsünü ‘’iterative’’ yani tekrarlayan bir yapı iken While döngüsünü ise bir koşulumuz sağlanana kadar devam etmesini istediğimiz durumlarda kullanırız. </a:t>
+            </a:r>
+            <a:endParaRPr lang="tr-TR" altLang="en-US" sz="1600" dirty="0">
+              <a:solidFill>
+                <a:srgbClr val="333333"/>
+              </a:solidFill>
+              <a:latin typeface="Arial" panose="020B0604020202020204" pitchFamily="34" charset="0"/>
+              <a:ea typeface="+mj-ea"/>
+            </a:endParaRPr>
+          </a:p>
+          <a:p>
+            <a:pPr algn="l">
+              <a:lnSpc>
+                <a:spcPct val="114000"/>
+              </a:lnSpc>
+            </a:pPr>
+            <a:r>
+              <a:rPr lang="tr-TR" altLang="en-US" sz="1600" dirty="0">
+                <a:solidFill>
+                  <a:srgbClr val="333333"/>
+                </a:solidFill>
+                <a:latin typeface="Arial" panose="020B0604020202020204" pitchFamily="34" charset="0"/>
+                <a:ea typeface="+mj-ea"/>
+              </a:rPr>
+              <a:t>For döngüsünü kullanırken bailangıç, bitiş yani şart ve artırma miktarı olarak 3 adet parametre kullanabilirken, while döngüsünde ise bir adet kullanabiliriz.</a:t>
+            </a:r>
+            <a:endParaRPr lang="tr-TR" altLang="en-US" sz="1600" dirty="0">
+              <a:solidFill>
+                <a:srgbClr val="333333"/>
+              </a:solidFill>
+              <a:latin typeface="Arial" panose="020B0604020202020204" pitchFamily="34" charset="0"/>
+              <a:ea typeface="+mj-ea"/>
+            </a:endParaRPr>
+          </a:p>
+        </p:txBody>
+      </p:sp>
+    </p:spTree>
+  </p:cSld>
+  <p:clrMapOvr>
+    <a:masterClrMapping/>
+  </p:clrMapOvr>
+  <p:timing>
+    <p:tnLst>
+      <p:par>
+        <p:cTn id="1" dur="indefinite" restart="never" nodeType="tmRoot">
+          <p:childTnLst>
+            <p:seq concurrent="1" nextAc="seek">
+              <p:cTn id="2" dur="indefinite" nodeType="mainSeq">
+                <p:childTnLst>
+                  <p:par>
+                    <p:cTn id="3" fill="hold">
+                      <p:stCondLst>
+                        <p:cond delay="indefinite"/>
+                        <p:cond evt="onBegin" delay="0">
+                          <p:tn val="2"/>
+                        </p:cond>
+                      </p:stCondLst>
+                      <p:childTnLst>
+                        <p:par>
+                          <p:cTn id="4" fill="hold">
+                            <p:stCondLst>
+                              <p:cond delay="0"/>
+                            </p:stCondLst>
+                            <p:childTnLst>
+                              <p:par>
+                                <p:cTn id="5" presetID="2" presetClass="entr" presetSubtype="2" decel="100000" fill="hold" grpId="0" nodeType="withEffect">
+                                  <p:stCondLst>
+                                    <p:cond delay="0"/>
+                                  </p:stCondLst>
+                                  <p:childTnLst>
+                                    <p:set>
+                                      <p:cBhvr>
+                                        <p:cTn id="6" dur="1" fill="hold">
+                                          <p:stCondLst>
+                                            <p:cond delay="0"/>
+                                          </p:stCondLst>
+                                        </p:cTn>
+                                        <p:tgtEl>
+                                          <p:spTgt spid="8"/>
+                                        </p:tgtEl>
+                                        <p:attrNameLst>
+                                          <p:attrName>style.visibility</p:attrName>
+                                        </p:attrNameLst>
+                                      </p:cBhvr>
+                                      <p:to>
+                                        <p:strVal val="visible"/>
+                                      </p:to>
+                                    </p:set>
+                                    <p:anim calcmode="lin" valueType="num">
+                                      <p:cBhvr additive="base">
+                                        <p:cTn id="7" dur="750" fill="hold"/>
+                                        <p:tgtEl>
+                                          <p:spTgt spid="8"/>
+                                        </p:tgtEl>
+                                        <p:attrNameLst>
+                                          <p:attrName>ppt_x</p:attrName>
+                                        </p:attrNameLst>
+                                      </p:cBhvr>
+                                      <p:tavLst>
+                                        <p:tav tm="0">
+                                          <p:val>
+                                            <p:strVal val="1+#ppt_w/2"/>
+                                          </p:val>
+                                        </p:tav>
+                                        <p:tav tm="100000">
+                                          <p:val>
+                                            <p:strVal val="#ppt_x"/>
+                                          </p:val>
+                                        </p:tav>
+                                      </p:tavLst>
+                                    </p:anim>
+                                    <p:anim calcmode="lin" valueType="num">
+                                      <p:cBhvr additive="base">
+                                        <p:cTn id="8" dur="750" fill="hold"/>
+                                        <p:tgtEl>
+                                          <p:spTgt spid="8"/>
+                                        </p:tgtEl>
+                                        <p:attrNameLst>
+                                          <p:attrName>ppt_y</p:attrName>
+                                        </p:attrNameLst>
+                                      </p:cBhvr>
+                                      <p:tavLst>
+                                        <p:tav tm="0">
+                                          <p:val>
+                                            <p:strVal val="#ppt_y"/>
+                                          </p:val>
+                                        </p:tav>
+                                        <p:tav tm="100000">
+                                          <p:val>
+                                            <p:strVal val="#ppt_y"/>
+                                          </p:val>
+                                        </p:tav>
+                                      </p:tavLst>
+                                    </p:anim>
+                                  </p:childTnLst>
+                                </p:cTn>
+                              </p:par>
+                              <p:par>
+                                <p:cTn id="9" presetID="2" presetClass="entr" presetSubtype="2" decel="100000" fill="hold" grpId="0" nodeType="withEffect">
+                                  <p:stCondLst>
+                                    <p:cond delay="0"/>
+                                  </p:stCondLst>
+                                  <p:childTnLst>
+                                    <p:set>
+                                      <p:cBhvr>
+                                        <p:cTn id="10" dur="1" fill="hold">
+                                          <p:stCondLst>
+                                            <p:cond delay="0"/>
+                                          </p:stCondLst>
+                                        </p:cTn>
+                                        <p:tgtEl>
+                                          <p:spTgt spid="6"/>
+                                        </p:tgtEl>
+                                        <p:attrNameLst>
+                                          <p:attrName>style.visibility</p:attrName>
+                                        </p:attrNameLst>
+                                      </p:cBhvr>
+                                      <p:to>
+                                        <p:strVal val="visible"/>
+                                      </p:to>
+                                    </p:set>
+                                    <p:anim calcmode="lin" valueType="num">
+                                      <p:cBhvr additive="base">
+                                        <p:cTn id="11" dur="750" fill="hold"/>
+                                        <p:tgtEl>
+                                          <p:spTgt spid="6"/>
+                                        </p:tgtEl>
+                                        <p:attrNameLst>
+                                          <p:attrName>ppt_x</p:attrName>
+                                        </p:attrNameLst>
+                                      </p:cBhvr>
+                                      <p:tavLst>
+                                        <p:tav tm="0">
+                                          <p:val>
+                                            <p:strVal val="1+#ppt_w/2"/>
+                                          </p:val>
+                                        </p:tav>
+                                        <p:tav tm="100000">
+                                          <p:val>
+                                            <p:strVal val="#ppt_x"/>
+                                          </p:val>
+                                        </p:tav>
+                                      </p:tavLst>
+                                    </p:anim>
+                                    <p:anim calcmode="lin" valueType="num">
+                                      <p:cBhvr additive="base">
+                                        <p:cTn id="12" dur="750" fill="hold"/>
+                                        <p:tgtEl>
+                                          <p:spTgt spid="6"/>
+                                        </p:tgtEl>
+                                        <p:attrNameLst>
+                                          <p:attrName>ppt_y</p:attrName>
+                                        </p:attrNameLst>
+                                      </p:cBhvr>
+                                      <p:tavLst>
+                                        <p:tav tm="0">
+                                          <p:val>
+                                            <p:strVal val="#ppt_y"/>
+                                          </p:val>
+                                        </p:tav>
+                                        <p:tav tm="100000">
+                                          <p:val>
+                                            <p:strVal val="#ppt_y"/>
+                                          </p:val>
+                                        </p:tav>
+                                      </p:tavLst>
+                                    </p:anim>
+                                  </p:childTnLst>
+                                </p:cTn>
+                              </p:par>
+                              <p:par>
+                                <p:cTn id="13" presetID="2" presetClass="entr" presetSubtype="2" decel="100000" fill="hold" grpId="0" nodeType="withEffect">
+                                  <p:stCondLst>
+                                    <p:cond delay="0"/>
+                                  </p:stCondLst>
+                                  <p:childTnLst>
+                                    <p:set>
+                                      <p:cBhvr>
+                                        <p:cTn id="14" dur="1" fill="hold">
+                                          <p:stCondLst>
+                                            <p:cond delay="0"/>
+                                          </p:stCondLst>
+                                        </p:cTn>
+                                        <p:tgtEl>
+                                          <p:spTgt spid="2"/>
+                                        </p:tgtEl>
+                                        <p:attrNameLst>
+                                          <p:attrName>style.visibility</p:attrName>
+                                        </p:attrNameLst>
+                                      </p:cBhvr>
+                                      <p:to>
+                                        <p:strVal val="visible"/>
+                                      </p:to>
+                                    </p:set>
+                                    <p:anim calcmode="lin" valueType="num">
+                                      <p:cBhvr additive="base">
+                                        <p:cTn id="15" dur="750" fill="hold"/>
+                                        <p:tgtEl>
+                                          <p:spTgt spid="2"/>
+                                        </p:tgtEl>
+                                        <p:attrNameLst>
+                                          <p:attrName>ppt_x</p:attrName>
+                                        </p:attrNameLst>
+                                      </p:cBhvr>
+                                      <p:tavLst>
+                                        <p:tav tm="0">
+                                          <p:val>
+                                            <p:strVal val="1+#ppt_w/2"/>
+                                          </p:val>
+                                        </p:tav>
+                                        <p:tav tm="100000">
+                                          <p:val>
+                                            <p:strVal val="#ppt_x"/>
+                                          </p:val>
+                                        </p:tav>
+                                      </p:tavLst>
+                                    </p:anim>
+                                    <p:anim calcmode="lin" valueType="num">
+                                      <p:cBhvr additive="base">
+                                        <p:cTn id="16" dur="750" fill="hold"/>
+                                        <p:tgtEl>
+                                          <p:spTgt spid="2"/>
+                                        </p:tgtEl>
+                                        <p:attrNameLst>
+                                          <p:attrName>ppt_y</p:attrName>
+                                        </p:attrNameLst>
+                                      </p:cBhvr>
+                                      <p:tavLst>
+                                        <p:tav tm="0">
+                                          <p:val>
+                                            <p:strVal val="#ppt_y"/>
+                                          </p:val>
+                                        </p:tav>
+                                        <p:tav tm="100000">
+                                          <p:val>
+                                            <p:strVal val="#ppt_y"/>
+                                          </p:val>
+                                        </p:tav>
+                                      </p:tavLst>
+                                    </p:anim>
+                                  </p:childTnLst>
+                                </p:cTn>
+                              </p:par>
+                            </p:childTnLst>
+                          </p:cTn>
+                        </p:par>
+                      </p:childTnLst>
+                    </p:cTn>
+                  </p:par>
+                </p:childTnLst>
+              </p:cTn>
+              <p:prevCondLst>
+                <p:cond evt="onPrev" delay="0">
+                  <p:tgtEl>
+                    <p:sldTgt/>
+                  </p:tgtEl>
+                </p:cond>
+              </p:prevCondLst>
+              <p:nextCondLst>
+                <p:cond evt="onNext" delay="0">
+                  <p:tgtEl>
+                    <p:sldTgt/>
+                  </p:tgtEl>
+                </p:cond>
+              </p:nextCondLst>
+            </p:seq>
+          </p:childTnLst>
+        </p:cTn>
+      </p:par>
+    </p:tnLst>
+    <p:bldLst>
+      <p:bldP spid="8" grpId="0" bldLvl="0" animBg="1"/>
+      <p:bldP spid="6" grpId="0" bldLvl="0" animBg="1"/>
+      <p:bldP spid="2" grpId="0" bldLvl="0" animBg="1"/>
+    </p:bldLst>
+  </p:timing>
+</p:sld>
+</file>
+
+<file path=ppt/slides/slide27.xml><?xml version="1.0" encoding="utf-8"?>
+<p:sld xmlns:a="http://schemas.openxmlformats.org/drawingml/2006/main" xmlns:r="http://schemas.openxmlformats.org/officeDocument/2006/relationships" xmlns:p="http://schemas.openxmlformats.org/presentationml/2006/main">
+  <p:cSld>
+    <p:spTree>
+      <p:nvGrpSpPr>
+        <p:cNvPr id="1" name=""/>
+        <p:cNvGrpSpPr/>
+        <p:nvPr/>
+      </p:nvGrpSpPr>
+      <p:grpSpPr>
+        <a:xfrm>
+          <a:off x="0" y="0"/>
+          <a:ext cx="0" cy="0"/>
+          <a:chOff x="0" y="0"/>
+          <a:chExt cx="0" cy="0"/>
+        </a:xfrm>
+      </p:grpSpPr>
+      <p:pic>
+        <p:nvPicPr>
+          <p:cNvPr id="8" name="图片 7"/>
+          <p:cNvPicPr>
+            <a:picLocks noChangeAspect="1"/>
+          </p:cNvPicPr>
+          <p:nvPr/>
+        </p:nvPicPr>
+        <p:blipFill>
+          <a:blip r:embed="rId1"/>
+          <a:stretch>
+            <a:fillRect/>
+          </a:stretch>
+        </p:blipFill>
+        <p:spPr>
+          <a:xfrm>
+            <a:off x="1080452" y="1151675"/>
+            <a:ext cx="4643692" cy="4643815"/>
+          </a:xfrm>
+          <a:prstGeom prst="rect">
+            <a:avLst/>
+          </a:prstGeom>
+        </p:spPr>
+      </p:pic>
+      <p:sp>
+        <p:nvSpPr>
+          <p:cNvPr id="10" name="文本框 9" descr="e7d195523061f1c0deeec63e560781cfd59afb0ea006f2a87ABB68BF51EA6619813959095094C18C62A12F549504892A4AAA8C1554C6663626E05CA27F281A14E6983772AFC3FB97135759321DEA3D704CB8FFD9D2544D20427D00997056F5C96BEB36E87B176A9A2B0208D5F0253CAA64F289E16775627845AD05F6A8DA43D217D906D92F737DD9"/>
+          <p:cNvSpPr txBox="1"/>
+          <p:nvPr/>
+        </p:nvSpPr>
+        <p:spPr>
+          <a:xfrm>
+            <a:off x="920115" y="3416300"/>
+            <a:ext cx="4496435" cy="645160"/>
+          </a:xfrm>
+          <a:prstGeom prst="rect">
+            <a:avLst/>
+          </a:prstGeom>
+          <a:noFill/>
+          <a:effectLst/>
+        </p:spPr>
+        <p:txBody>
+          <a:bodyPr wrap="square" rtlCol="0">
+            <a:spAutoFit/>
+          </a:bodyPr>
+          <a:lstStyle/>
+          <a:p>
+            <a:pPr algn="ctr"/>
+            <a:r>
+              <a:rPr lang="tr-TR" altLang="en-US" sz="3600" b="1" dirty="0" smtClean="0">
+                <a:solidFill>
+                  <a:srgbClr val="333333"/>
+                </a:solidFill>
+                <a:latin typeface="Arial" panose="020B0604020202020204" pitchFamily="34" charset="0"/>
+                <a:ea typeface="Arial" panose="020B0604020202020204" pitchFamily="34" charset="0"/>
+                <a:cs typeface="Arial" panose="020B0604020202020204" pitchFamily="34" charset="0"/>
+              </a:rPr>
+              <a:t>Ödev-6</a:t>
+            </a:r>
+            <a:endParaRPr lang="tr-TR" altLang="en-US" sz="3600" b="1" dirty="0" smtClean="0">
+              <a:solidFill>
+                <a:srgbClr val="333333"/>
+              </a:solidFill>
+              <a:latin typeface="Arial" panose="020B0604020202020204" pitchFamily="34" charset="0"/>
+              <a:ea typeface="Arial" panose="020B0604020202020204" pitchFamily="34" charset="0"/>
+              <a:cs typeface="Arial" panose="020B0604020202020204" pitchFamily="34" charset="0"/>
+            </a:endParaRPr>
+          </a:p>
+        </p:txBody>
+      </p:sp>
+      <p:cxnSp>
+        <p:nvCxnSpPr>
+          <p:cNvPr id="9" name="直接连接符 16" descr="e7d195523061f1c0deeec63e560781cfd59afb0ea006f2a87ABB68BF51EA6619813959095094C18C62A12F549504892A4AAA8C1554C6663626E05CA27F281A14E6983772AFC3FB97135759321DEA3D7047B2D20B121D4E05A6D0F227958A32026FEBB3ABD36322023181A2FF8EA235E789B1C6FF9A70CDD2C90B48B40EB7806F7806DF616AB3CE63"/>
+          <p:cNvCxnSpPr/>
+          <p:nvPr/>
+        </p:nvCxnSpPr>
+        <p:spPr>
+          <a:xfrm flipH="1" flipV="1">
+            <a:off x="7762240" y="3854450"/>
+            <a:ext cx="4413885" cy="6350"/>
+          </a:xfrm>
+          <a:prstGeom prst="line">
+            <a:avLst/>
+          </a:prstGeom>
+          <a:ln w="63500">
+            <a:solidFill>
+              <a:srgbClr val="333333"/>
+            </a:solidFill>
+          </a:ln>
+        </p:spPr>
+        <p:style>
+          <a:lnRef idx="1">
+            <a:schemeClr val="accent1"/>
+          </a:lnRef>
+          <a:fillRef idx="0">
+            <a:schemeClr val="accent1"/>
+          </a:fillRef>
+          <a:effectRef idx="0">
+            <a:schemeClr val="accent1"/>
+          </a:effectRef>
+          <a:fontRef idx="minor">
+            <a:schemeClr val="tx1"/>
+          </a:fontRef>
+        </p:style>
+      </p:cxnSp>
+      <p:sp>
+        <p:nvSpPr>
+          <p:cNvPr id="11" name="文本框 20"/>
+          <p:cNvSpPr txBox="1"/>
+          <p:nvPr/>
+        </p:nvSpPr>
+        <p:spPr>
+          <a:xfrm>
+            <a:off x="8076178" y="2361742"/>
+            <a:ext cx="3636645" cy="1383665"/>
+          </a:xfrm>
+          <a:prstGeom prst="rect">
+            <a:avLst/>
+          </a:prstGeom>
+          <a:noFill/>
+        </p:spPr>
+        <p:txBody>
+          <a:bodyPr wrap="none" rtlCol="0">
+            <a:spAutoFit/>
+          </a:bodyPr>
+          <a:p>
+            <a:pPr algn="ctr"/>
+            <a:r>
+              <a:rPr lang="tr-TR" altLang="zh-CN" sz="2800" b="1" dirty="0">
+                <a:solidFill>
+                  <a:srgbClr val="333333"/>
+                </a:solidFill>
+                <a:latin typeface="Arial" panose="020B0604020202020204" pitchFamily="34" charset="0"/>
+                <a:ea typeface="Arial" panose="020B0604020202020204" pitchFamily="34" charset="0"/>
+              </a:rPr>
+              <a:t>let dizi=[] ile </a:t>
+            </a:r>
+            <a:endParaRPr lang="tr-TR" altLang="zh-CN" sz="2800" b="1" dirty="0">
+              <a:solidFill>
+                <a:srgbClr val="333333"/>
+              </a:solidFill>
+              <a:latin typeface="Arial" panose="020B0604020202020204" pitchFamily="34" charset="0"/>
+              <a:ea typeface="Arial" panose="020B0604020202020204" pitchFamily="34" charset="0"/>
+            </a:endParaRPr>
+          </a:p>
+          <a:p>
+            <a:pPr algn="ctr"/>
+            <a:r>
+              <a:rPr lang="tr-TR" altLang="zh-CN" sz="2800" b="1" dirty="0">
+                <a:solidFill>
+                  <a:srgbClr val="333333"/>
+                </a:solidFill>
+                <a:latin typeface="Arial" panose="020B0604020202020204" pitchFamily="34" charset="0"/>
+                <a:ea typeface="Arial" panose="020B0604020202020204" pitchFamily="34" charset="0"/>
+              </a:rPr>
+              <a:t>let dizi2=new Array()</a:t>
+            </a:r>
+            <a:endParaRPr lang="tr-TR" altLang="zh-CN" sz="2800" b="1" dirty="0">
+              <a:solidFill>
+                <a:srgbClr val="333333"/>
+              </a:solidFill>
+              <a:latin typeface="Arial" panose="020B0604020202020204" pitchFamily="34" charset="0"/>
+              <a:ea typeface="Arial" panose="020B0604020202020204" pitchFamily="34" charset="0"/>
+            </a:endParaRPr>
+          </a:p>
+          <a:p>
+            <a:pPr algn="ctr"/>
+            <a:r>
+              <a:rPr lang="tr-TR" altLang="zh-CN" sz="2800" b="1" dirty="0">
+                <a:solidFill>
+                  <a:srgbClr val="333333"/>
+                </a:solidFill>
+                <a:latin typeface="Arial" panose="020B0604020202020204" pitchFamily="34" charset="0"/>
+                <a:ea typeface="Arial" panose="020B0604020202020204" pitchFamily="34" charset="0"/>
+              </a:rPr>
+              <a:t>Arasındaki Farklar</a:t>
+            </a:r>
+            <a:endParaRPr lang="tr-TR" altLang="zh-CN" sz="2800" b="1" dirty="0">
+              <a:solidFill>
+                <a:srgbClr val="333333"/>
+              </a:solidFill>
+              <a:latin typeface="Arial" panose="020B0604020202020204" pitchFamily="34" charset="0"/>
+              <a:ea typeface="Arial" panose="020B0604020202020204" pitchFamily="34" charset="0"/>
+            </a:endParaRPr>
+          </a:p>
+        </p:txBody>
+      </p:sp>
+      <p:pic>
+        <p:nvPicPr>
+          <p:cNvPr id="12" name="图片 24"/>
+          <p:cNvPicPr>
+            <a:picLocks noChangeAspect="1"/>
+          </p:cNvPicPr>
+          <p:nvPr/>
+        </p:nvPicPr>
+        <p:blipFill rotWithShape="1">
+          <a:blip r:embed="rId2"/>
+          <a:srcRect r="65386"/>
+          <a:stretch>
+            <a:fillRect/>
+          </a:stretch>
+        </p:blipFill>
+        <p:spPr>
+          <a:xfrm rot="16200000">
+            <a:off x="7163903" y="3091373"/>
+            <a:ext cx="288000" cy="832066"/>
+          </a:xfrm>
+          <a:prstGeom prst="rect">
+            <a:avLst/>
+          </a:prstGeom>
+        </p:spPr>
+      </p:pic>
+    </p:spTree>
+  </p:cSld>
+  <p:clrMapOvr>
+    <a:masterClrMapping/>
+  </p:clrMapOvr>
+  <p:timing>
+    <p:tnLst>
+      <p:par>
+        <p:cTn id="1" dur="indefinite" restart="never" nodeType="tmRoot">
+          <p:childTnLst>
+            <p:seq concurrent="1" nextAc="seek">
+              <p:cTn id="2" dur="indefinite" nodeType="mainSeq">
+                <p:childTnLst>
+                  <p:par>
+                    <p:cTn id="3" fill="hold">
+                      <p:stCondLst>
+                        <p:cond delay="indefinite"/>
+                        <p:cond evt="onBegin" delay="0">
+                          <p:tn val="2"/>
+                        </p:cond>
+                      </p:stCondLst>
+                      <p:childTnLst>
+                        <p:par>
+                          <p:cTn id="4" fill="hold">
+                            <p:stCondLst>
+                              <p:cond delay="0"/>
+                            </p:stCondLst>
+                            <p:childTnLst>
+                              <p:par>
+                                <p:cTn id="5" presetID="42" presetClass="entr" presetSubtype="0" fill="hold" grpId="0" nodeType="afterEffect">
+                                  <p:stCondLst>
+                                    <p:cond delay="0"/>
+                                  </p:stCondLst>
+                                  <p:childTnLst>
+                                    <p:set>
+                                      <p:cBhvr>
+                                        <p:cTn id="6" dur="1" fill="hold">
+                                          <p:stCondLst>
+                                            <p:cond delay="0"/>
+                                          </p:stCondLst>
+                                        </p:cTn>
+                                        <p:tgtEl>
+                                          <p:spTgt spid="10"/>
+                                        </p:tgtEl>
+                                        <p:attrNameLst>
+                                          <p:attrName>style.visibility</p:attrName>
+                                        </p:attrNameLst>
+                                      </p:cBhvr>
+                                      <p:to>
+                                        <p:strVal val="visible"/>
+                                      </p:to>
+                                    </p:set>
+                                    <p:animEffect transition="in" filter="fade">
+                                      <p:cBhvr>
+                                        <p:cTn id="7" dur="1000"/>
+                                        <p:tgtEl>
+                                          <p:spTgt spid="10"/>
+                                        </p:tgtEl>
+                                      </p:cBhvr>
+                                    </p:animEffect>
+                                    <p:anim calcmode="lin" valueType="num">
+                                      <p:cBhvr>
+                                        <p:cTn id="8" dur="1000" fill="hold"/>
+                                        <p:tgtEl>
+                                          <p:spTgt spid="10"/>
+                                        </p:tgtEl>
+                                        <p:attrNameLst>
+                                          <p:attrName>ppt_x</p:attrName>
+                                        </p:attrNameLst>
+                                      </p:cBhvr>
+                                      <p:tavLst>
+                                        <p:tav tm="0">
+                                          <p:val>
+                                            <p:strVal val="#ppt_x"/>
+                                          </p:val>
+                                        </p:tav>
+                                        <p:tav tm="100000">
+                                          <p:val>
+                                            <p:strVal val="#ppt_x"/>
+                                          </p:val>
+                                        </p:tav>
+                                      </p:tavLst>
+                                    </p:anim>
+                                    <p:anim calcmode="lin" valueType="num">
+                                      <p:cBhvr>
+                                        <p:cTn id="9" dur="1000" fill="hold"/>
+                                        <p:tgtEl>
+                                          <p:spTgt spid="10"/>
+                                        </p:tgtEl>
+                                        <p:attrNameLst>
+                                          <p:attrName>ppt_y</p:attrName>
+                                        </p:attrNameLst>
+                                      </p:cBhvr>
+                                      <p:tavLst>
+                                        <p:tav tm="0">
+                                          <p:val>
+                                            <p:strVal val="#ppt_y+.1"/>
+                                          </p:val>
+                                        </p:tav>
+                                        <p:tav tm="100000">
+                                          <p:val>
+                                            <p:strVal val="#ppt_y"/>
+                                          </p:val>
+                                        </p:tav>
+                                      </p:tavLst>
+                                    </p:anim>
+                                  </p:childTnLst>
+                                </p:cTn>
+                              </p:par>
+                            </p:childTnLst>
+                          </p:cTn>
+                        </p:par>
+                      </p:childTnLst>
+                    </p:cTn>
+                  </p:par>
+                </p:childTnLst>
+              </p:cTn>
+              <p:prevCondLst>
+                <p:cond evt="onPrev" delay="0">
+                  <p:tgtEl>
+                    <p:sldTgt/>
+                  </p:tgtEl>
+                </p:cond>
+              </p:prevCondLst>
+              <p:nextCondLst>
+                <p:cond evt="onNext" delay="0">
+                  <p:tgtEl>
+                    <p:sldTgt/>
+                  </p:tgtEl>
+                </p:cond>
+              </p:nextCondLst>
+            </p:seq>
+          </p:childTnLst>
+        </p:cTn>
+      </p:par>
+    </p:tnLst>
+    <p:bldLst>
+      <p:bldP spid="10" grpId="0" bldLvl="0" animBg="1"/>
+    </p:bldLst>
+  </p:timing>
+</p:sld>
+</file>
+
+<file path=ppt/slides/slide28.xml><?xml version="1.0" encoding="utf-8"?>
+<p:sld xmlns:a="http://schemas.openxmlformats.org/drawingml/2006/main" xmlns:r="http://schemas.openxmlformats.org/officeDocument/2006/relationships" xmlns:p="http://schemas.openxmlformats.org/presentationml/2006/main">
+  <p:cSld>
+    <p:spTree>
+      <p:nvGrpSpPr>
+        <p:cNvPr id="1" name=""/>
+        <p:cNvGrpSpPr/>
+        <p:nvPr/>
+      </p:nvGrpSpPr>
+      <p:grpSpPr>
+        <a:xfrm>
+          <a:off x="0" y="0"/>
+          <a:ext cx="0" cy="0"/>
+          <a:chOff x="0" y="0"/>
+          <a:chExt cx="0" cy="0"/>
+        </a:xfrm>
+      </p:grpSpPr>
+      <p:cxnSp>
+        <p:nvCxnSpPr>
+          <p:cNvPr id="4" name="直接连接符 3" descr="e7d195523061f1c0deeec63e560781cfd59afb0ea006f2a87ABB68BF51EA6619813959095094C18C62A12F549504892A4AAA8C1554C6663626E05CA27F281A14E6983772AFC3FB97135759321DEA3D7047B2D20B121D4E05A6D0F227958A32026FEBB3ABD36322023181A2FF8EA235E789B1C6FF9A70CDD2C90B48B40EB7806F7806DF616AB3CE63"/>
+          <p:cNvCxnSpPr/>
+          <p:nvPr/>
+        </p:nvCxnSpPr>
+        <p:spPr>
+          <a:xfrm flipH="1">
+            <a:off x="1793809" y="1256083"/>
+            <a:ext cx="3600000" cy="2"/>
+          </a:xfrm>
+          <a:prstGeom prst="line">
+            <a:avLst/>
+          </a:prstGeom>
+          <a:ln w="63500">
+            <a:solidFill>
+              <a:srgbClr val="333333"/>
+            </a:solidFill>
+          </a:ln>
+        </p:spPr>
+        <p:style>
+          <a:lnRef idx="1">
+            <a:schemeClr val="accent1"/>
+          </a:lnRef>
+          <a:fillRef idx="0">
+            <a:schemeClr val="accent1"/>
+          </a:fillRef>
+          <a:effectRef idx="0">
+            <a:schemeClr val="accent1"/>
+          </a:effectRef>
+          <a:fontRef idx="minor">
+            <a:schemeClr val="tx1"/>
+          </a:fontRef>
+        </p:style>
+      </p:cxnSp>
+      <p:pic>
+        <p:nvPicPr>
+          <p:cNvPr id="5" name="图片 4"/>
+          <p:cNvPicPr>
+            <a:picLocks noChangeAspect="1"/>
+          </p:cNvPicPr>
+          <p:nvPr/>
+        </p:nvPicPr>
+        <p:blipFill>
+          <a:blip r:embed="rId1"/>
+          <a:stretch>
+            <a:fillRect/>
+          </a:stretch>
+        </p:blipFill>
+        <p:spPr>
+          <a:xfrm>
+            <a:off x="0" y="177059"/>
+            <a:ext cx="1188720" cy="1188752"/>
+          </a:xfrm>
+          <a:prstGeom prst="rect">
+            <a:avLst/>
+          </a:prstGeom>
+        </p:spPr>
+      </p:pic>
+      <p:sp>
+        <p:nvSpPr>
+          <p:cNvPr id="8" name="矩形 7"/>
+          <p:cNvSpPr/>
+          <p:nvPr/>
+        </p:nvSpPr>
+        <p:spPr>
+          <a:xfrm>
+            <a:off x="145415" y="2824480"/>
+            <a:ext cx="5814060" cy="3536950"/>
+          </a:xfrm>
+          <a:prstGeom prst="rect">
+            <a:avLst/>
+          </a:prstGeom>
+          <a:noFill/>
+          <a:ln w="50800">
+            <a:solidFill>
+              <a:srgbClr val="333333"/>
+            </a:solidFill>
+          </a:ln>
+        </p:spPr>
+        <p:style>
+          <a:lnRef idx="2">
+            <a:schemeClr val="accent1">
+              <a:shade val="50000"/>
+            </a:schemeClr>
+          </a:lnRef>
+          <a:fillRef idx="1">
+            <a:schemeClr val="accent1"/>
+          </a:fillRef>
+          <a:effectRef idx="0">
+            <a:schemeClr val="accent1"/>
+          </a:effectRef>
+          <a:fontRef idx="minor">
+            <a:schemeClr val="lt1"/>
+          </a:fontRef>
+        </p:style>
+        <p:txBody>
+          <a:bodyPr rtlCol="0" anchor="ctr"/>
+          <a:lstStyle/>
+          <a:p>
+            <a:pPr algn="ctr"/>
+            <a:endParaRPr lang="zh-CN" altLang="en-US"/>
+          </a:p>
+        </p:txBody>
+      </p:sp>
+      <p:sp>
+        <p:nvSpPr>
+          <p:cNvPr id="22" name="文本框 21"/>
+          <p:cNvSpPr txBox="1"/>
+          <p:nvPr/>
+        </p:nvSpPr>
+        <p:spPr>
+          <a:xfrm>
+            <a:off x="295275" y="2961005"/>
+            <a:ext cx="5497195" cy="371475"/>
+          </a:xfrm>
+          <a:prstGeom prst="rect">
+            <a:avLst/>
+          </a:prstGeom>
+          <a:noFill/>
+        </p:spPr>
+        <p:txBody>
+          <a:bodyPr wrap="square" rtlCol="0">
+            <a:spAutoFit/>
+            <a:scene3d>
+              <a:camera prst="orthographicFront"/>
+              <a:lightRig rig="threePt" dir="t"/>
+            </a:scene3d>
+            <a:sp3d contourW="12700"/>
+          </a:bodyPr>
+          <a:lstStyle/>
+          <a:p>
+            <a:pPr algn="ctr">
+              <a:lnSpc>
+                <a:spcPct val="114000"/>
+              </a:lnSpc>
+            </a:pPr>
+            <a:r>
+              <a:rPr lang="tr-TR" altLang="en-US" sz="1600" dirty="0">
+                <a:solidFill>
+                  <a:srgbClr val="FF0000"/>
+                </a:solidFill>
+                <a:latin typeface="Arial" panose="020B0604020202020204" pitchFamily="34" charset="0"/>
+                <a:ea typeface="+mj-ea"/>
+              </a:rPr>
+              <a:t>let dizi=[]</a:t>
+            </a:r>
+            <a:endParaRPr lang="tr-TR" altLang="en-US" sz="1600" dirty="0">
+              <a:solidFill>
+                <a:srgbClr val="333333"/>
+              </a:solidFill>
+              <a:latin typeface="Arial" panose="020B0604020202020204" pitchFamily="34" charset="0"/>
+              <a:ea typeface="+mj-ea"/>
+            </a:endParaRPr>
+          </a:p>
+        </p:txBody>
+      </p:sp>
+      <p:sp>
+        <p:nvSpPr>
+          <p:cNvPr id="11" name="文本框 20"/>
+          <p:cNvSpPr txBox="1"/>
+          <p:nvPr/>
+        </p:nvSpPr>
+        <p:spPr>
+          <a:xfrm>
+            <a:off x="1427480" y="177165"/>
+            <a:ext cx="6256655" cy="953135"/>
+          </a:xfrm>
+          <a:prstGeom prst="rect">
+            <a:avLst/>
+          </a:prstGeom>
+          <a:noFill/>
+        </p:spPr>
+        <p:txBody>
+          <a:bodyPr wrap="square" rtlCol="0">
+            <a:spAutoFit/>
+          </a:bodyPr>
+          <a:p>
+            <a:pPr algn="ctr"/>
+            <a:r>
+              <a:rPr lang="tr-TR" altLang="zh-CN" sz="2800" b="1" dirty="0">
+                <a:solidFill>
+                  <a:srgbClr val="333333"/>
+                </a:solidFill>
+                <a:latin typeface="Arial" panose="020B0604020202020204" pitchFamily="34" charset="0"/>
+                <a:ea typeface="Arial" panose="020B0604020202020204" pitchFamily="34" charset="0"/>
+                <a:sym typeface="+mn-ea"/>
+              </a:rPr>
+              <a:t>let dizi=[] ile let dizi2=new Array() </a:t>
+            </a:r>
+            <a:endParaRPr lang="tr-TR" altLang="zh-CN" sz="2800" b="1" dirty="0">
+              <a:solidFill>
+                <a:srgbClr val="333333"/>
+              </a:solidFill>
+              <a:latin typeface="Arial" panose="020B0604020202020204" pitchFamily="34" charset="0"/>
+              <a:ea typeface="Arial" panose="020B0604020202020204" pitchFamily="34" charset="0"/>
+              <a:sym typeface="+mn-ea"/>
+            </a:endParaRPr>
+          </a:p>
+          <a:p>
+            <a:pPr algn="ctr"/>
+            <a:r>
+              <a:rPr lang="tr-TR" altLang="zh-CN" sz="2800" b="1" dirty="0">
+                <a:solidFill>
+                  <a:srgbClr val="333333"/>
+                </a:solidFill>
+                <a:latin typeface="Arial" panose="020B0604020202020204" pitchFamily="34" charset="0"/>
+                <a:ea typeface="Arial" panose="020B0604020202020204" pitchFamily="34" charset="0"/>
+                <a:sym typeface="+mn-ea"/>
+              </a:rPr>
+              <a:t>Arasındaki Farklar</a:t>
+            </a:r>
+            <a:endParaRPr lang="tr-TR" altLang="zh-CN" sz="2800" b="1" dirty="0">
+              <a:solidFill>
+                <a:srgbClr val="333333"/>
+              </a:solidFill>
+              <a:latin typeface="Arial" panose="020B0604020202020204" pitchFamily="34" charset="0"/>
+              <a:ea typeface="Arial" panose="020B0604020202020204" pitchFamily="34" charset="0"/>
+            </a:endParaRPr>
+          </a:p>
+        </p:txBody>
+      </p:sp>
+      <p:sp>
+        <p:nvSpPr>
+          <p:cNvPr id="6" name="矩形 7"/>
+          <p:cNvSpPr/>
+          <p:nvPr/>
+        </p:nvSpPr>
+        <p:spPr>
+          <a:xfrm>
+            <a:off x="6167755" y="2825115"/>
+            <a:ext cx="5814060" cy="3535680"/>
+          </a:xfrm>
+          <a:prstGeom prst="rect">
+            <a:avLst/>
+          </a:prstGeom>
+          <a:noFill/>
+          <a:ln w="50800">
+            <a:solidFill>
+              <a:srgbClr val="333333"/>
+            </a:solidFill>
+          </a:ln>
+        </p:spPr>
+        <p:style>
+          <a:lnRef idx="2">
+            <a:schemeClr val="accent1">
+              <a:shade val="50000"/>
+            </a:schemeClr>
+          </a:lnRef>
+          <a:fillRef idx="1">
+            <a:schemeClr val="accent1"/>
+          </a:fillRef>
+          <a:effectRef idx="0">
+            <a:schemeClr val="accent1"/>
+          </a:effectRef>
+          <a:fontRef idx="minor">
+            <a:schemeClr val="lt1"/>
+          </a:fontRef>
+        </p:style>
+        <p:txBody>
+          <a:bodyPr rtlCol="0" anchor="ctr"/>
+          <a:p>
+            <a:pPr algn="ctr"/>
+            <a:endParaRPr lang="zh-CN" altLang="en-US"/>
+          </a:p>
+        </p:txBody>
+      </p:sp>
+      <p:sp>
+        <p:nvSpPr>
+          <p:cNvPr id="7" name="文本框 21"/>
+          <p:cNvSpPr txBox="1"/>
+          <p:nvPr/>
+        </p:nvSpPr>
+        <p:spPr>
+          <a:xfrm>
+            <a:off x="6325870" y="2961005"/>
+            <a:ext cx="5497195" cy="371475"/>
+          </a:xfrm>
+          <a:prstGeom prst="rect">
+            <a:avLst/>
+          </a:prstGeom>
+          <a:noFill/>
+        </p:spPr>
+        <p:txBody>
+          <a:bodyPr wrap="square" rtlCol="0">
+            <a:spAutoFit/>
+            <a:scene3d>
+              <a:camera prst="orthographicFront"/>
+              <a:lightRig rig="threePt" dir="t"/>
+            </a:scene3d>
+            <a:sp3d contourW="12700"/>
+          </a:bodyPr>
+          <a:p>
+            <a:pPr algn="ctr">
+              <a:lnSpc>
+                <a:spcPct val="114000"/>
+              </a:lnSpc>
+            </a:pPr>
+            <a:r>
+              <a:rPr lang="tr-TR" altLang="en-US" sz="1600" dirty="0">
+                <a:solidFill>
+                  <a:srgbClr val="FF0000"/>
+                </a:solidFill>
+                <a:latin typeface="Arial" panose="020B0604020202020204" pitchFamily="34" charset="0"/>
+                <a:ea typeface="+mj-ea"/>
+              </a:rPr>
+              <a:t>let dizi2=new Array()</a:t>
+            </a:r>
+            <a:endParaRPr lang="tr-TR" altLang="en-US" sz="1600" dirty="0">
+              <a:solidFill>
+                <a:srgbClr val="333333"/>
+              </a:solidFill>
+              <a:latin typeface="Arial" panose="020B0604020202020204" pitchFamily="34" charset="0"/>
+              <a:ea typeface="+mj-ea"/>
+            </a:endParaRPr>
+          </a:p>
+        </p:txBody>
+      </p:sp>
+      <p:sp>
+        <p:nvSpPr>
+          <p:cNvPr id="2" name="矩形 7"/>
+          <p:cNvSpPr/>
+          <p:nvPr/>
+        </p:nvSpPr>
+        <p:spPr>
+          <a:xfrm>
+            <a:off x="145415" y="1585595"/>
+            <a:ext cx="11845290" cy="909320"/>
+          </a:xfrm>
+          <a:prstGeom prst="rect">
+            <a:avLst/>
+          </a:prstGeom>
+          <a:noFill/>
+          <a:ln w="50800">
+            <a:solidFill>
+              <a:srgbClr val="333333"/>
+            </a:solidFill>
+          </a:ln>
+        </p:spPr>
+        <p:style>
+          <a:lnRef idx="2">
+            <a:schemeClr val="accent1">
+              <a:shade val="50000"/>
+            </a:schemeClr>
+          </a:lnRef>
+          <a:fillRef idx="1">
+            <a:schemeClr val="accent1"/>
+          </a:fillRef>
+          <a:effectRef idx="0">
+            <a:schemeClr val="accent1"/>
+          </a:effectRef>
+          <a:fontRef idx="minor">
+            <a:schemeClr val="lt1"/>
+          </a:fontRef>
+        </p:style>
+        <p:txBody>
+          <a:bodyPr rtlCol="0" anchor="ctr"/>
+          <a:p>
+            <a:pPr algn="ctr"/>
+            <a:endParaRPr lang="zh-CN" altLang="en-US"/>
+          </a:p>
+        </p:txBody>
+      </p:sp>
+      <p:sp>
+        <p:nvSpPr>
+          <p:cNvPr id="3" name="文本框 21"/>
+          <p:cNvSpPr txBox="1"/>
+          <p:nvPr/>
+        </p:nvSpPr>
+        <p:spPr>
+          <a:xfrm>
+            <a:off x="304800" y="1757680"/>
+            <a:ext cx="11526520" cy="651510"/>
+          </a:xfrm>
+          <a:prstGeom prst="rect">
+            <a:avLst/>
+          </a:prstGeom>
+          <a:noFill/>
+        </p:spPr>
+        <p:txBody>
+          <a:bodyPr wrap="square" rtlCol="0">
+            <a:spAutoFit/>
+            <a:scene3d>
+              <a:camera prst="orthographicFront"/>
+              <a:lightRig rig="threePt" dir="t"/>
+            </a:scene3d>
+            <a:sp3d contourW="12700"/>
+          </a:bodyPr>
+          <a:p>
+            <a:pPr algn="ctr">
+              <a:lnSpc>
+                <a:spcPct val="114000"/>
+              </a:lnSpc>
+            </a:pPr>
+            <a:r>
+              <a:rPr lang="tr-TR" altLang="en-US" sz="1600" dirty="0">
+                <a:solidFill>
+                  <a:srgbClr val="FF0000"/>
+                </a:solidFill>
+                <a:latin typeface="Arial" panose="020B0604020202020204" pitchFamily="34" charset="0"/>
+                <a:ea typeface="+mj-ea"/>
+              </a:rPr>
+              <a:t>Farklar</a:t>
+            </a:r>
+            <a:endParaRPr lang="tr-TR" altLang="en-US" sz="1600" dirty="0">
+              <a:solidFill>
+                <a:srgbClr val="FF0000"/>
+              </a:solidFill>
+              <a:latin typeface="Arial" panose="020B0604020202020204" pitchFamily="34" charset="0"/>
+              <a:ea typeface="+mj-ea"/>
+            </a:endParaRPr>
+          </a:p>
+          <a:p>
+            <a:pPr algn="l">
+              <a:lnSpc>
+                <a:spcPct val="114000"/>
+              </a:lnSpc>
+            </a:pPr>
+            <a:r>
+              <a:rPr lang="tr-TR" altLang="en-US" sz="1600" dirty="0">
+                <a:solidFill>
+                  <a:srgbClr val="333333"/>
+                </a:solidFill>
+                <a:latin typeface="Arial" panose="020B0604020202020204" pitchFamily="34" charset="0"/>
+                <a:ea typeface="+mj-ea"/>
+              </a:rPr>
+              <a:t>Fonksiyonel olarak bir farkı yoktur. Yazım itibari ile farkı vardır. İkisi de aynı çıktıları verir ve aynı işlevleri yaparlar.</a:t>
+            </a:r>
+            <a:endParaRPr lang="tr-TR" altLang="en-US" sz="1600" dirty="0">
+              <a:solidFill>
+                <a:srgbClr val="333333"/>
+              </a:solidFill>
+              <a:latin typeface="Arial" panose="020B0604020202020204" pitchFamily="34" charset="0"/>
+              <a:ea typeface="+mj-ea"/>
+            </a:endParaRPr>
+          </a:p>
+        </p:txBody>
+      </p:sp>
+      <p:pic>
+        <p:nvPicPr>
+          <p:cNvPr id="9" name="Picture 8" descr="1"/>
+          <p:cNvPicPr>
+            <a:picLocks noChangeAspect="1"/>
+          </p:cNvPicPr>
+          <p:nvPr/>
+        </p:nvPicPr>
+        <p:blipFill>
+          <a:blip r:embed="rId2"/>
+          <a:stretch>
+            <a:fillRect/>
+          </a:stretch>
+        </p:blipFill>
+        <p:spPr>
+          <a:xfrm>
+            <a:off x="6248400" y="3332480"/>
+            <a:ext cx="5651500" cy="906780"/>
+          </a:xfrm>
+          <a:prstGeom prst="rect">
+            <a:avLst/>
+          </a:prstGeom>
+        </p:spPr>
+      </p:pic>
+      <p:pic>
+        <p:nvPicPr>
+          <p:cNvPr id="10" name="Picture 9" descr="2"/>
+          <p:cNvPicPr>
+            <a:picLocks noChangeAspect="1"/>
+          </p:cNvPicPr>
+          <p:nvPr/>
+        </p:nvPicPr>
+        <p:blipFill>
+          <a:blip r:embed="rId3"/>
+          <a:stretch>
+            <a:fillRect/>
+          </a:stretch>
+        </p:blipFill>
+        <p:spPr>
+          <a:xfrm>
+            <a:off x="8024495" y="4653915"/>
+            <a:ext cx="2100580" cy="429260"/>
+          </a:xfrm>
+          <a:prstGeom prst="rect">
+            <a:avLst/>
+          </a:prstGeom>
+        </p:spPr>
+      </p:pic>
+      <p:pic>
+        <p:nvPicPr>
+          <p:cNvPr id="12" name="Picture 11" descr="3"/>
+          <p:cNvPicPr>
+            <a:picLocks noChangeAspect="1"/>
+          </p:cNvPicPr>
+          <p:nvPr/>
+        </p:nvPicPr>
+        <p:blipFill>
+          <a:blip r:embed="rId4"/>
+          <a:stretch>
+            <a:fillRect/>
+          </a:stretch>
+        </p:blipFill>
+        <p:spPr>
+          <a:xfrm>
+            <a:off x="401320" y="3275965"/>
+            <a:ext cx="5422900" cy="1047750"/>
+          </a:xfrm>
+          <a:prstGeom prst="rect">
+            <a:avLst/>
+          </a:prstGeom>
+        </p:spPr>
+      </p:pic>
+      <p:pic>
+        <p:nvPicPr>
+          <p:cNvPr id="13" name="Picture 12" descr="2"/>
+          <p:cNvPicPr>
+            <a:picLocks noChangeAspect="1"/>
+          </p:cNvPicPr>
+          <p:nvPr/>
+        </p:nvPicPr>
+        <p:blipFill>
+          <a:blip r:embed="rId3"/>
+          <a:stretch>
+            <a:fillRect/>
+          </a:stretch>
+        </p:blipFill>
+        <p:spPr>
+          <a:xfrm>
+            <a:off x="1957705" y="4370705"/>
+            <a:ext cx="2172335" cy="443865"/>
+          </a:xfrm>
+          <a:prstGeom prst="rect">
+            <a:avLst/>
+          </a:prstGeom>
+        </p:spPr>
+      </p:pic>
+    </p:spTree>
+  </p:cSld>
+  <p:clrMapOvr>
+    <a:masterClrMapping/>
+  </p:clrMapOvr>
+  <p:timing>
+    <p:tnLst>
+      <p:par>
+        <p:cTn id="1" dur="indefinite" restart="never" nodeType="tmRoot">
+          <p:childTnLst>
+            <p:seq concurrent="1" nextAc="seek">
+              <p:cTn id="2" dur="indefinite" nodeType="mainSeq">
+                <p:childTnLst>
+                  <p:par>
+                    <p:cTn id="3" fill="hold">
+                      <p:stCondLst>
+                        <p:cond delay="indefinite"/>
+                        <p:cond evt="onBegin" delay="0">
+                          <p:tn val="2"/>
+                        </p:cond>
+                      </p:stCondLst>
+                      <p:childTnLst>
+                        <p:par>
+                          <p:cTn id="4" fill="hold">
+                            <p:stCondLst>
+                              <p:cond delay="0"/>
+                            </p:stCondLst>
+                            <p:childTnLst>
+                              <p:par>
+                                <p:cTn id="5" presetID="2" presetClass="entr" presetSubtype="2" decel="100000" fill="hold" grpId="0" nodeType="withEffect">
+                                  <p:stCondLst>
+                                    <p:cond delay="0"/>
+                                  </p:stCondLst>
+                                  <p:childTnLst>
+                                    <p:set>
+                                      <p:cBhvr>
+                                        <p:cTn id="6" dur="1" fill="hold">
+                                          <p:stCondLst>
+                                            <p:cond delay="0"/>
+                                          </p:stCondLst>
+                                        </p:cTn>
+                                        <p:tgtEl>
+                                          <p:spTgt spid="8"/>
+                                        </p:tgtEl>
+                                        <p:attrNameLst>
+                                          <p:attrName>style.visibility</p:attrName>
+                                        </p:attrNameLst>
+                                      </p:cBhvr>
+                                      <p:to>
+                                        <p:strVal val="visible"/>
+                                      </p:to>
+                                    </p:set>
+                                    <p:anim calcmode="lin" valueType="num">
+                                      <p:cBhvr additive="base">
+                                        <p:cTn id="7" dur="750" fill="hold"/>
+                                        <p:tgtEl>
+                                          <p:spTgt spid="8"/>
+                                        </p:tgtEl>
+                                        <p:attrNameLst>
+                                          <p:attrName>ppt_x</p:attrName>
+                                        </p:attrNameLst>
+                                      </p:cBhvr>
+                                      <p:tavLst>
+                                        <p:tav tm="0">
+                                          <p:val>
+                                            <p:strVal val="1+#ppt_w/2"/>
+                                          </p:val>
+                                        </p:tav>
+                                        <p:tav tm="100000">
+                                          <p:val>
+                                            <p:strVal val="#ppt_x"/>
+                                          </p:val>
+                                        </p:tav>
+                                      </p:tavLst>
+                                    </p:anim>
+                                    <p:anim calcmode="lin" valueType="num">
+                                      <p:cBhvr additive="base">
+                                        <p:cTn id="8" dur="750" fill="hold"/>
+                                        <p:tgtEl>
+                                          <p:spTgt spid="8"/>
+                                        </p:tgtEl>
+                                        <p:attrNameLst>
+                                          <p:attrName>ppt_y</p:attrName>
+                                        </p:attrNameLst>
+                                      </p:cBhvr>
+                                      <p:tavLst>
+                                        <p:tav tm="0">
+                                          <p:val>
+                                            <p:strVal val="#ppt_y"/>
+                                          </p:val>
+                                        </p:tav>
+                                        <p:tav tm="100000">
+                                          <p:val>
+                                            <p:strVal val="#ppt_y"/>
+                                          </p:val>
+                                        </p:tav>
+                                      </p:tavLst>
+                                    </p:anim>
+                                  </p:childTnLst>
+                                </p:cTn>
+                              </p:par>
+                              <p:par>
+                                <p:cTn id="9" presetID="2" presetClass="entr" presetSubtype="2" decel="100000" fill="hold" grpId="0" nodeType="withEffect">
+                                  <p:stCondLst>
+                                    <p:cond delay="0"/>
+                                  </p:stCondLst>
+                                  <p:childTnLst>
+                                    <p:set>
+                                      <p:cBhvr>
+                                        <p:cTn id="10" dur="1" fill="hold">
+                                          <p:stCondLst>
+                                            <p:cond delay="0"/>
+                                          </p:stCondLst>
+                                        </p:cTn>
+                                        <p:tgtEl>
+                                          <p:spTgt spid="6"/>
+                                        </p:tgtEl>
+                                        <p:attrNameLst>
+                                          <p:attrName>style.visibility</p:attrName>
+                                        </p:attrNameLst>
+                                      </p:cBhvr>
+                                      <p:to>
+                                        <p:strVal val="visible"/>
+                                      </p:to>
+                                    </p:set>
+                                    <p:anim calcmode="lin" valueType="num">
+                                      <p:cBhvr additive="base">
+                                        <p:cTn id="11" dur="750" fill="hold"/>
+                                        <p:tgtEl>
+                                          <p:spTgt spid="6"/>
+                                        </p:tgtEl>
+                                        <p:attrNameLst>
+                                          <p:attrName>ppt_x</p:attrName>
+                                        </p:attrNameLst>
+                                      </p:cBhvr>
+                                      <p:tavLst>
+                                        <p:tav tm="0">
+                                          <p:val>
+                                            <p:strVal val="1+#ppt_w/2"/>
+                                          </p:val>
+                                        </p:tav>
+                                        <p:tav tm="100000">
+                                          <p:val>
+                                            <p:strVal val="#ppt_x"/>
+                                          </p:val>
+                                        </p:tav>
+                                      </p:tavLst>
+                                    </p:anim>
+                                    <p:anim calcmode="lin" valueType="num">
+                                      <p:cBhvr additive="base">
+                                        <p:cTn id="12" dur="750" fill="hold"/>
+                                        <p:tgtEl>
+                                          <p:spTgt spid="6"/>
+                                        </p:tgtEl>
+                                        <p:attrNameLst>
+                                          <p:attrName>ppt_y</p:attrName>
+                                        </p:attrNameLst>
+                                      </p:cBhvr>
+                                      <p:tavLst>
+                                        <p:tav tm="0">
+                                          <p:val>
+                                            <p:strVal val="#ppt_y"/>
+                                          </p:val>
+                                        </p:tav>
+                                        <p:tav tm="100000">
+                                          <p:val>
+                                            <p:strVal val="#ppt_y"/>
+                                          </p:val>
+                                        </p:tav>
+                                      </p:tavLst>
+                                    </p:anim>
+                                  </p:childTnLst>
+                                </p:cTn>
+                              </p:par>
+                              <p:par>
+                                <p:cTn id="13" presetID="2" presetClass="entr" presetSubtype="2" decel="100000" fill="hold" grpId="0" nodeType="withEffect">
+                                  <p:stCondLst>
+                                    <p:cond delay="0"/>
+                                  </p:stCondLst>
+                                  <p:childTnLst>
+                                    <p:set>
+                                      <p:cBhvr>
+                                        <p:cTn id="14" dur="1" fill="hold">
+                                          <p:stCondLst>
+                                            <p:cond delay="0"/>
+                                          </p:stCondLst>
+                                        </p:cTn>
+                                        <p:tgtEl>
+                                          <p:spTgt spid="2"/>
+                                        </p:tgtEl>
+                                        <p:attrNameLst>
+                                          <p:attrName>style.visibility</p:attrName>
+                                        </p:attrNameLst>
+                                      </p:cBhvr>
+                                      <p:to>
+                                        <p:strVal val="visible"/>
+                                      </p:to>
+                                    </p:set>
+                                    <p:anim calcmode="lin" valueType="num">
+                                      <p:cBhvr additive="base">
+                                        <p:cTn id="15" dur="750" fill="hold"/>
+                                        <p:tgtEl>
+                                          <p:spTgt spid="2"/>
+                                        </p:tgtEl>
+                                        <p:attrNameLst>
+                                          <p:attrName>ppt_x</p:attrName>
+                                        </p:attrNameLst>
+                                      </p:cBhvr>
+                                      <p:tavLst>
+                                        <p:tav tm="0">
+                                          <p:val>
+                                            <p:strVal val="1+#ppt_w/2"/>
+                                          </p:val>
+                                        </p:tav>
+                                        <p:tav tm="100000">
+                                          <p:val>
+                                            <p:strVal val="#ppt_x"/>
+                                          </p:val>
+                                        </p:tav>
+                                      </p:tavLst>
+                                    </p:anim>
+                                    <p:anim calcmode="lin" valueType="num">
+                                      <p:cBhvr additive="base">
+                                        <p:cTn id="16" dur="750" fill="hold"/>
+                                        <p:tgtEl>
+                                          <p:spTgt spid="2"/>
+                                        </p:tgtEl>
+                                        <p:attrNameLst>
+                                          <p:attrName>ppt_y</p:attrName>
+                                        </p:attrNameLst>
+                                      </p:cBhvr>
+                                      <p:tavLst>
+                                        <p:tav tm="0">
+                                          <p:val>
+                                            <p:strVal val="#ppt_y"/>
+                                          </p:val>
+                                        </p:tav>
+                                        <p:tav tm="100000">
+                                          <p:val>
+                                            <p:strVal val="#ppt_y"/>
+                                          </p:val>
+                                        </p:tav>
+                                      </p:tavLst>
+                                    </p:anim>
+                                  </p:childTnLst>
+                                </p:cTn>
+                              </p:par>
+                            </p:childTnLst>
+                          </p:cTn>
+                        </p:par>
+                      </p:childTnLst>
+                    </p:cTn>
+                  </p:par>
+                </p:childTnLst>
+              </p:cTn>
+              <p:prevCondLst>
+                <p:cond evt="onPrev" delay="0">
+                  <p:tgtEl>
+                    <p:sldTgt/>
+                  </p:tgtEl>
+                </p:cond>
+              </p:prevCondLst>
+              <p:nextCondLst>
+                <p:cond evt="onNext" delay="0">
+                  <p:tgtEl>
+                    <p:sldTgt/>
+                  </p:tgtEl>
+                </p:cond>
+              </p:nextCondLst>
+            </p:seq>
+          </p:childTnLst>
+        </p:cTn>
+      </p:par>
+    </p:tnLst>
+    <p:bldLst>
+      <p:bldP spid="8" grpId="0" bldLvl="0" animBg="1"/>
+      <p:bldP spid="6" grpId="0" bldLvl="0" animBg="1"/>
+      <p:bldP spid="2" grpId="0" bldLvl="0" animBg="1"/>
     </p:bldLst>
   </p:timing>
 </p:sld>
